--- a/struktura kniznice.pptx
+++ b/struktura kniznice.pptx
@@ -3221,7 +3221,7 @@
         </p:nvSpPr>
         <p:spPr>
           <a:xfrm>
-            <a:off x="1187145" y="4383264"/>
+            <a:off x="1187145" y="5805664"/>
             <a:ext cx="929742" cy="369332"/>
           </a:xfrm>
           <a:prstGeom prst="rect">
@@ -3256,7 +3256,7 @@
         </p:nvSpPr>
         <p:spPr>
           <a:xfrm>
-            <a:off x="1886196" y="4933229"/>
+            <a:off x="1886196" y="6355629"/>
             <a:ext cx="1061060" cy="369332"/>
           </a:xfrm>
           <a:prstGeom prst="rect">
@@ -3284,48 +3284,13 @@
       </p:sp>
       <p:sp>
         <p:nvSpPr>
-          <p:cNvPr id="13" name="Rectangle 12"/>
-          <p:cNvSpPr/>
-          <p:nvPr/>
-        </p:nvSpPr>
-        <p:spPr>
-          <a:xfrm>
-            <a:off x="1886197" y="6081271"/>
-            <a:ext cx="1585690" cy="369332"/>
-          </a:xfrm>
-          <a:prstGeom prst="rect">
-            <a:avLst/>
-          </a:prstGeom>
-          <a:solidFill>
-            <a:schemeClr val="accent4">
-              <a:lumMod val="20000"/>
-              <a:lumOff val="80000"/>
-            </a:schemeClr>
-          </a:solidFill>
-        </p:spPr>
-        <p:txBody>
-          <a:bodyPr wrap="none">
-            <a:spAutoFit/>
-          </a:bodyPr>
-          <a:lstStyle/>
-          <a:p>
-            <a:r>
-              <a:rPr lang="en-US" sz="1800" dirty="0" err="1"/>
-              <a:t>plot.characters</a:t>
-            </a:r>
-            <a:endParaRPr lang="en-US" sz="1800" dirty="0"/>
-          </a:p>
-        </p:txBody>
-      </p:sp>
-      <p:sp>
-        <p:nvSpPr>
           <p:cNvPr id="14" name="Rectangle 13"/>
           <p:cNvSpPr/>
           <p:nvPr/>
         </p:nvSpPr>
         <p:spPr>
           <a:xfrm>
-            <a:off x="1886197" y="5507250"/>
+            <a:off x="1886197" y="6929650"/>
             <a:ext cx="3043590" cy="369332"/>
           </a:xfrm>
           <a:prstGeom prst="rect">
@@ -3363,7 +3328,7 @@
         </p:nvSpPr>
         <p:spPr>
           <a:xfrm>
-            <a:off x="5379617" y="5507250"/>
+            <a:off x="5379617" y="6929650"/>
             <a:ext cx="1250342" cy="369332"/>
           </a:xfrm>
           <a:prstGeom prst="rect">
@@ -3398,7 +3363,7 @@
         </p:nvSpPr>
         <p:spPr>
           <a:xfrm>
-            <a:off x="7188956" y="5507250"/>
+            <a:off x="7188956" y="6929650"/>
             <a:ext cx="1368773" cy="369332"/>
           </a:xfrm>
           <a:prstGeom prst="rect">
@@ -3427,20 +3392,20 @@
       </p:sp>
       <p:sp>
         <p:nvSpPr>
-          <p:cNvPr id="17" name="Rectangle 16"/>
+          <p:cNvPr id="18" name="Rectangle 17"/>
           <p:cNvSpPr/>
           <p:nvPr/>
         </p:nvSpPr>
         <p:spPr>
           <a:xfrm>
-            <a:off x="7188956" y="6081271"/>
-            <a:ext cx="1755609" cy="369332"/>
+            <a:off x="1886197" y="3740017"/>
+            <a:ext cx="875561" cy="369332"/>
           </a:xfrm>
           <a:prstGeom prst="rect">
             <a:avLst/>
           </a:prstGeom>
           <a:solidFill>
-            <a:schemeClr val="accent4">
+            <a:schemeClr val="accent5">
               <a:lumMod val="20000"/>
               <a:lumOff val="80000"/>
             </a:schemeClr>
@@ -3453,8 +3418,40 @@
           <a:lstStyle/>
           <a:p>
             <a:r>
-              <a:rPr lang="en-US" sz="1800" dirty="0" err="1"/>
-              <a:t>labels.characters</a:t>
+              <a:rPr lang="en-US" sz="1800" dirty="0" smtClean="0"/>
+              <a:t>plot.3D</a:t>
+            </a:r>
+            <a:endParaRPr lang="en-US" sz="1800" dirty="0"/>
+          </a:p>
+        </p:txBody>
+      </p:sp>
+      <p:sp>
+        <p:nvSpPr>
+          <p:cNvPr id="19" name="Rectangle 18"/>
+          <p:cNvSpPr/>
+          <p:nvPr/>
+        </p:nvSpPr>
+        <p:spPr>
+          <a:xfrm>
+            <a:off x="1886197" y="7501979"/>
+            <a:ext cx="875561" cy="369332"/>
+          </a:xfrm>
+          <a:prstGeom prst="rect">
+            <a:avLst/>
+          </a:prstGeom>
+          <a:solidFill>
+            <a:srgbClr val="FF0000"/>
+          </a:solidFill>
+        </p:spPr>
+        <p:txBody>
+          <a:bodyPr wrap="none">
+            <a:spAutoFit/>
+          </a:bodyPr>
+          <a:lstStyle/>
+          <a:p>
+            <a:r>
+              <a:rPr lang="en-US" sz="1800" dirty="0" smtClean="0"/>
+              <a:t>plot.3D</a:t>
             </a:r>
             <a:endParaRPr lang="en-US" sz="1800" dirty="0"/>
           </a:p>

--- a/struktura kniznice.pptx
+++ b/struktura kniznice.pptx
@@ -104,6 +104,11 @@
       </a:defRPr>
     </a:lvl9pPr>
   </p:defaultTextStyle>
+  <p:extLst>
+    <p:ext uri="{EFAFB233-063F-42B5-8137-9DF3F51BA10A}">
+      <p15:sldGuideLst xmlns:p15="http://schemas.microsoft.com/office/powerpoint/2012/main"/>
+    </p:ext>
+  </p:extLst>
 </p:presentation>
 </file>
 
@@ -238,7 +243,7 @@
           <a:p>
             <a:fld id="{1CE7EBEE-9833-4BC3-9BD1-B29620C10F11}" type="datetimeFigureOut">
               <a:rPr lang="en-US" smtClean="0"/>
-              <a:t>27-Jan-20</a:t>
+              <a:t>30-Jan-20</a:t>
             </a:fld>
             <a:endParaRPr lang="en-US"/>
           </a:p>
@@ -408,7 +413,7 @@
           <a:p>
             <a:fld id="{1CE7EBEE-9833-4BC3-9BD1-B29620C10F11}" type="datetimeFigureOut">
               <a:rPr lang="en-US" smtClean="0"/>
-              <a:t>27-Jan-20</a:t>
+              <a:t>30-Jan-20</a:t>
             </a:fld>
             <a:endParaRPr lang="en-US"/>
           </a:p>
@@ -588,7 +593,7 @@
           <a:p>
             <a:fld id="{1CE7EBEE-9833-4BC3-9BD1-B29620C10F11}" type="datetimeFigureOut">
               <a:rPr lang="en-US" smtClean="0"/>
-              <a:t>27-Jan-20</a:t>
+              <a:t>30-Jan-20</a:t>
             </a:fld>
             <a:endParaRPr lang="en-US"/>
           </a:p>
@@ -758,7 +763,7 @@
           <a:p>
             <a:fld id="{1CE7EBEE-9833-4BC3-9BD1-B29620C10F11}" type="datetimeFigureOut">
               <a:rPr lang="en-US" smtClean="0"/>
-              <a:t>27-Jan-20</a:t>
+              <a:t>30-Jan-20</a:t>
             </a:fld>
             <a:endParaRPr lang="en-US"/>
           </a:p>
@@ -1002,7 +1007,7 @@
           <a:p>
             <a:fld id="{1CE7EBEE-9833-4BC3-9BD1-B29620C10F11}" type="datetimeFigureOut">
               <a:rPr lang="en-US" smtClean="0"/>
-              <a:t>27-Jan-20</a:t>
+              <a:t>30-Jan-20</a:t>
             </a:fld>
             <a:endParaRPr lang="en-US"/>
           </a:p>
@@ -1234,7 +1239,7 @@
           <a:p>
             <a:fld id="{1CE7EBEE-9833-4BC3-9BD1-B29620C10F11}" type="datetimeFigureOut">
               <a:rPr lang="en-US" smtClean="0"/>
-              <a:t>27-Jan-20</a:t>
+              <a:t>30-Jan-20</a:t>
             </a:fld>
             <a:endParaRPr lang="en-US"/>
           </a:p>
@@ -1601,7 +1606,7 @@
           <a:p>
             <a:fld id="{1CE7EBEE-9833-4BC3-9BD1-B29620C10F11}" type="datetimeFigureOut">
               <a:rPr lang="en-US" smtClean="0"/>
-              <a:t>27-Jan-20</a:t>
+              <a:t>30-Jan-20</a:t>
             </a:fld>
             <a:endParaRPr lang="en-US"/>
           </a:p>
@@ -1719,7 +1724,7 @@
           <a:p>
             <a:fld id="{1CE7EBEE-9833-4BC3-9BD1-B29620C10F11}" type="datetimeFigureOut">
               <a:rPr lang="en-US" smtClean="0"/>
-              <a:t>27-Jan-20</a:t>
+              <a:t>30-Jan-20</a:t>
             </a:fld>
             <a:endParaRPr lang="en-US"/>
           </a:p>
@@ -1814,7 +1819,7 @@
           <a:p>
             <a:fld id="{1CE7EBEE-9833-4BC3-9BD1-B29620C10F11}" type="datetimeFigureOut">
               <a:rPr lang="en-US" smtClean="0"/>
-              <a:t>27-Jan-20</a:t>
+              <a:t>30-Jan-20</a:t>
             </a:fld>
             <a:endParaRPr lang="en-US"/>
           </a:p>
@@ -2091,7 +2096,7 @@
           <a:p>
             <a:fld id="{1CE7EBEE-9833-4BC3-9BD1-B29620C10F11}" type="datetimeFigureOut">
               <a:rPr lang="en-US" smtClean="0"/>
-              <a:t>27-Jan-20</a:t>
+              <a:t>30-Jan-20</a:t>
             </a:fld>
             <a:endParaRPr lang="en-US"/>
           </a:p>
@@ -2348,7 +2353,7 @@
           <a:p>
             <a:fld id="{1CE7EBEE-9833-4BC3-9BD1-B29620C10F11}" type="datetimeFigureOut">
               <a:rPr lang="en-US" smtClean="0"/>
-              <a:t>27-Jan-20</a:t>
+              <a:t>30-Jan-20</a:t>
             </a:fld>
             <a:endParaRPr lang="en-US"/>
           </a:p>
@@ -2561,7 +2566,7 @@
           <a:p>
             <a:fld id="{1CE7EBEE-9833-4BC3-9BD1-B29620C10F11}" type="datetimeFigureOut">
               <a:rPr lang="en-US" smtClean="0"/>
-              <a:t>27-Jan-20</a:t>
+              <a:t>30-Jan-20</a:t>
             </a:fld>
             <a:endParaRPr lang="en-US"/>
           </a:p>
@@ -2974,7 +2979,7 @@
         </p:nvSpPr>
         <p:spPr>
           <a:xfrm>
-            <a:off x="1187146" y="1398764"/>
+            <a:off x="1187146" y="440820"/>
             <a:ext cx="927818" cy="369332"/>
           </a:xfrm>
           <a:prstGeom prst="rect">
@@ -3009,7 +3014,7 @@
         </p:nvSpPr>
         <p:spPr>
           <a:xfrm>
-            <a:off x="1886197" y="1948729"/>
+            <a:off x="1886197" y="990785"/>
             <a:ext cx="1061060" cy="369332"/>
           </a:xfrm>
           <a:prstGeom prst="rect">
@@ -3043,7 +3048,7 @@
         </p:nvSpPr>
         <p:spPr>
           <a:xfrm>
-            <a:off x="1886198" y="3096771"/>
+            <a:off x="1886198" y="2138827"/>
             <a:ext cx="1585690" cy="369332"/>
           </a:xfrm>
           <a:prstGeom prst="rect">
@@ -3078,7 +3083,7 @@
         </p:nvSpPr>
         <p:spPr>
           <a:xfrm>
-            <a:off x="1886198" y="2522750"/>
+            <a:off x="1886198" y="1564806"/>
             <a:ext cx="3043590" cy="369332"/>
           </a:xfrm>
           <a:prstGeom prst="rect">
@@ -3116,7 +3121,7 @@
         </p:nvSpPr>
         <p:spPr>
           <a:xfrm>
-            <a:off x="5379618" y="2522750"/>
+            <a:off x="5379618" y="1564806"/>
             <a:ext cx="1250342" cy="369332"/>
           </a:xfrm>
           <a:prstGeom prst="rect">
@@ -3151,7 +3156,7 @@
         </p:nvSpPr>
         <p:spPr>
           <a:xfrm>
-            <a:off x="7188957" y="2522750"/>
+            <a:off x="7188957" y="1564806"/>
             <a:ext cx="1368773" cy="369332"/>
           </a:xfrm>
           <a:prstGeom prst="rect">
@@ -3186,7 +3191,7 @@
         </p:nvSpPr>
         <p:spPr>
           <a:xfrm>
-            <a:off x="7188957" y="3096771"/>
+            <a:off x="7188957" y="2138827"/>
             <a:ext cx="1755609" cy="369332"/>
           </a:xfrm>
           <a:prstGeom prst="rect">
@@ -3221,7 +3226,7 @@
         </p:nvSpPr>
         <p:spPr>
           <a:xfrm>
-            <a:off x="1187145" y="5805664"/>
+            <a:off x="1187145" y="4310690"/>
             <a:ext cx="929742" cy="369332"/>
           </a:xfrm>
           <a:prstGeom prst="rect">
@@ -3256,7 +3261,7 @@
         </p:nvSpPr>
         <p:spPr>
           <a:xfrm>
-            <a:off x="1886196" y="6355629"/>
+            <a:off x="1886196" y="4860655"/>
             <a:ext cx="1061060" cy="369332"/>
           </a:xfrm>
           <a:prstGeom prst="rect">
@@ -3290,7 +3295,7 @@
         </p:nvSpPr>
         <p:spPr>
           <a:xfrm>
-            <a:off x="1886197" y="6929650"/>
+            <a:off x="1886197" y="5434676"/>
             <a:ext cx="3043590" cy="369332"/>
           </a:xfrm>
           <a:prstGeom prst="rect">
@@ -3328,7 +3333,7 @@
         </p:nvSpPr>
         <p:spPr>
           <a:xfrm>
-            <a:off x="5379617" y="6929650"/>
+            <a:off x="5379617" y="5434676"/>
             <a:ext cx="1250342" cy="369332"/>
           </a:xfrm>
           <a:prstGeom prst="rect">
@@ -3363,7 +3368,7 @@
         </p:nvSpPr>
         <p:spPr>
           <a:xfrm>
-            <a:off x="7188956" y="6929650"/>
+            <a:off x="7188956" y="5434676"/>
             <a:ext cx="1368773" cy="369332"/>
           </a:xfrm>
           <a:prstGeom prst="rect">
@@ -3398,7 +3403,7 @@
         </p:nvSpPr>
         <p:spPr>
           <a:xfrm>
-            <a:off x="1886197" y="3740017"/>
+            <a:off x="1886197" y="2782073"/>
             <a:ext cx="875561" cy="369332"/>
           </a:xfrm>
           <a:prstGeom prst="rect">
@@ -3433,7 +3438,7 @@
         </p:nvSpPr>
         <p:spPr>
           <a:xfrm>
-            <a:off x="1886197" y="7501979"/>
+            <a:off x="1886197" y="6007005"/>
             <a:ext cx="875561" cy="369332"/>
           </a:xfrm>
           <a:prstGeom prst="rect">
@@ -3454,6 +3459,653 @@
               <a:t>plot.3D</a:t>
             </a:r>
             <a:endParaRPr lang="en-US" sz="1800" dirty="0"/>
+          </a:p>
+        </p:txBody>
+      </p:sp>
+      <p:sp>
+        <p:nvSpPr>
+          <p:cNvPr id="2" name="Rectangle 1"/>
+          <p:cNvSpPr/>
+          <p:nvPr/>
+        </p:nvSpPr>
+        <p:spPr>
+          <a:xfrm>
+            <a:off x="887681" y="7302968"/>
+            <a:ext cx="5742278" cy="523220"/>
+          </a:xfrm>
+          <a:prstGeom prst="rect">
+            <a:avLst/>
+          </a:prstGeom>
+        </p:spPr>
+        <p:txBody>
+          <a:bodyPr wrap="none">
+            <a:spAutoFit/>
+          </a:bodyPr>
+          <a:lstStyle/>
+          <a:p>
+            <a:r>
+              <a:rPr lang="en-US" sz="2800" dirty="0">
+                <a:latin typeface="TT76Eo00"/>
+              </a:rPr>
+              <a:t>Classificatory discriminant analysis</a:t>
+            </a:r>
+            <a:endParaRPr lang="en-US" dirty="0"/>
+          </a:p>
+        </p:txBody>
+      </p:sp>
+      <p:sp>
+        <p:nvSpPr>
+          <p:cNvPr id="3" name="Rectangle 2"/>
+          <p:cNvSpPr/>
+          <p:nvPr/>
+        </p:nvSpPr>
+        <p:spPr>
+          <a:xfrm>
+            <a:off x="1187145" y="8502985"/>
+            <a:ext cx="12909944" cy="707886"/>
+          </a:xfrm>
+          <a:prstGeom prst="rect">
+            <a:avLst/>
+          </a:prstGeom>
+          <a:solidFill>
+            <a:schemeClr val="accent6">
+              <a:lumMod val="40000"/>
+              <a:lumOff val="60000"/>
+            </a:schemeClr>
+          </a:solidFill>
+        </p:spPr>
+        <p:txBody>
+          <a:bodyPr wrap="none">
+            <a:spAutoFit/>
+          </a:bodyPr>
+          <a:lstStyle/>
+          <a:p>
+            <a:r>
+              <a:rPr lang="en-US" sz="2000" dirty="0" err="1" smtClean="0"/>
+              <a:t>classifda.</a:t>
+            </a:r>
+            <a:r>
+              <a:rPr lang="en-US" sz="2000" b="1" dirty="0" err="1" smtClean="0"/>
+              <a:t>lda</a:t>
+            </a:r>
+            <a:r>
+              <a:rPr lang="en-US" sz="2000" dirty="0" smtClean="0"/>
+              <a:t>(data, </a:t>
+            </a:r>
+            <a:r>
+              <a:rPr lang="en-US" sz="2000" dirty="0" err="1"/>
+              <a:t>crossval</a:t>
+            </a:r>
+            <a:r>
+              <a:rPr lang="en-US" sz="2000" dirty="0"/>
+              <a:t>="</a:t>
+            </a:r>
+            <a:r>
+              <a:rPr lang="en-US" sz="2000" dirty="0" err="1" smtClean="0"/>
+              <a:t>indiv</a:t>
+            </a:r>
+            <a:r>
+              <a:rPr lang="en-US" sz="2000" dirty="0" smtClean="0"/>
+              <a:t>“/”pop”)   - </a:t>
+            </a:r>
+            <a:r>
+              <a:rPr lang="en-US" sz="2000" dirty="0" err="1" smtClean="0"/>
+              <a:t>klasif</a:t>
+            </a:r>
+            <a:r>
+              <a:rPr lang="en-US" sz="2000" dirty="0" smtClean="0"/>
+              <a:t>. </a:t>
+            </a:r>
+            <a:r>
+              <a:rPr lang="en-US" sz="2000" dirty="0" err="1" smtClean="0"/>
+              <a:t>pravidlo</a:t>
+            </a:r>
+            <a:r>
+              <a:rPr lang="en-US" sz="2000" dirty="0" smtClean="0"/>
+              <a:t> </a:t>
+            </a:r>
+            <a:r>
+              <a:rPr lang="en-US" sz="2000" dirty="0" err="1" smtClean="0"/>
+              <a:t>zalozene</a:t>
+            </a:r>
+            <a:r>
+              <a:rPr lang="en-US" sz="2000" dirty="0" smtClean="0"/>
+              <a:t> </a:t>
+            </a:r>
+            <a:r>
+              <a:rPr lang="en-US" sz="2000" dirty="0" err="1" smtClean="0"/>
+              <a:t>na</a:t>
+            </a:r>
+            <a:r>
+              <a:rPr lang="en-US" sz="2000" dirty="0" smtClean="0"/>
+              <a:t> </a:t>
+            </a:r>
+            <a:r>
+              <a:rPr lang="en-US" sz="2000" dirty="0" err="1" smtClean="0"/>
+              <a:t>linearnej</a:t>
+            </a:r>
+            <a:r>
+              <a:rPr lang="en-US" sz="2000" dirty="0" smtClean="0"/>
+              <a:t> </a:t>
+            </a:r>
+            <a:r>
+              <a:rPr lang="en-US" sz="2000" dirty="0" err="1" smtClean="0"/>
+              <a:t>diskriminacnej</a:t>
+            </a:r>
+            <a:r>
+              <a:rPr lang="en-US" sz="2000" dirty="0" smtClean="0"/>
+              <a:t> </a:t>
+            </a:r>
+            <a:r>
+              <a:rPr lang="en-US" sz="2000" dirty="0" err="1" smtClean="0"/>
+              <a:t>funkcii</a:t>
+            </a:r>
+            <a:r>
+              <a:rPr lang="en-US" sz="2000" dirty="0" smtClean="0"/>
+              <a:t> // </a:t>
+            </a:r>
+            <a:r>
+              <a:rPr lang="en-US" sz="2000" dirty="0" err="1" smtClean="0"/>
+              <a:t>vrati</a:t>
+            </a:r>
+            <a:r>
+              <a:rPr lang="en-US" sz="2000" dirty="0" smtClean="0"/>
+              <a:t> </a:t>
+            </a:r>
+            <a:r>
+              <a:rPr lang="en-US" sz="2000" dirty="0" err="1" smtClean="0"/>
+              <a:t>classifcata</a:t>
+            </a:r>
+            <a:endParaRPr lang="en-US" sz="2000" dirty="0" smtClean="0"/>
+          </a:p>
+          <a:p>
+            <a:r>
+              <a:rPr lang="en-US" sz="2000" dirty="0" err="1" smtClean="0"/>
+              <a:t>classifda.</a:t>
+            </a:r>
+            <a:r>
+              <a:rPr lang="en-US" sz="2000" b="1" dirty="0" err="1" smtClean="0"/>
+              <a:t>knn</a:t>
+            </a:r>
+            <a:r>
+              <a:rPr lang="en-US" sz="2000" dirty="0" smtClean="0"/>
+              <a:t>(data, </a:t>
+            </a:r>
+            <a:r>
+              <a:rPr lang="en-US" sz="2000" b="1" dirty="0"/>
+              <a:t>k</a:t>
+            </a:r>
+            <a:r>
+              <a:rPr lang="en-US" sz="2000" dirty="0" smtClean="0"/>
+              <a:t>, </a:t>
+            </a:r>
+            <a:r>
+              <a:rPr lang="en-US" sz="2000" dirty="0" err="1"/>
+              <a:t>crossval</a:t>
+            </a:r>
+            <a:r>
+              <a:rPr lang="en-US" sz="2000" dirty="0"/>
+              <a:t>="</a:t>
+            </a:r>
+            <a:r>
+              <a:rPr lang="en-US" sz="2000" dirty="0" err="1"/>
+              <a:t>indiv</a:t>
+            </a:r>
+            <a:r>
+              <a:rPr lang="en-US" sz="2000" dirty="0"/>
+              <a:t>“/”pop”)   - </a:t>
+            </a:r>
+            <a:r>
+              <a:rPr lang="en-US" sz="2000" dirty="0" err="1"/>
+              <a:t>klasif</a:t>
+            </a:r>
+            <a:r>
+              <a:rPr lang="en-US" sz="2000" dirty="0"/>
+              <a:t>. </a:t>
+            </a:r>
+            <a:r>
+              <a:rPr lang="en-US" sz="2000" dirty="0" err="1"/>
+              <a:t>pravidlo</a:t>
+            </a:r>
+            <a:r>
+              <a:rPr lang="en-US" sz="2000" dirty="0"/>
+              <a:t> </a:t>
+            </a:r>
+            <a:r>
+              <a:rPr lang="en-US" sz="2000" dirty="0" err="1"/>
+              <a:t>zalozene</a:t>
+            </a:r>
+            <a:r>
+              <a:rPr lang="en-US" sz="2000" dirty="0"/>
+              <a:t> </a:t>
+            </a:r>
+            <a:r>
+              <a:rPr lang="en-US" sz="2000" dirty="0" err="1"/>
+              <a:t>na</a:t>
+            </a:r>
+            <a:r>
+              <a:rPr lang="en-US" sz="2000" dirty="0"/>
+              <a:t> </a:t>
+            </a:r>
+            <a:r>
+              <a:rPr lang="en-US" sz="2000" dirty="0" err="1" smtClean="0"/>
+              <a:t>neparam</a:t>
+            </a:r>
+            <a:r>
+              <a:rPr lang="en-US" sz="2000" dirty="0" smtClean="0"/>
+              <a:t> KNN </a:t>
+            </a:r>
+            <a:r>
+              <a:rPr lang="en-US" sz="2000" dirty="0"/>
+              <a:t>// </a:t>
+            </a:r>
+            <a:r>
+              <a:rPr lang="en-US" sz="2000" dirty="0" err="1"/>
+              <a:t>vrati</a:t>
+            </a:r>
+            <a:r>
+              <a:rPr lang="en-US" sz="2000" dirty="0"/>
+              <a:t> </a:t>
+            </a:r>
+            <a:r>
+              <a:rPr lang="en-US" sz="2000" dirty="0" err="1"/>
+              <a:t>classifcata</a:t>
+            </a:r>
+            <a:endParaRPr lang="en-US" sz="2800" dirty="0"/>
+          </a:p>
+        </p:txBody>
+      </p:sp>
+      <p:sp>
+        <p:nvSpPr>
+          <p:cNvPr id="13" name="Rectangle 12"/>
+          <p:cNvSpPr/>
+          <p:nvPr/>
+        </p:nvSpPr>
+        <p:spPr>
+          <a:xfrm>
+            <a:off x="1187145" y="10704000"/>
+            <a:ext cx="5677067" cy="1015663"/>
+          </a:xfrm>
+          <a:prstGeom prst="rect">
+            <a:avLst/>
+          </a:prstGeom>
+        </p:spPr>
+        <p:txBody>
+          <a:bodyPr wrap="none">
+            <a:spAutoFit/>
+          </a:bodyPr>
+          <a:lstStyle/>
+          <a:p>
+            <a:r>
+              <a:rPr lang="en-US" sz="2000" dirty="0" err="1"/>
+              <a:t>classifda.</a:t>
+            </a:r>
+            <a:r>
+              <a:rPr lang="en-US" sz="2000" b="1" dirty="0" err="1"/>
+              <a:t>lda</a:t>
+            </a:r>
+            <a:r>
+              <a:rPr lang="en-US" sz="2000" dirty="0" err="1" smtClean="0"/>
+              <a:t>.samp</a:t>
+            </a:r>
+            <a:r>
+              <a:rPr lang="en-US" sz="2000" dirty="0" smtClean="0"/>
+              <a:t>(data, sample = “</a:t>
+            </a:r>
+            <a:r>
+              <a:rPr lang="en-US" sz="2000" dirty="0" err="1" smtClean="0"/>
+              <a:t>hybr</a:t>
+            </a:r>
+            <a:r>
+              <a:rPr lang="en-US" sz="2000" dirty="0" smtClean="0"/>
+              <a:t>”)</a:t>
+            </a:r>
+          </a:p>
+          <a:p>
+            <a:r>
+              <a:rPr lang="en-US" sz="2000" dirty="0" err="1"/>
+              <a:t>classifda.lda</a:t>
+            </a:r>
+            <a:r>
+              <a:rPr lang="en-US" sz="2000" dirty="0" err="1" smtClean="0"/>
+              <a:t>.samp</a:t>
+            </a:r>
+            <a:r>
+              <a:rPr lang="en-US" sz="2000" dirty="0" smtClean="0"/>
+              <a:t>(</a:t>
+            </a:r>
+            <a:r>
+              <a:rPr lang="en-US" sz="2000" dirty="0" err="1" smtClean="0"/>
+              <a:t>sample_data,training_data</a:t>
+            </a:r>
+            <a:r>
+              <a:rPr lang="en-US" sz="2000" dirty="0"/>
+              <a:t>) </a:t>
+            </a:r>
+            <a:r>
+              <a:rPr lang="en-US" sz="2000" dirty="0" smtClean="0"/>
+              <a:t> ???? </a:t>
+            </a:r>
+          </a:p>
+          <a:p>
+            <a:r>
+              <a:rPr lang="en-US" sz="2000" dirty="0" err="1" smtClean="0"/>
+              <a:t>classifda.</a:t>
+            </a:r>
+            <a:r>
+              <a:rPr lang="en-US" sz="2000" b="1" dirty="0" err="1" smtClean="0"/>
+              <a:t>knn</a:t>
+            </a:r>
+            <a:r>
+              <a:rPr lang="en-US" sz="2000" dirty="0" err="1" smtClean="0"/>
+              <a:t>.samp</a:t>
+            </a:r>
+            <a:r>
+              <a:rPr lang="en-US" sz="2000" dirty="0" smtClean="0"/>
+              <a:t>(data</a:t>
+            </a:r>
+            <a:r>
+              <a:rPr lang="en-US" sz="2000" dirty="0"/>
+              <a:t>, </a:t>
+            </a:r>
+            <a:r>
+              <a:rPr lang="en-US" sz="2000" dirty="0" smtClean="0"/>
+              <a:t>k, sample </a:t>
+            </a:r>
+            <a:r>
+              <a:rPr lang="en-US" sz="2000" dirty="0"/>
+              <a:t>= “</a:t>
+            </a:r>
+            <a:r>
+              <a:rPr lang="en-US" sz="2000" dirty="0" err="1"/>
+              <a:t>hybr</a:t>
+            </a:r>
+            <a:r>
+              <a:rPr lang="en-US" sz="2000" dirty="0" smtClean="0"/>
+              <a:t>”)</a:t>
+            </a:r>
+          </a:p>
+        </p:txBody>
+      </p:sp>
+      <p:sp>
+        <p:nvSpPr>
+          <p:cNvPr id="17" name="Rectangle 16"/>
+          <p:cNvSpPr/>
+          <p:nvPr/>
+        </p:nvSpPr>
+        <p:spPr>
+          <a:xfrm>
+            <a:off x="1187145" y="11929790"/>
+            <a:ext cx="7607339" cy="707886"/>
+          </a:xfrm>
+          <a:prstGeom prst="rect">
+            <a:avLst/>
+          </a:prstGeom>
+          <a:solidFill>
+            <a:schemeClr val="accent6">
+              <a:lumMod val="40000"/>
+              <a:lumOff val="60000"/>
+            </a:schemeClr>
+          </a:solidFill>
+        </p:spPr>
+        <p:txBody>
+          <a:bodyPr wrap="none">
+            <a:spAutoFit/>
+          </a:bodyPr>
+          <a:lstStyle/>
+          <a:p>
+            <a:r>
+              <a:rPr lang="en-US" sz="2000" dirty="0" err="1" smtClean="0"/>
+              <a:t>classifda.matrix</a:t>
+            </a:r>
+            <a:r>
+              <a:rPr lang="en-US" sz="2000" dirty="0" smtClean="0"/>
+              <a:t>(results, level = “Population”/”Taxon”)   </a:t>
+            </a:r>
+            <a:r>
+              <a:rPr lang="en-US" sz="2000" dirty="0" err="1" smtClean="0"/>
+              <a:t>vrati</a:t>
+            </a:r>
+            <a:r>
+              <a:rPr lang="en-US" sz="2000" dirty="0" smtClean="0"/>
+              <a:t> </a:t>
+            </a:r>
+            <a:r>
+              <a:rPr lang="en-US" sz="2000" dirty="0" err="1" smtClean="0"/>
+              <a:t>data.frame</a:t>
+            </a:r>
+            <a:endParaRPr lang="en-US" sz="2000" dirty="0" smtClean="0"/>
+          </a:p>
+          <a:p>
+            <a:endParaRPr lang="en-US" sz="2000" dirty="0"/>
+          </a:p>
+        </p:txBody>
+      </p:sp>
+      <p:sp>
+        <p:nvSpPr>
+          <p:cNvPr id="21" name="Rectangle 20"/>
+          <p:cNvSpPr/>
+          <p:nvPr/>
+        </p:nvSpPr>
+        <p:spPr>
+          <a:xfrm>
+            <a:off x="1187145" y="12798084"/>
+            <a:ext cx="2749022" cy="400110"/>
+          </a:xfrm>
+          <a:prstGeom prst="rect">
+            <a:avLst/>
+          </a:prstGeom>
+        </p:spPr>
+        <p:txBody>
+          <a:bodyPr wrap="none">
+            <a:spAutoFit/>
+          </a:bodyPr>
+          <a:lstStyle/>
+          <a:p>
+            <a:r>
+              <a:rPr lang="en-US" sz="2000" dirty="0" err="1" smtClean="0"/>
+              <a:t>classifda.barplot</a:t>
+            </a:r>
+            <a:r>
+              <a:rPr lang="en-US" sz="2000" dirty="0" smtClean="0"/>
+              <a:t>(results</a:t>
+            </a:r>
+            <a:r>
+              <a:rPr lang="en-US" sz="2000" dirty="0"/>
+              <a:t>)</a:t>
+            </a:r>
+            <a:endParaRPr lang="en-US" sz="2000" dirty="0"/>
+          </a:p>
+        </p:txBody>
+      </p:sp>
+      <p:sp>
+        <p:nvSpPr>
+          <p:cNvPr id="22" name="Rectangle 21"/>
+          <p:cNvSpPr/>
+          <p:nvPr/>
+        </p:nvSpPr>
+        <p:spPr>
+          <a:xfrm>
+            <a:off x="1886196" y="3343281"/>
+            <a:ext cx="1197764" cy="369332"/>
+          </a:xfrm>
+          <a:prstGeom prst="rect">
+            <a:avLst/>
+          </a:prstGeom>
+          <a:solidFill>
+            <a:srgbClr val="FF0000"/>
+          </a:solidFill>
+        </p:spPr>
+        <p:txBody>
+          <a:bodyPr wrap="none">
+            <a:spAutoFit/>
+          </a:bodyPr>
+          <a:lstStyle/>
+          <a:p>
+            <a:r>
+              <a:rPr lang="en-US" sz="1800" dirty="0" err="1"/>
+              <a:t>plot.spider</a:t>
+            </a:r>
+            <a:endParaRPr lang="en-US" sz="1800" dirty="0"/>
+          </a:p>
+        </p:txBody>
+      </p:sp>
+      <p:sp>
+        <p:nvSpPr>
+          <p:cNvPr id="23" name="Rectangle 22"/>
+          <p:cNvSpPr/>
+          <p:nvPr/>
+        </p:nvSpPr>
+        <p:spPr>
+          <a:xfrm>
+            <a:off x="1886196" y="6487024"/>
+            <a:ext cx="1197764" cy="369332"/>
+          </a:xfrm>
+          <a:prstGeom prst="rect">
+            <a:avLst/>
+          </a:prstGeom>
+          <a:solidFill>
+            <a:srgbClr val="FF0000"/>
+          </a:solidFill>
+        </p:spPr>
+        <p:txBody>
+          <a:bodyPr wrap="none">
+            <a:spAutoFit/>
+          </a:bodyPr>
+          <a:lstStyle/>
+          <a:p>
+            <a:r>
+              <a:rPr lang="en-US" sz="1800" dirty="0" err="1"/>
+              <a:t>plot.spider</a:t>
+            </a:r>
+            <a:endParaRPr lang="en-US" sz="1800" dirty="0"/>
+          </a:p>
+        </p:txBody>
+      </p:sp>
+      <p:sp>
+        <p:nvSpPr>
+          <p:cNvPr id="25" name="Rectangle 24"/>
+          <p:cNvSpPr/>
+          <p:nvPr/>
+        </p:nvSpPr>
+        <p:spPr>
+          <a:xfrm>
+            <a:off x="1187145" y="9585373"/>
+            <a:ext cx="7353300" cy="400110"/>
+          </a:xfrm>
+          <a:prstGeom prst="rect">
+            <a:avLst/>
+          </a:prstGeom>
+          <a:solidFill>
+            <a:schemeClr val="accent6">
+              <a:lumMod val="40000"/>
+              <a:lumOff val="60000"/>
+            </a:schemeClr>
+          </a:solidFill>
+        </p:spPr>
+        <p:txBody>
+          <a:bodyPr>
+            <a:spAutoFit/>
+          </a:bodyPr>
+          <a:lstStyle/>
+          <a:p>
+            <a:r>
+              <a:rPr lang="en-US" sz="2000" dirty="0" err="1" smtClean="0">
+                <a:solidFill>
+                  <a:srgbClr val="0000FF"/>
+                </a:solidFill>
+              </a:rPr>
+              <a:t>knn.select</a:t>
+            </a:r>
+            <a:r>
+              <a:rPr lang="en-US" sz="2000" dirty="0" smtClean="0">
+                <a:solidFill>
+                  <a:srgbClr val="0000FF"/>
+                </a:solidFill>
+              </a:rPr>
+              <a:t>(</a:t>
+            </a:r>
+            <a:r>
+              <a:rPr lang="en-US" sz="2000" dirty="0" err="1" smtClean="0">
+                <a:solidFill>
+                  <a:srgbClr val="0000FF"/>
+                </a:solidFill>
+              </a:rPr>
+              <a:t>data,crossval</a:t>
+            </a:r>
+            <a:r>
+              <a:rPr lang="en-US" sz="2000" dirty="0">
+                <a:solidFill>
+                  <a:srgbClr val="0000FF"/>
+                </a:solidFill>
+              </a:rPr>
+              <a:t>="</a:t>
+            </a:r>
+            <a:r>
+              <a:rPr lang="en-US" sz="2000" dirty="0" err="1" smtClean="0">
+                <a:solidFill>
+                  <a:srgbClr val="0000FF"/>
+                </a:solidFill>
+              </a:rPr>
+              <a:t>indiv</a:t>
+            </a:r>
+            <a:r>
+              <a:rPr lang="en-US" sz="2000" dirty="0" smtClean="0">
+                <a:solidFill>
+                  <a:srgbClr val="0000FF"/>
+                </a:solidFill>
+              </a:rPr>
+              <a:t>“ / </a:t>
+            </a:r>
+            <a:r>
+              <a:rPr lang="en-US" sz="2000" dirty="0">
+                <a:solidFill>
+                  <a:srgbClr val="0000FF"/>
+                </a:solidFill>
+              </a:rPr>
+              <a:t>"pop</a:t>
+            </a:r>
+            <a:r>
+              <a:rPr lang="en-US" sz="2000" dirty="0" smtClean="0">
+                <a:solidFill>
+                  <a:srgbClr val="0000FF"/>
+                </a:solidFill>
+              </a:rPr>
+              <a:t>")   // </a:t>
+            </a:r>
+            <a:r>
+              <a:rPr lang="en-US" sz="2000" dirty="0" err="1" smtClean="0">
+                <a:solidFill>
+                  <a:srgbClr val="0000FF"/>
+                </a:solidFill>
+              </a:rPr>
+              <a:t>nevrati</a:t>
+            </a:r>
+            <a:r>
+              <a:rPr lang="en-US" sz="2000" dirty="0" smtClean="0">
+                <a:solidFill>
+                  <a:srgbClr val="0000FF"/>
+                </a:solidFill>
+              </a:rPr>
+              <a:t> </a:t>
+            </a:r>
+            <a:r>
+              <a:rPr lang="en-US" sz="2000" dirty="0" err="1" smtClean="0">
+                <a:solidFill>
+                  <a:srgbClr val="0000FF"/>
+                </a:solidFill>
+              </a:rPr>
+              <a:t>nic</a:t>
+            </a:r>
+            <a:r>
+              <a:rPr lang="en-US" sz="2000" dirty="0" smtClean="0">
+                <a:solidFill>
+                  <a:srgbClr val="0000FF"/>
+                </a:solidFill>
+              </a:rPr>
+              <a:t>,</a:t>
+            </a:r>
+            <a:endParaRPr lang="en-US" sz="2000" dirty="0"/>
           </a:p>
         </p:txBody>
       </p:sp>

--- a/struktura kniznice.pptx
+++ b/struktura kniznice.pptx
@@ -6,6 +6,7 @@
   </p:sldMasterIdLst>
   <p:sldIdLst>
     <p:sldId id="256" r:id="rId2"/>
+    <p:sldId id="257" r:id="rId3"/>
   </p:sldIdLst>
   <p:sldSz cx="14711363" cy="14417675"/>
   <p:notesSz cx="6858000" cy="9144000"/>
@@ -154,7 +155,7 @@
           </a:lstStyle>
           <a:p>
             <a:r>
-              <a:rPr lang="en-US" smtClean="0"/>
+              <a:rPr lang="en-US"/>
               <a:t>Click to edit Master title style</a:t>
             </a:r>
             <a:endParaRPr lang="en-US" dirty="0"/>
@@ -219,7 +220,7 @@
           </a:lstStyle>
           <a:p>
             <a:r>
-              <a:rPr lang="en-US" smtClean="0"/>
+              <a:rPr lang="en-US"/>
               <a:t>Click to edit Master subtitle style</a:t>
             </a:r>
             <a:endParaRPr lang="en-US" dirty="0"/>
@@ -243,7 +244,7 @@
           <a:p>
             <a:fld id="{1CE7EBEE-9833-4BC3-9BD1-B29620C10F11}" type="datetimeFigureOut">
               <a:rPr lang="en-US" smtClean="0"/>
-              <a:t>30-Jan-20</a:t>
+              <a:t>4/15/2020</a:t>
             </a:fld>
             <a:endParaRPr lang="en-US"/>
           </a:p>
@@ -337,7 +338,7 @@
           <a:lstStyle/>
           <a:p>
             <a:r>
-              <a:rPr lang="en-US" smtClean="0"/>
+              <a:rPr lang="en-US"/>
               <a:t>Click to edit Master title style</a:t>
             </a:r>
             <a:endParaRPr lang="en-US" dirty="0"/>
@@ -361,35 +362,35 @@
           <a:p>
             <a:pPr lvl="0"/>
             <a:r>
-              <a:rPr lang="en-US" smtClean="0"/>
+              <a:rPr lang="en-US"/>
               <a:t>Click to edit Master text styles</a:t>
             </a:r>
           </a:p>
           <a:p>
             <a:pPr lvl="1"/>
             <a:r>
-              <a:rPr lang="en-US" smtClean="0"/>
+              <a:rPr lang="en-US"/>
               <a:t>Second level</a:t>
             </a:r>
           </a:p>
           <a:p>
             <a:pPr lvl="2"/>
             <a:r>
-              <a:rPr lang="en-US" smtClean="0"/>
+              <a:rPr lang="en-US"/>
               <a:t>Third level</a:t>
             </a:r>
           </a:p>
           <a:p>
             <a:pPr lvl="3"/>
             <a:r>
-              <a:rPr lang="en-US" smtClean="0"/>
+              <a:rPr lang="en-US"/>
               <a:t>Fourth level</a:t>
             </a:r>
           </a:p>
           <a:p>
             <a:pPr lvl="4"/>
             <a:r>
-              <a:rPr lang="en-US" smtClean="0"/>
+              <a:rPr lang="en-US"/>
               <a:t>Fifth level</a:t>
             </a:r>
             <a:endParaRPr lang="en-US" dirty="0"/>
@@ -413,7 +414,7 @@
           <a:p>
             <a:fld id="{1CE7EBEE-9833-4BC3-9BD1-B29620C10F11}" type="datetimeFigureOut">
               <a:rPr lang="en-US" smtClean="0"/>
-              <a:t>30-Jan-20</a:t>
+              <a:t>4/15/2020</a:t>
             </a:fld>
             <a:endParaRPr lang="en-US"/>
           </a:p>
@@ -512,7 +513,7 @@
           <a:lstStyle/>
           <a:p>
             <a:r>
-              <a:rPr lang="en-US" smtClean="0"/>
+              <a:rPr lang="en-US"/>
               <a:t>Click to edit Master title style</a:t>
             </a:r>
             <a:endParaRPr lang="en-US" dirty="0"/>
@@ -541,35 +542,35 @@
           <a:p>
             <a:pPr lvl="0"/>
             <a:r>
-              <a:rPr lang="en-US" smtClean="0"/>
+              <a:rPr lang="en-US"/>
               <a:t>Click to edit Master text styles</a:t>
             </a:r>
           </a:p>
           <a:p>
             <a:pPr lvl="1"/>
             <a:r>
-              <a:rPr lang="en-US" smtClean="0"/>
+              <a:rPr lang="en-US"/>
               <a:t>Second level</a:t>
             </a:r>
           </a:p>
           <a:p>
             <a:pPr lvl="2"/>
             <a:r>
-              <a:rPr lang="en-US" smtClean="0"/>
+              <a:rPr lang="en-US"/>
               <a:t>Third level</a:t>
             </a:r>
           </a:p>
           <a:p>
             <a:pPr lvl="3"/>
             <a:r>
-              <a:rPr lang="en-US" smtClean="0"/>
+              <a:rPr lang="en-US"/>
               <a:t>Fourth level</a:t>
             </a:r>
           </a:p>
           <a:p>
             <a:pPr lvl="4"/>
             <a:r>
-              <a:rPr lang="en-US" smtClean="0"/>
+              <a:rPr lang="en-US"/>
               <a:t>Fifth level</a:t>
             </a:r>
             <a:endParaRPr lang="en-US" dirty="0"/>
@@ -593,7 +594,7 @@
           <a:p>
             <a:fld id="{1CE7EBEE-9833-4BC3-9BD1-B29620C10F11}" type="datetimeFigureOut">
               <a:rPr lang="en-US" smtClean="0"/>
-              <a:t>30-Jan-20</a:t>
+              <a:t>4/15/2020</a:t>
             </a:fld>
             <a:endParaRPr lang="en-US"/>
           </a:p>
@@ -687,7 +688,7 @@
           <a:lstStyle/>
           <a:p>
             <a:r>
-              <a:rPr lang="en-US" smtClean="0"/>
+              <a:rPr lang="en-US"/>
               <a:t>Click to edit Master title style</a:t>
             </a:r>
             <a:endParaRPr lang="en-US" dirty="0"/>
@@ -711,35 +712,35 @@
           <a:p>
             <a:pPr lvl="0"/>
             <a:r>
-              <a:rPr lang="en-US" smtClean="0"/>
+              <a:rPr lang="en-US"/>
               <a:t>Click to edit Master text styles</a:t>
             </a:r>
           </a:p>
           <a:p>
             <a:pPr lvl="1"/>
             <a:r>
-              <a:rPr lang="en-US" smtClean="0"/>
+              <a:rPr lang="en-US"/>
               <a:t>Second level</a:t>
             </a:r>
           </a:p>
           <a:p>
             <a:pPr lvl="2"/>
             <a:r>
-              <a:rPr lang="en-US" smtClean="0"/>
+              <a:rPr lang="en-US"/>
               <a:t>Third level</a:t>
             </a:r>
           </a:p>
           <a:p>
             <a:pPr lvl="3"/>
             <a:r>
-              <a:rPr lang="en-US" smtClean="0"/>
+              <a:rPr lang="en-US"/>
               <a:t>Fourth level</a:t>
             </a:r>
           </a:p>
           <a:p>
             <a:pPr lvl="4"/>
             <a:r>
-              <a:rPr lang="en-US" smtClean="0"/>
+              <a:rPr lang="en-US"/>
               <a:t>Fifth level</a:t>
             </a:r>
             <a:endParaRPr lang="en-US" dirty="0"/>
@@ -763,7 +764,7 @@
           <a:p>
             <a:fld id="{1CE7EBEE-9833-4BC3-9BD1-B29620C10F11}" type="datetimeFigureOut">
               <a:rPr lang="en-US" smtClean="0"/>
-              <a:t>30-Jan-20</a:t>
+              <a:t>4/15/2020</a:t>
             </a:fld>
             <a:endParaRPr lang="en-US"/>
           </a:p>
@@ -866,7 +867,7 @@
           </a:lstStyle>
           <a:p>
             <a:r>
-              <a:rPr lang="en-US" smtClean="0"/>
+              <a:rPr lang="en-US"/>
               <a:t>Click to edit Master title style</a:t>
             </a:r>
             <a:endParaRPr lang="en-US" dirty="0"/>
@@ -984,7 +985,7 @@
           <a:p>
             <a:pPr lvl="0"/>
             <a:r>
-              <a:rPr lang="en-US" smtClean="0"/>
+              <a:rPr lang="en-US"/>
               <a:t>Click to edit Master text styles</a:t>
             </a:r>
           </a:p>
@@ -1007,7 +1008,7 @@
           <a:p>
             <a:fld id="{1CE7EBEE-9833-4BC3-9BD1-B29620C10F11}" type="datetimeFigureOut">
               <a:rPr lang="en-US" smtClean="0"/>
-              <a:t>30-Jan-20</a:t>
+              <a:t>4/15/2020</a:t>
             </a:fld>
             <a:endParaRPr lang="en-US"/>
           </a:p>
@@ -1101,7 +1102,7 @@
           <a:lstStyle/>
           <a:p>
             <a:r>
-              <a:rPr lang="en-US" smtClean="0"/>
+              <a:rPr lang="en-US"/>
               <a:t>Click to edit Master title style</a:t>
             </a:r>
             <a:endParaRPr lang="en-US" dirty="0"/>
@@ -1130,35 +1131,35 @@
           <a:p>
             <a:pPr lvl="0"/>
             <a:r>
-              <a:rPr lang="en-US" smtClean="0"/>
+              <a:rPr lang="en-US"/>
               <a:t>Click to edit Master text styles</a:t>
             </a:r>
           </a:p>
           <a:p>
             <a:pPr lvl="1"/>
             <a:r>
-              <a:rPr lang="en-US" smtClean="0"/>
+              <a:rPr lang="en-US"/>
               <a:t>Second level</a:t>
             </a:r>
           </a:p>
           <a:p>
             <a:pPr lvl="2"/>
             <a:r>
-              <a:rPr lang="en-US" smtClean="0"/>
+              <a:rPr lang="en-US"/>
               <a:t>Third level</a:t>
             </a:r>
           </a:p>
           <a:p>
             <a:pPr lvl="3"/>
             <a:r>
-              <a:rPr lang="en-US" smtClean="0"/>
+              <a:rPr lang="en-US"/>
               <a:t>Fourth level</a:t>
             </a:r>
           </a:p>
           <a:p>
             <a:pPr lvl="4"/>
             <a:r>
-              <a:rPr lang="en-US" smtClean="0"/>
+              <a:rPr lang="en-US"/>
               <a:t>Fifth level</a:t>
             </a:r>
             <a:endParaRPr lang="en-US" dirty="0"/>
@@ -1187,35 +1188,35 @@
           <a:p>
             <a:pPr lvl="0"/>
             <a:r>
-              <a:rPr lang="en-US" smtClean="0"/>
+              <a:rPr lang="en-US"/>
               <a:t>Click to edit Master text styles</a:t>
             </a:r>
           </a:p>
           <a:p>
             <a:pPr lvl="1"/>
             <a:r>
-              <a:rPr lang="en-US" smtClean="0"/>
+              <a:rPr lang="en-US"/>
               <a:t>Second level</a:t>
             </a:r>
           </a:p>
           <a:p>
             <a:pPr lvl="2"/>
             <a:r>
-              <a:rPr lang="en-US" smtClean="0"/>
+              <a:rPr lang="en-US"/>
               <a:t>Third level</a:t>
             </a:r>
           </a:p>
           <a:p>
             <a:pPr lvl="3"/>
             <a:r>
-              <a:rPr lang="en-US" smtClean="0"/>
+              <a:rPr lang="en-US"/>
               <a:t>Fourth level</a:t>
             </a:r>
           </a:p>
           <a:p>
             <a:pPr lvl="4"/>
             <a:r>
-              <a:rPr lang="en-US" smtClean="0"/>
+              <a:rPr lang="en-US"/>
               <a:t>Fifth level</a:t>
             </a:r>
             <a:endParaRPr lang="en-US" dirty="0"/>
@@ -1239,7 +1240,7 @@
           <a:p>
             <a:fld id="{1CE7EBEE-9833-4BC3-9BD1-B29620C10F11}" type="datetimeFigureOut">
               <a:rPr lang="en-US" smtClean="0"/>
-              <a:t>30-Jan-20</a:t>
+              <a:t>4/15/2020</a:t>
             </a:fld>
             <a:endParaRPr lang="en-US"/>
           </a:p>
@@ -1338,7 +1339,7 @@
           <a:lstStyle/>
           <a:p>
             <a:r>
-              <a:rPr lang="en-US" smtClean="0"/>
+              <a:rPr lang="en-US"/>
               <a:t>Click to edit Master title style</a:t>
             </a:r>
             <a:endParaRPr lang="en-US" dirty="0"/>
@@ -1404,7 +1405,7 @@
           <a:p>
             <a:pPr lvl="0"/>
             <a:r>
-              <a:rPr lang="en-US" smtClean="0"/>
+              <a:rPr lang="en-US"/>
               <a:t>Click to edit Master text styles</a:t>
             </a:r>
           </a:p>
@@ -1432,35 +1433,35 @@
           <a:p>
             <a:pPr lvl="0"/>
             <a:r>
-              <a:rPr lang="en-US" smtClean="0"/>
+              <a:rPr lang="en-US"/>
               <a:t>Click to edit Master text styles</a:t>
             </a:r>
           </a:p>
           <a:p>
             <a:pPr lvl="1"/>
             <a:r>
-              <a:rPr lang="en-US" smtClean="0"/>
+              <a:rPr lang="en-US"/>
               <a:t>Second level</a:t>
             </a:r>
           </a:p>
           <a:p>
             <a:pPr lvl="2"/>
             <a:r>
-              <a:rPr lang="en-US" smtClean="0"/>
+              <a:rPr lang="en-US"/>
               <a:t>Third level</a:t>
             </a:r>
           </a:p>
           <a:p>
             <a:pPr lvl="3"/>
             <a:r>
-              <a:rPr lang="en-US" smtClean="0"/>
+              <a:rPr lang="en-US"/>
               <a:t>Fourth level</a:t>
             </a:r>
           </a:p>
           <a:p>
             <a:pPr lvl="4"/>
             <a:r>
-              <a:rPr lang="en-US" smtClean="0"/>
+              <a:rPr lang="en-US"/>
               <a:t>Fifth level</a:t>
             </a:r>
             <a:endParaRPr lang="en-US" dirty="0"/>
@@ -1526,7 +1527,7 @@
           <a:p>
             <a:pPr lvl="0"/>
             <a:r>
-              <a:rPr lang="en-US" smtClean="0"/>
+              <a:rPr lang="en-US"/>
               <a:t>Click to edit Master text styles</a:t>
             </a:r>
           </a:p>
@@ -1554,35 +1555,35 @@
           <a:p>
             <a:pPr lvl="0"/>
             <a:r>
-              <a:rPr lang="en-US" smtClean="0"/>
+              <a:rPr lang="en-US"/>
               <a:t>Click to edit Master text styles</a:t>
             </a:r>
           </a:p>
           <a:p>
             <a:pPr lvl="1"/>
             <a:r>
-              <a:rPr lang="en-US" smtClean="0"/>
+              <a:rPr lang="en-US"/>
               <a:t>Second level</a:t>
             </a:r>
           </a:p>
           <a:p>
             <a:pPr lvl="2"/>
             <a:r>
-              <a:rPr lang="en-US" smtClean="0"/>
+              <a:rPr lang="en-US"/>
               <a:t>Third level</a:t>
             </a:r>
           </a:p>
           <a:p>
             <a:pPr lvl="3"/>
             <a:r>
-              <a:rPr lang="en-US" smtClean="0"/>
+              <a:rPr lang="en-US"/>
               <a:t>Fourth level</a:t>
             </a:r>
           </a:p>
           <a:p>
             <a:pPr lvl="4"/>
             <a:r>
-              <a:rPr lang="en-US" smtClean="0"/>
+              <a:rPr lang="en-US"/>
               <a:t>Fifth level</a:t>
             </a:r>
             <a:endParaRPr lang="en-US" dirty="0"/>
@@ -1606,7 +1607,7 @@
           <a:p>
             <a:fld id="{1CE7EBEE-9833-4BC3-9BD1-B29620C10F11}" type="datetimeFigureOut">
               <a:rPr lang="en-US" smtClean="0"/>
-              <a:t>30-Jan-20</a:t>
+              <a:t>4/15/2020</a:t>
             </a:fld>
             <a:endParaRPr lang="en-US"/>
           </a:p>
@@ -1700,7 +1701,7 @@
           <a:lstStyle/>
           <a:p>
             <a:r>
-              <a:rPr lang="en-US" smtClean="0"/>
+              <a:rPr lang="en-US"/>
               <a:t>Click to edit Master title style</a:t>
             </a:r>
             <a:endParaRPr lang="en-US" dirty="0"/>
@@ -1724,7 +1725,7 @@
           <a:p>
             <a:fld id="{1CE7EBEE-9833-4BC3-9BD1-B29620C10F11}" type="datetimeFigureOut">
               <a:rPr lang="en-US" smtClean="0"/>
-              <a:t>30-Jan-20</a:t>
+              <a:t>4/15/2020</a:t>
             </a:fld>
             <a:endParaRPr lang="en-US"/>
           </a:p>
@@ -1819,7 +1820,7 @@
           <a:p>
             <a:fld id="{1CE7EBEE-9833-4BC3-9BD1-B29620C10F11}" type="datetimeFigureOut">
               <a:rPr lang="en-US" smtClean="0"/>
-              <a:t>30-Jan-20</a:t>
+              <a:t>4/15/2020</a:t>
             </a:fld>
             <a:endParaRPr lang="en-US"/>
           </a:p>
@@ -1922,7 +1923,7 @@
           </a:lstStyle>
           <a:p>
             <a:r>
-              <a:rPr lang="en-US" smtClean="0"/>
+              <a:rPr lang="en-US"/>
               <a:t>Click to edit Master title style</a:t>
             </a:r>
             <a:endParaRPr lang="en-US" dirty="0"/>
@@ -1979,35 +1980,35 @@
           <a:p>
             <a:pPr lvl="0"/>
             <a:r>
-              <a:rPr lang="en-US" smtClean="0"/>
+              <a:rPr lang="en-US"/>
               <a:t>Click to edit Master text styles</a:t>
             </a:r>
           </a:p>
           <a:p>
             <a:pPr lvl="1"/>
             <a:r>
-              <a:rPr lang="en-US" smtClean="0"/>
+              <a:rPr lang="en-US"/>
               <a:t>Second level</a:t>
             </a:r>
           </a:p>
           <a:p>
             <a:pPr lvl="2"/>
             <a:r>
-              <a:rPr lang="en-US" smtClean="0"/>
+              <a:rPr lang="en-US"/>
               <a:t>Third level</a:t>
             </a:r>
           </a:p>
           <a:p>
             <a:pPr lvl="3"/>
             <a:r>
-              <a:rPr lang="en-US" smtClean="0"/>
+              <a:rPr lang="en-US"/>
               <a:t>Fourth level</a:t>
             </a:r>
           </a:p>
           <a:p>
             <a:pPr lvl="4"/>
             <a:r>
-              <a:rPr lang="en-US" smtClean="0"/>
+              <a:rPr lang="en-US"/>
               <a:t>Fifth level</a:t>
             </a:r>
             <a:endParaRPr lang="en-US" dirty="0"/>
@@ -2073,7 +2074,7 @@
           <a:p>
             <a:pPr lvl="0"/>
             <a:r>
-              <a:rPr lang="en-US" smtClean="0"/>
+              <a:rPr lang="en-US"/>
               <a:t>Click to edit Master text styles</a:t>
             </a:r>
           </a:p>
@@ -2096,7 +2097,7 @@
           <a:p>
             <a:fld id="{1CE7EBEE-9833-4BC3-9BD1-B29620C10F11}" type="datetimeFigureOut">
               <a:rPr lang="en-US" smtClean="0"/>
-              <a:t>30-Jan-20</a:t>
+              <a:t>4/15/2020</a:t>
             </a:fld>
             <a:endParaRPr lang="en-US"/>
           </a:p>
@@ -2199,7 +2200,7 @@
           </a:lstStyle>
           <a:p>
             <a:r>
-              <a:rPr lang="en-US" smtClean="0"/>
+              <a:rPr lang="en-US"/>
               <a:t>Click to edit Master title style</a:t>
             </a:r>
             <a:endParaRPr lang="en-US" dirty="0"/>
@@ -2264,7 +2265,7 @@
           </a:lstStyle>
           <a:p>
             <a:r>
-              <a:rPr lang="en-US" smtClean="0"/>
+              <a:rPr lang="en-US"/>
               <a:t>Click icon to add picture</a:t>
             </a:r>
             <a:endParaRPr lang="en-US" dirty="0"/>
@@ -2330,7 +2331,7 @@
           <a:p>
             <a:pPr lvl="0"/>
             <a:r>
-              <a:rPr lang="en-US" smtClean="0"/>
+              <a:rPr lang="en-US"/>
               <a:t>Click to edit Master text styles</a:t>
             </a:r>
           </a:p>
@@ -2353,7 +2354,7 @@
           <a:p>
             <a:fld id="{1CE7EBEE-9833-4BC3-9BD1-B29620C10F11}" type="datetimeFigureOut">
               <a:rPr lang="en-US" smtClean="0"/>
-              <a:t>30-Jan-20</a:t>
+              <a:t>4/15/2020</a:t>
             </a:fld>
             <a:endParaRPr lang="en-US"/>
           </a:p>
@@ -2462,7 +2463,7 @@
           <a:lstStyle/>
           <a:p>
             <a:r>
-              <a:rPr lang="en-US" smtClean="0"/>
+              <a:rPr lang="en-US"/>
               <a:t>Click to edit Master title style</a:t>
             </a:r>
             <a:endParaRPr lang="en-US" dirty="0"/>
@@ -2496,35 +2497,35 @@
           <a:p>
             <a:pPr lvl="0"/>
             <a:r>
-              <a:rPr lang="en-US" smtClean="0"/>
+              <a:rPr lang="en-US"/>
               <a:t>Click to edit Master text styles</a:t>
             </a:r>
           </a:p>
           <a:p>
             <a:pPr lvl="1"/>
             <a:r>
-              <a:rPr lang="en-US" smtClean="0"/>
+              <a:rPr lang="en-US"/>
               <a:t>Second level</a:t>
             </a:r>
           </a:p>
           <a:p>
             <a:pPr lvl="2"/>
             <a:r>
-              <a:rPr lang="en-US" smtClean="0"/>
+              <a:rPr lang="en-US"/>
               <a:t>Third level</a:t>
             </a:r>
           </a:p>
           <a:p>
             <a:pPr lvl="3"/>
             <a:r>
-              <a:rPr lang="en-US" smtClean="0"/>
+              <a:rPr lang="en-US"/>
               <a:t>Fourth level</a:t>
             </a:r>
           </a:p>
           <a:p>
             <a:pPr lvl="4"/>
             <a:r>
-              <a:rPr lang="en-US" smtClean="0"/>
+              <a:rPr lang="en-US"/>
               <a:t>Fifth level</a:t>
             </a:r>
             <a:endParaRPr lang="en-US" dirty="0"/>
@@ -2566,7 +2567,7 @@
           <a:p>
             <a:fld id="{1CE7EBEE-9833-4BC3-9BD1-B29620C10F11}" type="datetimeFigureOut">
               <a:rPr lang="en-US" smtClean="0"/>
-              <a:t>30-Jan-20</a:t>
+              <a:t>4/15/2020</a:t>
             </a:fld>
             <a:endParaRPr lang="en-US"/>
           </a:p>
@@ -3246,7 +3247,7 @@
           <a:lstStyle/>
           <a:p>
             <a:r>
-              <a:rPr lang="en-US" sz="1800" dirty="0" err="1" smtClean="0"/>
+              <a:rPr lang="en-US" sz="1800" dirty="0" err="1"/>
               <a:t>cda.calc</a:t>
             </a:r>
             <a:endParaRPr lang="en-US" sz="1800" dirty="0"/>
@@ -3423,10 +3424,9 @@
           <a:lstStyle/>
           <a:p>
             <a:r>
-              <a:rPr lang="en-US" sz="1800" dirty="0" smtClean="0"/>
+              <a:rPr lang="en-US" sz="1800" dirty="0"/>
               <a:t>plot.3D</a:t>
             </a:r>
-            <a:endParaRPr lang="en-US" sz="1800" dirty="0"/>
           </a:p>
         </p:txBody>
       </p:sp>
@@ -3455,10 +3455,9 @@
           <a:lstStyle/>
           <a:p>
             <a:r>
-              <a:rPr lang="en-US" sz="1800" dirty="0" smtClean="0"/>
+              <a:rPr lang="en-US" sz="1800" dirty="0"/>
               <a:t>plot.3D</a:t>
             </a:r>
-            <a:endParaRPr lang="en-US" sz="1800" dirty="0"/>
           </a:p>
         </p:txBody>
       </p:sp>
@@ -3521,15 +3520,15 @@
           <a:lstStyle/>
           <a:p>
             <a:r>
-              <a:rPr lang="en-US" sz="2000" dirty="0" err="1" smtClean="0"/>
+              <a:rPr lang="en-US" sz="2000" dirty="0" err="1"/>
               <a:t>classifda.</a:t>
             </a:r>
             <a:r>
-              <a:rPr lang="en-US" sz="2000" b="1" dirty="0" err="1" smtClean="0"/>
+              <a:rPr lang="en-US" sz="2000" b="1" dirty="0" err="1"/>
               <a:t>lda</a:t>
             </a:r>
             <a:r>
-              <a:rPr lang="en-US" sz="2000" dirty="0" smtClean="0"/>
+              <a:rPr lang="en-US" sz="2000" dirty="0"/>
               <a:t>(data, </a:t>
             </a:r>
             <a:r>
@@ -3541,94 +3540,94 @@
               <a:t>="</a:t>
             </a:r>
             <a:r>
-              <a:rPr lang="en-US" sz="2000" dirty="0" err="1" smtClean="0"/>
+              <a:rPr lang="en-US" sz="2000" dirty="0" err="1"/>
               <a:t>indiv</a:t>
             </a:r>
             <a:r>
-              <a:rPr lang="en-US" sz="2000" dirty="0" smtClean="0"/>
+              <a:rPr lang="en-US" sz="2000" dirty="0"/>
               <a:t>“/”pop”)   - </a:t>
             </a:r>
             <a:r>
-              <a:rPr lang="en-US" sz="2000" dirty="0" err="1" smtClean="0"/>
+              <a:rPr lang="en-US" sz="2000" dirty="0" err="1"/>
               <a:t>klasif</a:t>
             </a:r>
             <a:r>
-              <a:rPr lang="en-US" sz="2000" dirty="0" smtClean="0"/>
+              <a:rPr lang="en-US" sz="2000" dirty="0"/>
               <a:t>. </a:t>
             </a:r>
             <a:r>
-              <a:rPr lang="en-US" sz="2000" dirty="0" err="1" smtClean="0"/>
+              <a:rPr lang="en-US" sz="2000" dirty="0" err="1"/>
               <a:t>pravidlo</a:t>
             </a:r>
             <a:r>
-              <a:rPr lang="en-US" sz="2000" dirty="0" smtClean="0"/>
+              <a:rPr lang="en-US" sz="2000" dirty="0"/>
               <a:t> </a:t>
             </a:r>
             <a:r>
-              <a:rPr lang="en-US" sz="2000" dirty="0" err="1" smtClean="0"/>
+              <a:rPr lang="en-US" sz="2000" dirty="0" err="1"/>
               <a:t>zalozene</a:t>
             </a:r>
             <a:r>
-              <a:rPr lang="en-US" sz="2000" dirty="0" smtClean="0"/>
+              <a:rPr lang="en-US" sz="2000" dirty="0"/>
               <a:t> </a:t>
             </a:r>
             <a:r>
-              <a:rPr lang="en-US" sz="2000" dirty="0" err="1" smtClean="0"/>
+              <a:rPr lang="en-US" sz="2000" dirty="0" err="1"/>
               <a:t>na</a:t>
             </a:r>
             <a:r>
-              <a:rPr lang="en-US" sz="2000" dirty="0" smtClean="0"/>
+              <a:rPr lang="en-US" sz="2000" dirty="0"/>
               <a:t> </a:t>
             </a:r>
             <a:r>
-              <a:rPr lang="en-US" sz="2000" dirty="0" err="1" smtClean="0"/>
+              <a:rPr lang="en-US" sz="2000" dirty="0" err="1"/>
               <a:t>linearnej</a:t>
             </a:r>
             <a:r>
-              <a:rPr lang="en-US" sz="2000" dirty="0" smtClean="0"/>
+              <a:rPr lang="en-US" sz="2000" dirty="0"/>
               <a:t> </a:t>
             </a:r>
             <a:r>
-              <a:rPr lang="en-US" sz="2000" dirty="0" err="1" smtClean="0"/>
+              <a:rPr lang="en-US" sz="2000" dirty="0" err="1"/>
               <a:t>diskriminacnej</a:t>
             </a:r>
             <a:r>
-              <a:rPr lang="en-US" sz="2000" dirty="0" smtClean="0"/>
+              <a:rPr lang="en-US" sz="2000" dirty="0"/>
               <a:t> </a:t>
             </a:r>
             <a:r>
-              <a:rPr lang="en-US" sz="2000" dirty="0" err="1" smtClean="0"/>
+              <a:rPr lang="en-US" sz="2000" dirty="0" err="1"/>
               <a:t>funkcii</a:t>
             </a:r>
             <a:r>
-              <a:rPr lang="en-US" sz="2000" dirty="0" smtClean="0"/>
+              <a:rPr lang="en-US" sz="2000" dirty="0"/>
               <a:t> // </a:t>
             </a:r>
             <a:r>
-              <a:rPr lang="en-US" sz="2000" dirty="0" err="1" smtClean="0"/>
+              <a:rPr lang="en-US" sz="2000" dirty="0" err="1"/>
               <a:t>vrati</a:t>
             </a:r>
             <a:r>
-              <a:rPr lang="en-US" sz="2000" dirty="0" smtClean="0"/>
+              <a:rPr lang="en-US" sz="2000" dirty="0"/>
               <a:t> </a:t>
             </a:r>
             <a:r>
-              <a:rPr lang="en-US" sz="2000" dirty="0" err="1" smtClean="0"/>
+              <a:rPr lang="en-US" sz="2000" dirty="0" err="1"/>
               <a:t>classifcata</a:t>
             </a:r>
-            <a:endParaRPr lang="en-US" sz="2000" dirty="0" smtClean="0"/>
-          </a:p>
-          <a:p>
-            <a:r>
-              <a:rPr lang="en-US" sz="2000" dirty="0" err="1" smtClean="0"/>
+            <a:endParaRPr lang="en-US" sz="2000" dirty="0"/>
+          </a:p>
+          <a:p>
+            <a:r>
+              <a:rPr lang="en-US" sz="2000" dirty="0" err="1"/>
               <a:t>classifda.</a:t>
             </a:r>
             <a:r>
-              <a:rPr lang="en-US" sz="2000" b="1" dirty="0" err="1" smtClean="0"/>
+              <a:rPr lang="en-US" sz="2000" b="1" dirty="0" err="1"/>
               <a:t>knn</a:t>
             </a:r>
             <a:r>
-              <a:rPr lang="en-US" sz="2000" dirty="0" smtClean="0"/>
+              <a:rPr lang="en-US" sz="2000" dirty="0"/>
               <a:t>(data, </a:t>
             </a:r>
             <a:r>
@@ -3636,7 +3635,7 @@
               <a:t>k</a:t>
             </a:r>
             <a:r>
-              <a:rPr lang="en-US" sz="2000" dirty="0" smtClean="0"/>
+              <a:rPr lang="en-US" sz="2000" dirty="0"/>
               <a:t>, </a:t>
             </a:r>
             <a:r>
@@ -3688,16 +3687,12 @@
               <a:t> </a:t>
             </a:r>
             <a:r>
-              <a:rPr lang="en-US" sz="2000" dirty="0" err="1" smtClean="0"/>
+              <a:rPr lang="en-US" sz="2000" dirty="0" err="1"/>
               <a:t>neparam</a:t>
             </a:r>
             <a:r>
-              <a:rPr lang="en-US" sz="2000" dirty="0" smtClean="0"/>
-              <a:t> KNN </a:t>
-            </a:r>
-            <a:r>
               <a:rPr lang="en-US" sz="2000" dirty="0"/>
-              <a:t>// </a:t>
+              <a:t> KNN // </a:t>
             </a:r>
             <a:r>
               <a:rPr lang="en-US" sz="2000" dirty="0" err="1"/>
@@ -3745,83 +3740,63 @@
               <a:t>lda</a:t>
             </a:r>
             <a:r>
-              <a:rPr lang="en-US" sz="2000" dirty="0" err="1" smtClean="0"/>
+              <a:rPr lang="en-US" sz="2000" dirty="0" err="1"/>
               <a:t>.samp</a:t>
             </a:r>
             <a:r>
-              <a:rPr lang="en-US" sz="2000" dirty="0" smtClean="0"/>
+              <a:rPr lang="en-US" sz="2000" dirty="0"/>
               <a:t>(data, sample = “</a:t>
-            </a:r>
-            <a:r>
-              <a:rPr lang="en-US" sz="2000" dirty="0" err="1" smtClean="0"/>
-              <a:t>hybr</a:t>
-            </a:r>
-            <a:r>
-              <a:rPr lang="en-US" sz="2000" dirty="0" smtClean="0"/>
-              <a:t>”)</a:t>
-            </a:r>
-          </a:p>
-          <a:p>
-            <a:r>
-              <a:rPr lang="en-US" sz="2000" dirty="0" err="1"/>
-              <a:t>classifda.lda</a:t>
-            </a:r>
-            <a:r>
-              <a:rPr lang="en-US" sz="2000" dirty="0" err="1" smtClean="0"/>
-              <a:t>.samp</a:t>
-            </a:r>
-            <a:r>
-              <a:rPr lang="en-US" sz="2000" dirty="0" smtClean="0"/>
-              <a:t>(</a:t>
-            </a:r>
-            <a:r>
-              <a:rPr lang="en-US" sz="2000" dirty="0" err="1" smtClean="0"/>
-              <a:t>sample_data,training_data</a:t>
-            </a:r>
-            <a:r>
-              <a:rPr lang="en-US" sz="2000" dirty="0"/>
-              <a:t>) </a:t>
-            </a:r>
-            <a:r>
-              <a:rPr lang="en-US" sz="2000" dirty="0" smtClean="0"/>
-              <a:t> ???? </a:t>
-            </a:r>
-          </a:p>
-          <a:p>
-            <a:r>
-              <a:rPr lang="en-US" sz="2000" dirty="0" err="1" smtClean="0"/>
-              <a:t>classifda.</a:t>
-            </a:r>
-            <a:r>
-              <a:rPr lang="en-US" sz="2000" b="1" dirty="0" err="1" smtClean="0"/>
-              <a:t>knn</a:t>
-            </a:r>
-            <a:r>
-              <a:rPr lang="en-US" sz="2000" dirty="0" err="1" smtClean="0"/>
-              <a:t>.samp</a:t>
-            </a:r>
-            <a:r>
-              <a:rPr lang="en-US" sz="2000" dirty="0" smtClean="0"/>
-              <a:t>(data</a:t>
-            </a:r>
-            <a:r>
-              <a:rPr lang="en-US" sz="2000" dirty="0"/>
-              <a:t>, </a:t>
-            </a:r>
-            <a:r>
-              <a:rPr lang="en-US" sz="2000" dirty="0" smtClean="0"/>
-              <a:t>k, sample </a:t>
-            </a:r>
-            <a:r>
-              <a:rPr lang="en-US" sz="2000" dirty="0"/>
-              <a:t>= “</a:t>
             </a:r>
             <a:r>
               <a:rPr lang="en-US" sz="2000" dirty="0" err="1"/>
               <a:t>hybr</a:t>
             </a:r>
             <a:r>
-              <a:rPr lang="en-US" sz="2000" dirty="0" smtClean="0"/>
+              <a:rPr lang="en-US" sz="2000" dirty="0"/>
+              <a:t>”)</a:t>
+            </a:r>
+          </a:p>
+          <a:p>
+            <a:r>
+              <a:rPr lang="en-US" sz="2000" dirty="0" err="1"/>
+              <a:t>classifda.lda.samp</a:t>
+            </a:r>
+            <a:r>
+              <a:rPr lang="en-US" sz="2000" dirty="0"/>
+              <a:t>(</a:t>
+            </a:r>
+            <a:r>
+              <a:rPr lang="en-US" sz="2000" dirty="0" err="1"/>
+              <a:t>sample_data,training_data</a:t>
+            </a:r>
+            <a:r>
+              <a:rPr lang="en-US" sz="2000" dirty="0"/>
+              <a:t>)  ???? </a:t>
+            </a:r>
+          </a:p>
+          <a:p>
+            <a:r>
+              <a:rPr lang="en-US" sz="2000" dirty="0" err="1"/>
+              <a:t>classifda.</a:t>
+            </a:r>
+            <a:r>
+              <a:rPr lang="en-US" sz="2000" b="1" dirty="0" err="1"/>
+              <a:t>knn</a:t>
+            </a:r>
+            <a:r>
+              <a:rPr lang="en-US" sz="2000" dirty="0" err="1"/>
+              <a:t>.samp</a:t>
+            </a:r>
+            <a:r>
+              <a:rPr lang="en-US" sz="2000" dirty="0"/>
+              <a:t>(data, k, sample = “</a:t>
+            </a:r>
+            <a:r>
+              <a:rPr lang="en-US" sz="2000" dirty="0" err="1"/>
+              <a:t>hybr</a:t>
+            </a:r>
+            <a:r>
+              <a:rPr lang="en-US" sz="2000" dirty="0"/>
               <a:t>”)</a:t>
             </a:r>
           </a:p>
@@ -3855,26 +3830,26 @@
           <a:lstStyle/>
           <a:p>
             <a:r>
-              <a:rPr lang="en-US" sz="2000" dirty="0" err="1" smtClean="0"/>
+              <a:rPr lang="en-US" sz="2000" dirty="0" err="1"/>
               <a:t>classifda.matrix</a:t>
             </a:r>
             <a:r>
-              <a:rPr lang="en-US" sz="2000" dirty="0" smtClean="0"/>
+              <a:rPr lang="en-US" sz="2000" dirty="0"/>
               <a:t>(results, level = “Population”/”Taxon”)   </a:t>
             </a:r>
             <a:r>
-              <a:rPr lang="en-US" sz="2000" dirty="0" err="1" smtClean="0"/>
+              <a:rPr lang="en-US" sz="2000" dirty="0" err="1"/>
               <a:t>vrati</a:t>
             </a:r>
             <a:r>
-              <a:rPr lang="en-US" sz="2000" dirty="0" smtClean="0"/>
+              <a:rPr lang="en-US" sz="2000" dirty="0"/>
               <a:t> </a:t>
             </a:r>
             <a:r>
-              <a:rPr lang="en-US" sz="2000" dirty="0" err="1" smtClean="0"/>
+              <a:rPr lang="en-US" sz="2000" dirty="0" err="1"/>
               <a:t>data.frame</a:t>
             </a:r>
-            <a:endParaRPr lang="en-US" sz="2000" dirty="0" smtClean="0"/>
+            <a:endParaRPr lang="en-US" sz="2000" dirty="0"/>
           </a:p>
           <a:p>
             <a:endParaRPr lang="en-US" sz="2000" dirty="0"/>
@@ -3903,18 +3878,13 @@
           <a:lstStyle/>
           <a:p>
             <a:r>
-              <a:rPr lang="en-US" sz="2000" dirty="0" err="1" smtClean="0"/>
+              <a:rPr lang="en-US" sz="2000" dirty="0" err="1"/>
               <a:t>classifda.barplot</a:t>
             </a:r>
             <a:r>
-              <a:rPr lang="en-US" sz="2000" dirty="0" smtClean="0"/>
-              <a:t>(results</a:t>
-            </a:r>
-            <a:r>
               <a:rPr lang="en-US" sz="2000" dirty="0"/>
-              <a:t>)</a:t>
-            </a:r>
-            <a:endParaRPr lang="en-US" sz="2000" dirty="0"/>
+              <a:t>(results)</a:t>
+            </a:r>
           </a:p>
         </p:txBody>
       </p:sp>
@@ -4010,28 +3980,12 @@
           <a:lstStyle/>
           <a:p>
             <a:r>
-              <a:rPr lang="en-US" sz="2000" dirty="0" err="1" smtClean="0">
+              <a:rPr lang="en-US" sz="2000" dirty="0" err="1">
                 <a:solidFill>
                   <a:srgbClr val="0000FF"/>
                 </a:solidFill>
               </a:rPr>
               <a:t>knn.select</a:t>
-            </a:r>
-            <a:r>
-              <a:rPr lang="en-US" sz="2000" dirty="0" smtClean="0">
-                <a:solidFill>
-                  <a:srgbClr val="0000FF"/>
-                </a:solidFill>
-              </a:rPr>
-              <a:t>(</a:t>
-            </a:r>
-            <a:r>
-              <a:rPr lang="en-US" sz="2000" dirty="0" err="1" smtClean="0">
-                <a:solidFill>
-                  <a:srgbClr val="0000FF"/>
-                </a:solidFill>
-              </a:rPr>
-              <a:t>data,crossval</a:t>
             </a:r>
             <a:r>
               <a:rPr lang="en-US" sz="2000" dirty="0">
@@ -4039,23 +3993,15 @@
                   <a:srgbClr val="0000FF"/>
                 </a:solidFill>
               </a:rPr>
-              <a:t>="</a:t>
-            </a:r>
-            <a:r>
-              <a:rPr lang="en-US" sz="2000" dirty="0" err="1" smtClean="0">
+              <a:t>(</a:t>
+            </a:r>
+            <a:r>
+              <a:rPr lang="en-US" sz="2000" dirty="0" err="1">
                 <a:solidFill>
                   <a:srgbClr val="0000FF"/>
                 </a:solidFill>
               </a:rPr>
-              <a:t>indiv</a:t>
-            </a:r>
-            <a:r>
-              <a:rPr lang="en-US" sz="2000" dirty="0" smtClean="0">
-                <a:solidFill>
-                  <a:srgbClr val="0000FF"/>
-                </a:solidFill>
-              </a:rPr>
-              <a:t>“ / </a:t>
+              <a:t>data,crossval</a:t>
             </a:r>
             <a:r>
               <a:rPr lang="en-US" sz="2000" dirty="0">
@@ -4063,42 +4009,50 @@
                   <a:srgbClr val="0000FF"/>
                 </a:solidFill>
               </a:rPr>
-              <a:t>"pop</a:t>
-            </a:r>
-            <a:r>
-              <a:rPr lang="en-US" sz="2000" dirty="0" smtClean="0">
+              <a:t>="</a:t>
+            </a:r>
+            <a:r>
+              <a:rPr lang="en-US" sz="2000" dirty="0" err="1">
                 <a:solidFill>
                   <a:srgbClr val="0000FF"/>
                 </a:solidFill>
               </a:rPr>
-              <a:t>")   // </a:t>
-            </a:r>
-            <a:r>
-              <a:rPr lang="en-US" sz="2000" dirty="0" err="1" smtClean="0">
+              <a:t>indiv</a:t>
+            </a:r>
+            <a:r>
+              <a:rPr lang="en-US" sz="2000" dirty="0">
                 <a:solidFill>
                   <a:srgbClr val="0000FF"/>
                 </a:solidFill>
               </a:rPr>
-              <a:t>nevrati</a:t>
-            </a:r>
-            <a:r>
-              <a:rPr lang="en-US" sz="2000" dirty="0" smtClean="0">
+              <a:t>“ / "pop")   // </a:t>
+            </a:r>
+            <a:r>
+              <a:rPr lang="en-US" sz="2000" dirty="0" err="1">
                 <a:solidFill>
                   <a:srgbClr val="0000FF"/>
                 </a:solidFill>
               </a:rPr>
-              <a:t> </a:t>
-            </a:r>
-            <a:r>
-              <a:rPr lang="en-US" sz="2000" dirty="0" err="1" smtClean="0">
+              <a:t>nevrati</a:t>
+            </a:r>
+            <a:r>
+              <a:rPr lang="en-US" sz="2000" dirty="0">
                 <a:solidFill>
                   <a:srgbClr val="0000FF"/>
                 </a:solidFill>
               </a:rPr>
+              <a:t> </a:t>
+            </a:r>
+            <a:r>
+              <a:rPr lang="en-US" sz="2000" dirty="0" err="1">
+                <a:solidFill>
+                  <a:srgbClr val="0000FF"/>
+                </a:solidFill>
+              </a:rPr>
               <a:t>nic</a:t>
             </a:r>
             <a:r>
-              <a:rPr lang="en-US" sz="2000" dirty="0" smtClean="0">
+              <a:rPr lang="en-US" sz="2000" dirty="0">
                 <a:solidFill>
                   <a:srgbClr val="0000FF"/>
                 </a:solidFill>
@@ -4119,13 +4073,1632 @@
   <p:clrMapOvr>
     <a:masterClrMapping/>
   </p:clrMapOvr>
-  <p:timing>
-    <p:tnLst>
-      <p:par>
-        <p:cTn id="1" dur="indefinite" restart="never" nodeType="tmRoot"/>
-      </p:par>
-    </p:tnLst>
-  </p:timing>
+</p:sld>
+</file>
+
+<file path=ppt/slides/slide2.xml><?xml version="1.0" encoding="utf-8"?>
+<p:sld xmlns:a="http://schemas.openxmlformats.org/drawingml/2006/main" xmlns:r="http://schemas.openxmlformats.org/officeDocument/2006/relationships" xmlns:p="http://schemas.openxmlformats.org/presentationml/2006/main">
+  <p:cSld>
+    <p:spTree>
+      <p:nvGrpSpPr>
+        <p:cNvPr id="1" name=""/>
+        <p:cNvGrpSpPr/>
+        <p:nvPr/>
+      </p:nvGrpSpPr>
+      <p:grpSpPr>
+        <a:xfrm>
+          <a:off x="0" y="0"/>
+          <a:ext cx="0" cy="0"/>
+          <a:chOff x="0" y="0"/>
+          <a:chExt cx="0" cy="0"/>
+        </a:xfrm>
+      </p:grpSpPr>
+      <p:sp>
+        <p:nvSpPr>
+          <p:cNvPr id="4" name="Obdĺžnik 3">
+            <a:extLst>
+              <a:ext uri="{FF2B5EF4-FFF2-40B4-BE49-F238E27FC236}">
+                <a16:creationId xmlns:a16="http://schemas.microsoft.com/office/drawing/2014/main" id="{DE4001F9-F7AD-4847-B5B6-3B9EEFF3B711}"/>
+              </a:ext>
+            </a:extLst>
+          </p:cNvPr>
+          <p:cNvSpPr/>
+          <p:nvPr/>
+        </p:nvSpPr>
+        <p:spPr>
+          <a:xfrm>
+            <a:off x="631983" y="1048505"/>
+            <a:ext cx="2250937" cy="307777"/>
+          </a:xfrm>
+          <a:prstGeom prst="rect">
+            <a:avLst/>
+          </a:prstGeom>
+        </p:spPr>
+        <p:txBody>
+          <a:bodyPr wrap="none">
+            <a:spAutoFit/>
+          </a:bodyPr>
+          <a:lstStyle/>
+          <a:p>
+            <a:r>
+              <a:rPr lang="sk-SK" sz="1400" b="1" dirty="0" err="1">
+                <a:solidFill>
+                  <a:srgbClr val="000000"/>
+                </a:solidFill>
+                <a:latin typeface="Arial" panose="020B0604020202020204" pitchFamily="34" charset="0"/>
+              </a:rPr>
+              <a:t>Data</a:t>
+            </a:r>
+            <a:r>
+              <a:rPr lang="sk-SK" sz="1400" b="1" dirty="0">
+                <a:solidFill>
+                  <a:srgbClr val="000000"/>
+                </a:solidFill>
+                <a:latin typeface="Arial" panose="020B0604020202020204" pitchFamily="34" charset="0"/>
+              </a:rPr>
+              <a:t> </a:t>
+            </a:r>
+            <a:r>
+              <a:rPr lang="sk-SK" sz="1400" b="1" dirty="0" err="1">
+                <a:solidFill>
+                  <a:srgbClr val="000000"/>
+                </a:solidFill>
+                <a:latin typeface="Arial" panose="020B0604020202020204" pitchFamily="34" charset="0"/>
+              </a:rPr>
+              <a:t>input</a:t>
+            </a:r>
+            <a:r>
+              <a:rPr lang="sk-SK" sz="1400" b="1" dirty="0">
+                <a:solidFill>
+                  <a:srgbClr val="000000"/>
+                </a:solidFill>
+                <a:latin typeface="Arial" panose="020B0604020202020204" pitchFamily="34" charset="0"/>
+              </a:rPr>
+              <a:t> &amp; </a:t>
+            </a:r>
+            <a:r>
+              <a:rPr lang="sk-SK" sz="1400" b="1" dirty="0" err="1">
+                <a:solidFill>
+                  <a:srgbClr val="000000"/>
+                </a:solidFill>
+                <a:latin typeface="Arial" panose="020B0604020202020204" pitchFamily="34" charset="0"/>
+              </a:rPr>
+              <a:t>description</a:t>
+            </a:r>
+            <a:endParaRPr lang="sk-SK" sz="1400" b="1" i="0" dirty="0">
+              <a:solidFill>
+                <a:srgbClr val="000000"/>
+              </a:solidFill>
+              <a:effectLst/>
+              <a:latin typeface="Arial" panose="020B0604020202020204" pitchFamily="34" charset="0"/>
+            </a:endParaRPr>
+          </a:p>
+        </p:txBody>
+      </p:sp>
+      <p:sp>
+        <p:nvSpPr>
+          <p:cNvPr id="6" name="Obdĺžnik 5">
+            <a:extLst>
+              <a:ext uri="{FF2B5EF4-FFF2-40B4-BE49-F238E27FC236}">
+                <a16:creationId xmlns:a16="http://schemas.microsoft.com/office/drawing/2014/main" id="{82E83F06-AB71-44D5-BAF9-5704D084EABD}"/>
+              </a:ext>
+            </a:extLst>
+          </p:cNvPr>
+          <p:cNvSpPr/>
+          <p:nvPr/>
+        </p:nvSpPr>
+        <p:spPr>
+          <a:xfrm>
+            <a:off x="1757451" y="1493090"/>
+            <a:ext cx="1477649" cy="705258"/>
+          </a:xfrm>
+          <a:prstGeom prst="rect">
+            <a:avLst/>
+          </a:prstGeom>
+        </p:spPr>
+        <p:txBody>
+          <a:bodyPr wrap="none">
+            <a:spAutoFit/>
+          </a:bodyPr>
+          <a:lstStyle/>
+          <a:p>
+            <a:pPr>
+              <a:lnSpc>
+                <a:spcPct val="150000"/>
+              </a:lnSpc>
+            </a:pPr>
+            <a:r>
+              <a:rPr lang="en-GB" sz="1200" dirty="0" err="1">
+                <a:highlight>
+                  <a:srgbClr val="00FF00"/>
+                </a:highlight>
+              </a:rPr>
+              <a:t>read.</a:t>
+            </a:r>
+            <a:r>
+              <a:rPr lang="en-GB" sz="1400" dirty="0" err="1">
+                <a:highlight>
+                  <a:srgbClr val="00FF00"/>
+                </a:highlight>
+              </a:rPr>
+              <a:t>morphodata</a:t>
+            </a:r>
+            <a:endParaRPr lang="sk-SK" sz="1400" dirty="0">
+              <a:highlight>
+                <a:srgbClr val="00FF00"/>
+              </a:highlight>
+            </a:endParaRPr>
+          </a:p>
+          <a:p>
+            <a:pPr>
+              <a:lnSpc>
+                <a:spcPct val="150000"/>
+              </a:lnSpc>
+            </a:pPr>
+            <a:r>
+              <a:rPr lang="sk-SK" sz="1400" dirty="0" err="1">
+                <a:highlight>
+                  <a:srgbClr val="00FF00"/>
+                </a:highlight>
+              </a:rPr>
+              <a:t>morphodata</a:t>
+            </a:r>
+            <a:r>
+              <a:rPr lang="sk-SK" sz="1400" dirty="0">
+                <a:highlight>
+                  <a:srgbClr val="00FF00"/>
+                </a:highlight>
+              </a:rPr>
+              <a:t> </a:t>
+            </a:r>
+            <a:r>
+              <a:rPr lang="sk-SK" sz="1400" dirty="0" err="1">
+                <a:highlight>
+                  <a:srgbClr val="00FF00"/>
+                </a:highlight>
+              </a:rPr>
+              <a:t>class</a:t>
+            </a:r>
+            <a:endParaRPr lang="en-GB" sz="1200" dirty="0">
+              <a:highlight>
+                <a:srgbClr val="00FF00"/>
+              </a:highlight>
+            </a:endParaRPr>
+          </a:p>
+        </p:txBody>
+      </p:sp>
+      <p:sp>
+        <p:nvSpPr>
+          <p:cNvPr id="8" name="Obdĺžnik 7">
+            <a:extLst>
+              <a:ext uri="{FF2B5EF4-FFF2-40B4-BE49-F238E27FC236}">
+                <a16:creationId xmlns:a16="http://schemas.microsoft.com/office/drawing/2014/main" id="{A6515522-DA09-48B5-B9F2-5FB455BCB645}"/>
+              </a:ext>
+            </a:extLst>
+          </p:cNvPr>
+          <p:cNvSpPr/>
+          <p:nvPr/>
+        </p:nvSpPr>
+        <p:spPr>
+          <a:xfrm>
+            <a:off x="3952347" y="1048505"/>
+            <a:ext cx="1521353" cy="1015663"/>
+          </a:xfrm>
+          <a:prstGeom prst="rect">
+            <a:avLst/>
+          </a:prstGeom>
+        </p:spPr>
+        <p:txBody>
+          <a:bodyPr wrap="square">
+            <a:spAutoFit/>
+          </a:bodyPr>
+          <a:lstStyle/>
+          <a:p>
+            <a:r>
+              <a:rPr lang="en-GB" sz="1200" dirty="0"/>
+              <a:t>S3 methods</a:t>
+            </a:r>
+            <a:r>
+              <a:rPr lang="sk-SK" sz="1200" dirty="0"/>
+              <a:t>:</a:t>
+            </a:r>
+          </a:p>
+          <a:p>
+            <a:pPr marL="444500" indent="-171450">
+              <a:buFont typeface="Arial" panose="020B0604020202020204" pitchFamily="34" charset="0"/>
+              <a:buChar char="•"/>
+            </a:pPr>
+            <a:r>
+              <a:rPr lang="sk-SK" sz="1200" dirty="0" err="1"/>
+              <a:t>summary</a:t>
+            </a:r>
+            <a:endParaRPr lang="sk-SK" sz="1200" dirty="0"/>
+          </a:p>
+          <a:p>
+            <a:pPr marL="444500" indent="-171450">
+              <a:buFont typeface="Arial" panose="020B0604020202020204" pitchFamily="34" charset="0"/>
+              <a:buChar char="•"/>
+            </a:pPr>
+            <a:r>
+              <a:rPr lang="sk-SK" sz="1200" dirty="0" err="1"/>
+              <a:t>samples</a:t>
+            </a:r>
+            <a:endParaRPr lang="sk-SK" sz="1200" dirty="0"/>
+          </a:p>
+          <a:p>
+            <a:pPr marL="444500" indent="-171450">
+              <a:buFont typeface="Arial" panose="020B0604020202020204" pitchFamily="34" charset="0"/>
+              <a:buChar char="•"/>
+            </a:pPr>
+            <a:r>
+              <a:rPr lang="sk-SK" sz="1200" dirty="0" err="1"/>
+              <a:t>populations</a:t>
+            </a:r>
+            <a:endParaRPr lang="sk-SK" sz="1200" dirty="0"/>
+          </a:p>
+          <a:p>
+            <a:pPr marL="444500" indent="-171450">
+              <a:buFont typeface="Arial" panose="020B0604020202020204" pitchFamily="34" charset="0"/>
+              <a:buChar char="•"/>
+            </a:pPr>
+            <a:r>
+              <a:rPr lang="sk-SK" sz="1200" dirty="0"/>
+              <a:t>taxa</a:t>
+            </a:r>
+            <a:r>
+              <a:rPr lang="en-GB" sz="1200" dirty="0"/>
+              <a:t> </a:t>
+            </a:r>
+          </a:p>
+        </p:txBody>
+      </p:sp>
+      <p:sp>
+        <p:nvSpPr>
+          <p:cNvPr id="10" name="Obdĺžnik 9">
+            <a:extLst>
+              <a:ext uri="{FF2B5EF4-FFF2-40B4-BE49-F238E27FC236}">
+                <a16:creationId xmlns:a16="http://schemas.microsoft.com/office/drawing/2014/main" id="{D8E5A7A1-F408-408B-B6C1-99830EC3F83C}"/>
+              </a:ext>
+            </a:extLst>
+          </p:cNvPr>
+          <p:cNvSpPr/>
+          <p:nvPr/>
+        </p:nvSpPr>
+        <p:spPr>
+          <a:xfrm>
+            <a:off x="631983" y="2231754"/>
+            <a:ext cx="1040670" cy="515847"/>
+          </a:xfrm>
+          <a:prstGeom prst="rect">
+            <a:avLst/>
+          </a:prstGeom>
+        </p:spPr>
+        <p:txBody>
+          <a:bodyPr wrap="none">
+            <a:spAutoFit/>
+          </a:bodyPr>
+          <a:lstStyle/>
+          <a:p>
+            <a:r>
+              <a:rPr lang="en-GB" sz="1400" b="1" dirty="0">
+                <a:solidFill>
+                  <a:srgbClr val="000000"/>
+                </a:solidFill>
+                <a:latin typeface="Arial" panose="020B0604020202020204" pitchFamily="34" charset="0"/>
+              </a:rPr>
+              <a:t>Box</a:t>
+            </a:r>
+            <a:r>
+              <a:rPr lang="en-GB" dirty="0"/>
+              <a:t> </a:t>
+            </a:r>
+            <a:r>
+              <a:rPr lang="en-GB" sz="1400" b="1" dirty="0">
+                <a:solidFill>
+                  <a:srgbClr val="000000"/>
+                </a:solidFill>
+                <a:latin typeface="Arial" panose="020B0604020202020204" pitchFamily="34" charset="0"/>
+              </a:rPr>
+              <a:t>Plots</a:t>
+            </a:r>
+          </a:p>
+        </p:txBody>
+      </p:sp>
+      <p:sp>
+        <p:nvSpPr>
+          <p:cNvPr id="11" name="Obdĺžnik 10">
+            <a:extLst>
+              <a:ext uri="{FF2B5EF4-FFF2-40B4-BE49-F238E27FC236}">
+                <a16:creationId xmlns:a16="http://schemas.microsoft.com/office/drawing/2014/main" id="{6085D97D-A5CF-4C4C-B2E0-7801D2AF06C0}"/>
+              </a:ext>
+            </a:extLst>
+          </p:cNvPr>
+          <p:cNvSpPr/>
+          <p:nvPr/>
+        </p:nvSpPr>
+        <p:spPr>
+          <a:xfrm>
+            <a:off x="1757450" y="2601844"/>
+            <a:ext cx="1286121" cy="617733"/>
+          </a:xfrm>
+          <a:prstGeom prst="rect">
+            <a:avLst/>
+          </a:prstGeom>
+        </p:spPr>
+        <p:txBody>
+          <a:bodyPr wrap="none">
+            <a:spAutoFit/>
+          </a:bodyPr>
+          <a:lstStyle/>
+          <a:p>
+            <a:pPr>
+              <a:lnSpc>
+                <a:spcPct val="150000"/>
+              </a:lnSpc>
+            </a:pPr>
+            <a:r>
+              <a:rPr lang="en-GB" sz="1200" dirty="0" err="1">
+                <a:highlight>
+                  <a:srgbClr val="00FF00"/>
+                </a:highlight>
+              </a:rPr>
+              <a:t>boxplot.character</a:t>
+            </a:r>
+            <a:endParaRPr lang="sk-SK" sz="1400" dirty="0">
+              <a:highlight>
+                <a:srgbClr val="00FF00"/>
+              </a:highlight>
+            </a:endParaRPr>
+          </a:p>
+          <a:p>
+            <a:pPr>
+              <a:lnSpc>
+                <a:spcPct val="150000"/>
+              </a:lnSpc>
+            </a:pPr>
+            <a:r>
+              <a:rPr lang="en-GB" sz="1200" dirty="0" err="1">
+                <a:highlight>
+                  <a:srgbClr val="00FF00"/>
+                </a:highlight>
+              </a:rPr>
+              <a:t>boxplot.all</a:t>
+            </a:r>
+            <a:endParaRPr lang="en-GB" sz="1200" dirty="0">
+              <a:highlight>
+                <a:srgbClr val="00FF00"/>
+              </a:highlight>
+            </a:endParaRPr>
+          </a:p>
+        </p:txBody>
+      </p:sp>
+      <p:sp>
+        <p:nvSpPr>
+          <p:cNvPr id="12" name="Obdĺžnik 11">
+            <a:extLst>
+              <a:ext uri="{FF2B5EF4-FFF2-40B4-BE49-F238E27FC236}">
+                <a16:creationId xmlns:a16="http://schemas.microsoft.com/office/drawing/2014/main" id="{D9971658-B8CF-4295-A938-82560C627F6D}"/>
+              </a:ext>
+            </a:extLst>
+          </p:cNvPr>
+          <p:cNvSpPr/>
+          <p:nvPr/>
+        </p:nvSpPr>
+        <p:spPr>
+          <a:xfrm>
+            <a:off x="1757450" y="260968"/>
+            <a:ext cx="1390958" cy="307777"/>
+          </a:xfrm>
+          <a:prstGeom prst="rect">
+            <a:avLst/>
+          </a:prstGeom>
+        </p:spPr>
+        <p:txBody>
+          <a:bodyPr wrap="none">
+            <a:spAutoFit/>
+          </a:bodyPr>
+          <a:lstStyle/>
+          <a:p>
+            <a:r>
+              <a:rPr lang="sk-SK" sz="1400" b="1" dirty="0" err="1"/>
+              <a:t>data</a:t>
+            </a:r>
+            <a:r>
+              <a:rPr lang="sk-SK" sz="1400" b="1" dirty="0"/>
+              <a:t>  </a:t>
+            </a:r>
+            <a:r>
+              <a:rPr lang="sk-SK" sz="1400" b="1" dirty="0" err="1">
+                <a:highlight>
+                  <a:srgbClr val="00FF00"/>
+                </a:highlight>
+              </a:rPr>
+              <a:t>centaurea</a:t>
+            </a:r>
+            <a:r>
+              <a:rPr lang="sk-SK" sz="1400" b="1" dirty="0">
+                <a:solidFill>
+                  <a:srgbClr val="000000"/>
+                </a:solidFill>
+                <a:latin typeface="Arial" panose="020B0604020202020204" pitchFamily="34" charset="0"/>
+              </a:rPr>
+              <a:t> </a:t>
+            </a:r>
+            <a:endParaRPr lang="en-GB" sz="1400" b="1" dirty="0"/>
+          </a:p>
+        </p:txBody>
+      </p:sp>
+      <p:sp>
+        <p:nvSpPr>
+          <p:cNvPr id="13" name="Obdĺžnik 12">
+            <a:extLst>
+              <a:ext uri="{FF2B5EF4-FFF2-40B4-BE49-F238E27FC236}">
+                <a16:creationId xmlns:a16="http://schemas.microsoft.com/office/drawing/2014/main" id="{B19A6BE0-7750-4AC5-A52F-CB8460DD3DF8}"/>
+              </a:ext>
+            </a:extLst>
+          </p:cNvPr>
+          <p:cNvSpPr/>
+          <p:nvPr/>
+        </p:nvSpPr>
+        <p:spPr>
+          <a:xfrm>
+            <a:off x="631983" y="3315296"/>
+            <a:ext cx="1973617" cy="307777"/>
+          </a:xfrm>
+          <a:prstGeom prst="rect">
+            <a:avLst/>
+          </a:prstGeom>
+        </p:spPr>
+        <p:txBody>
+          <a:bodyPr wrap="none">
+            <a:spAutoFit/>
+          </a:bodyPr>
+          <a:lstStyle/>
+          <a:p>
+            <a:r>
+              <a:rPr lang="en-GB" sz="1400" b="1" dirty="0">
+                <a:latin typeface="Arial" panose="020B0604020202020204" pitchFamily="34" charset="0"/>
+                <a:cs typeface="Arial" panose="020B0604020202020204" pitchFamily="34" charset="0"/>
+              </a:rPr>
+              <a:t>Descriptive statistics</a:t>
+            </a:r>
+          </a:p>
+        </p:txBody>
+      </p:sp>
+      <p:sp>
+        <p:nvSpPr>
+          <p:cNvPr id="14" name="Obdĺžnik 13">
+            <a:extLst>
+              <a:ext uri="{FF2B5EF4-FFF2-40B4-BE49-F238E27FC236}">
+                <a16:creationId xmlns:a16="http://schemas.microsoft.com/office/drawing/2014/main" id="{BD44AAF8-AFC3-4469-B1CB-DF40AEB8499E}"/>
+              </a:ext>
+            </a:extLst>
+          </p:cNvPr>
+          <p:cNvSpPr/>
+          <p:nvPr/>
+        </p:nvSpPr>
+        <p:spPr>
+          <a:xfrm>
+            <a:off x="1757450" y="3623073"/>
+            <a:ext cx="786369" cy="894732"/>
+          </a:xfrm>
+          <a:prstGeom prst="rect">
+            <a:avLst/>
+          </a:prstGeom>
+        </p:spPr>
+        <p:txBody>
+          <a:bodyPr wrap="none">
+            <a:spAutoFit/>
+          </a:bodyPr>
+          <a:lstStyle/>
+          <a:p>
+            <a:pPr>
+              <a:lnSpc>
+                <a:spcPct val="150000"/>
+              </a:lnSpc>
+            </a:pPr>
+            <a:r>
+              <a:rPr lang="en-GB" sz="1200" dirty="0" err="1">
+                <a:highlight>
+                  <a:srgbClr val="00FF00"/>
+                </a:highlight>
+              </a:rPr>
+              <a:t>descr.tax</a:t>
+            </a:r>
+            <a:endParaRPr lang="sk-SK" sz="1200" dirty="0">
+              <a:highlight>
+                <a:srgbClr val="00FF00"/>
+              </a:highlight>
+            </a:endParaRPr>
+          </a:p>
+          <a:p>
+            <a:pPr>
+              <a:lnSpc>
+                <a:spcPct val="150000"/>
+              </a:lnSpc>
+            </a:pPr>
+            <a:r>
+              <a:rPr lang="sk-SK" sz="1200" dirty="0" err="1">
+                <a:highlight>
+                  <a:srgbClr val="00FF00"/>
+                </a:highlight>
+              </a:rPr>
+              <a:t>descr.pop</a:t>
+            </a:r>
+            <a:endParaRPr lang="sk-SK" sz="1200" dirty="0">
+              <a:highlight>
+                <a:srgbClr val="00FF00"/>
+              </a:highlight>
+            </a:endParaRPr>
+          </a:p>
+          <a:p>
+            <a:pPr>
+              <a:lnSpc>
+                <a:spcPct val="150000"/>
+              </a:lnSpc>
+            </a:pPr>
+            <a:r>
+              <a:rPr lang="sk-SK" sz="1200" dirty="0" err="1">
+                <a:highlight>
+                  <a:srgbClr val="00FF00"/>
+                </a:highlight>
+              </a:rPr>
+              <a:t>descr.all</a:t>
+            </a:r>
+            <a:endParaRPr lang="en-GB" sz="1200" dirty="0">
+              <a:highlight>
+                <a:srgbClr val="00FF00"/>
+              </a:highlight>
+            </a:endParaRPr>
+          </a:p>
+        </p:txBody>
+      </p:sp>
+      <p:sp>
+        <p:nvSpPr>
+          <p:cNvPr id="15" name="Obdĺžnik 14">
+            <a:extLst>
+              <a:ext uri="{FF2B5EF4-FFF2-40B4-BE49-F238E27FC236}">
+                <a16:creationId xmlns:a16="http://schemas.microsoft.com/office/drawing/2014/main" id="{58EE56A0-091B-4224-96C8-D32A02EA0301}"/>
+              </a:ext>
+            </a:extLst>
+          </p:cNvPr>
+          <p:cNvSpPr/>
+          <p:nvPr/>
+        </p:nvSpPr>
+        <p:spPr>
+          <a:xfrm>
+            <a:off x="631983" y="4570744"/>
+            <a:ext cx="1054391" cy="338554"/>
+          </a:xfrm>
+          <a:prstGeom prst="rect">
+            <a:avLst/>
+          </a:prstGeom>
+        </p:spPr>
+        <p:txBody>
+          <a:bodyPr wrap="none">
+            <a:spAutoFit/>
+          </a:bodyPr>
+          <a:lstStyle/>
+          <a:p>
+            <a:r>
+              <a:rPr lang="en-GB" sz="1600" b="1" dirty="0"/>
+              <a:t>export.res</a:t>
+            </a:r>
+          </a:p>
+        </p:txBody>
+      </p:sp>
+      <p:sp>
+        <p:nvSpPr>
+          <p:cNvPr id="16" name="Obdĺžnik 15">
+            <a:extLst>
+              <a:ext uri="{FF2B5EF4-FFF2-40B4-BE49-F238E27FC236}">
+                <a16:creationId xmlns:a16="http://schemas.microsoft.com/office/drawing/2014/main" id="{139C51DC-F993-4085-90E1-8484FC651B4E}"/>
+              </a:ext>
+            </a:extLst>
+          </p:cNvPr>
+          <p:cNvSpPr/>
+          <p:nvPr/>
+        </p:nvSpPr>
+        <p:spPr>
+          <a:xfrm>
+            <a:off x="1757450" y="4825582"/>
+            <a:ext cx="1521353" cy="1323439"/>
+          </a:xfrm>
+          <a:prstGeom prst="rect">
+            <a:avLst/>
+          </a:prstGeom>
+        </p:spPr>
+        <p:txBody>
+          <a:bodyPr wrap="square">
+            <a:spAutoFit/>
+          </a:bodyPr>
+          <a:lstStyle/>
+          <a:p>
+            <a:r>
+              <a:rPr lang="en-GB" sz="1600" dirty="0" err="1">
+                <a:highlight>
+                  <a:srgbClr val="00FF00"/>
+                </a:highlight>
+              </a:rPr>
+              <a:t>morphodata</a:t>
+            </a:r>
+            <a:endParaRPr lang="en-GB" sz="1600" dirty="0">
+              <a:highlight>
+                <a:srgbClr val="00FF00"/>
+              </a:highlight>
+            </a:endParaRPr>
+          </a:p>
+          <a:p>
+            <a:r>
+              <a:rPr lang="en-GB" sz="1600" dirty="0" err="1">
+                <a:highlight>
+                  <a:srgbClr val="00FF00"/>
+                </a:highlight>
+              </a:rPr>
+              <a:t>data.frame</a:t>
+            </a:r>
+            <a:endParaRPr lang="en-GB" sz="1600" dirty="0">
+              <a:highlight>
+                <a:srgbClr val="00FF00"/>
+              </a:highlight>
+            </a:endParaRPr>
+          </a:p>
+          <a:p>
+            <a:r>
+              <a:rPr lang="en-GB" sz="1600" dirty="0">
+                <a:highlight>
+                  <a:srgbClr val="00FF00"/>
+                </a:highlight>
+              </a:rPr>
+              <a:t>matrix</a:t>
+            </a:r>
+          </a:p>
+          <a:p>
+            <a:r>
+              <a:rPr lang="en-GB" sz="1600" dirty="0">
+                <a:highlight>
+                  <a:srgbClr val="00FF00"/>
+                </a:highlight>
+              </a:rPr>
+              <a:t>numeric</a:t>
+            </a:r>
+          </a:p>
+          <a:p>
+            <a:r>
+              <a:rPr lang="en-GB" sz="1600" dirty="0" err="1">
+                <a:highlight>
+                  <a:srgbClr val="00FF00"/>
+                </a:highlight>
+              </a:rPr>
+              <a:t>classifdata</a:t>
+            </a:r>
+            <a:endParaRPr lang="en-GB" sz="1600" dirty="0">
+              <a:highlight>
+                <a:srgbClr val="00FF00"/>
+              </a:highlight>
+            </a:endParaRPr>
+          </a:p>
+        </p:txBody>
+      </p:sp>
+      <p:sp>
+        <p:nvSpPr>
+          <p:cNvPr id="17" name="Obdĺžnik 16">
+            <a:extLst>
+              <a:ext uri="{FF2B5EF4-FFF2-40B4-BE49-F238E27FC236}">
+                <a16:creationId xmlns:a16="http://schemas.microsoft.com/office/drawing/2014/main" id="{909810EE-C425-4A5A-8ACA-9E10CB5C857D}"/>
+              </a:ext>
+            </a:extLst>
+          </p:cNvPr>
+          <p:cNvSpPr/>
+          <p:nvPr/>
+        </p:nvSpPr>
+        <p:spPr>
+          <a:xfrm>
+            <a:off x="6797127" y="791040"/>
+            <a:ext cx="5693675" cy="1956561"/>
+          </a:xfrm>
+          <a:prstGeom prst="rect">
+            <a:avLst/>
+          </a:prstGeom>
+        </p:spPr>
+        <p:txBody>
+          <a:bodyPr wrap="none">
+            <a:spAutoFit/>
+          </a:bodyPr>
+          <a:lstStyle/>
+          <a:p>
+            <a:pPr>
+              <a:lnSpc>
+                <a:spcPct val="150000"/>
+              </a:lnSpc>
+            </a:pPr>
+            <a:r>
+              <a:rPr lang="en-GB" sz="1200" dirty="0" err="1">
+                <a:highlight>
+                  <a:srgbClr val="00FF00"/>
+                </a:highlight>
+              </a:rPr>
+              <a:t>read.</a:t>
+            </a:r>
+            <a:r>
+              <a:rPr lang="en-GB" sz="1400" dirty="0" err="1">
+                <a:highlight>
+                  <a:srgbClr val="00FF00"/>
+                </a:highlight>
+              </a:rPr>
+              <a:t>morphodata</a:t>
+            </a:r>
+            <a:r>
+              <a:rPr lang="sk-SK" sz="1400" dirty="0">
+                <a:highlight>
+                  <a:srgbClr val="00FF00"/>
+                </a:highlight>
+              </a:rPr>
+              <a:t>  - </a:t>
+            </a:r>
+            <a:r>
+              <a:rPr lang="sk-SK" sz="1400" dirty="0" err="1"/>
+              <a:t>test.morphodataFromDataFrame</a:t>
+            </a:r>
+            <a:r>
+              <a:rPr lang="sk-SK" sz="1400" dirty="0"/>
+              <a:t>; </a:t>
+            </a:r>
+            <a:r>
+              <a:rPr lang="sk-SK" sz="1400" dirty="0" err="1"/>
+              <a:t>test.read.morphodata</a:t>
+            </a:r>
+            <a:endParaRPr lang="sk-SK" sz="1400" dirty="0"/>
+          </a:p>
+          <a:p>
+            <a:pPr>
+              <a:lnSpc>
+                <a:spcPct val="150000"/>
+              </a:lnSpc>
+            </a:pPr>
+            <a:r>
+              <a:rPr lang="sk-SK" sz="1400" dirty="0" err="1">
+                <a:highlight>
+                  <a:srgbClr val="00FF00"/>
+                </a:highlight>
+              </a:rPr>
+              <a:t>summary</a:t>
+            </a:r>
+            <a:r>
+              <a:rPr lang="sk-SK" sz="1400" dirty="0">
+                <a:highlight>
+                  <a:srgbClr val="00FF00"/>
+                </a:highlight>
+              </a:rPr>
+              <a:t>  -  </a:t>
+            </a:r>
+            <a:r>
+              <a:rPr lang="sk-SK" sz="1400" dirty="0" err="1"/>
+              <a:t>test.summary</a:t>
+            </a:r>
+            <a:br>
+              <a:rPr lang="sk-SK" sz="1400" dirty="0"/>
+            </a:br>
+            <a:r>
+              <a:rPr lang="sk-SK" sz="1400" dirty="0" err="1"/>
+              <a:t>samples</a:t>
+            </a:r>
+            <a:r>
+              <a:rPr lang="sk-SK" sz="1400" dirty="0"/>
+              <a:t> – </a:t>
+            </a:r>
+            <a:r>
+              <a:rPr lang="sk-SK" sz="1400" dirty="0" err="1"/>
+              <a:t>test.samples</a:t>
+            </a:r>
+            <a:endParaRPr lang="sk-SK" sz="1400" dirty="0"/>
+          </a:p>
+          <a:p>
+            <a:pPr>
+              <a:lnSpc>
+                <a:spcPct val="150000"/>
+              </a:lnSpc>
+            </a:pPr>
+            <a:r>
+              <a:rPr lang="sk-SK" sz="1400" dirty="0" err="1"/>
+              <a:t>populations</a:t>
+            </a:r>
+            <a:r>
+              <a:rPr lang="sk-SK" sz="1400" dirty="0"/>
+              <a:t> – test</a:t>
+            </a:r>
+          </a:p>
+          <a:p>
+            <a:pPr>
+              <a:lnSpc>
+                <a:spcPct val="150000"/>
+              </a:lnSpc>
+            </a:pPr>
+            <a:r>
+              <a:rPr lang="sk-SK" sz="1400" dirty="0"/>
+              <a:t>taxa - test</a:t>
+            </a:r>
+          </a:p>
+          <a:p>
+            <a:pPr>
+              <a:lnSpc>
+                <a:spcPct val="150000"/>
+              </a:lnSpc>
+            </a:pPr>
+            <a:endParaRPr lang="en-GB" sz="1200" dirty="0">
+              <a:highlight>
+                <a:srgbClr val="00FF00"/>
+              </a:highlight>
+            </a:endParaRPr>
+          </a:p>
+        </p:txBody>
+      </p:sp>
+      <p:sp>
+        <p:nvSpPr>
+          <p:cNvPr id="20" name="Obdĺžnik 19">
+            <a:extLst>
+              <a:ext uri="{FF2B5EF4-FFF2-40B4-BE49-F238E27FC236}">
+                <a16:creationId xmlns:a16="http://schemas.microsoft.com/office/drawing/2014/main" id="{5DB6715A-27F1-4B40-9E10-1AF9A4940EBB}"/>
+              </a:ext>
+            </a:extLst>
+          </p:cNvPr>
+          <p:cNvSpPr/>
+          <p:nvPr/>
+        </p:nvSpPr>
+        <p:spPr>
+          <a:xfrm>
+            <a:off x="6797127" y="2606245"/>
+            <a:ext cx="3487558" cy="617733"/>
+          </a:xfrm>
+          <a:prstGeom prst="rect">
+            <a:avLst/>
+          </a:prstGeom>
+        </p:spPr>
+        <p:txBody>
+          <a:bodyPr wrap="none">
+            <a:spAutoFit/>
+          </a:bodyPr>
+          <a:lstStyle/>
+          <a:p>
+            <a:pPr>
+              <a:lnSpc>
+                <a:spcPct val="150000"/>
+              </a:lnSpc>
+            </a:pPr>
+            <a:r>
+              <a:rPr lang="en-GB" sz="1200" dirty="0" err="1">
+                <a:highlight>
+                  <a:srgbClr val="00FF00"/>
+                </a:highlight>
+              </a:rPr>
+              <a:t>boxplot.characte</a:t>
+            </a:r>
+            <a:r>
+              <a:rPr lang="sk-SK" sz="1200" dirty="0">
+                <a:highlight>
+                  <a:srgbClr val="00FF00"/>
+                </a:highlight>
+              </a:rPr>
+              <a:t>   -   </a:t>
+            </a:r>
+            <a:r>
+              <a:rPr lang="sk-SK" sz="1200" dirty="0" err="1"/>
+              <a:t>giveMeNiceBoxPlot</a:t>
+            </a:r>
+            <a:r>
+              <a:rPr lang="sk-SK" sz="1200" dirty="0"/>
+              <a:t>,  </a:t>
+            </a:r>
+            <a:r>
+              <a:rPr lang="sk-SK" sz="1200" dirty="0" err="1"/>
+              <a:t>boxplot</a:t>
+            </a:r>
+            <a:r>
+              <a:rPr lang="sk-SK" sz="1200" dirty="0"/>
+              <a:t> Ch</a:t>
+            </a:r>
+          </a:p>
+          <a:p>
+            <a:pPr>
+              <a:lnSpc>
+                <a:spcPct val="150000"/>
+              </a:lnSpc>
+            </a:pPr>
+            <a:r>
+              <a:rPr lang="en-GB" sz="1200" dirty="0" err="1">
+                <a:highlight>
+                  <a:srgbClr val="00FF00"/>
+                </a:highlight>
+              </a:rPr>
+              <a:t>boxplot.all</a:t>
+            </a:r>
+            <a:endParaRPr lang="en-GB" sz="1200" dirty="0">
+              <a:highlight>
+                <a:srgbClr val="00FF00"/>
+              </a:highlight>
+            </a:endParaRPr>
+          </a:p>
+        </p:txBody>
+      </p:sp>
+      <p:sp>
+        <p:nvSpPr>
+          <p:cNvPr id="21" name="Obdĺžnik 20">
+            <a:extLst>
+              <a:ext uri="{FF2B5EF4-FFF2-40B4-BE49-F238E27FC236}">
+                <a16:creationId xmlns:a16="http://schemas.microsoft.com/office/drawing/2014/main" id="{1BE291D0-7684-4D00-A592-0147C2195EFC}"/>
+              </a:ext>
+            </a:extLst>
+          </p:cNvPr>
+          <p:cNvSpPr/>
+          <p:nvPr/>
+        </p:nvSpPr>
+        <p:spPr>
+          <a:xfrm>
+            <a:off x="6800653" y="3668074"/>
+            <a:ext cx="1159420" cy="894732"/>
+          </a:xfrm>
+          <a:prstGeom prst="rect">
+            <a:avLst/>
+          </a:prstGeom>
+        </p:spPr>
+        <p:txBody>
+          <a:bodyPr wrap="none">
+            <a:spAutoFit/>
+          </a:bodyPr>
+          <a:lstStyle/>
+          <a:p>
+            <a:pPr>
+              <a:lnSpc>
+                <a:spcPct val="150000"/>
+              </a:lnSpc>
+            </a:pPr>
+            <a:r>
+              <a:rPr lang="en-GB" sz="1200" dirty="0" err="1">
+                <a:highlight>
+                  <a:srgbClr val="00FF00"/>
+                </a:highlight>
+              </a:rPr>
+              <a:t>descr.tax</a:t>
+            </a:r>
+            <a:r>
+              <a:rPr lang="sk-SK" sz="1200" dirty="0">
+                <a:highlight>
+                  <a:srgbClr val="00FF00"/>
+                </a:highlight>
+              </a:rPr>
+              <a:t> - teste</a:t>
+            </a:r>
+          </a:p>
+          <a:p>
+            <a:pPr>
+              <a:lnSpc>
+                <a:spcPct val="150000"/>
+              </a:lnSpc>
+            </a:pPr>
+            <a:r>
+              <a:rPr lang="sk-SK" sz="1200" dirty="0" err="1">
+                <a:highlight>
+                  <a:srgbClr val="00FF00"/>
+                </a:highlight>
+              </a:rPr>
+              <a:t>descr.pop</a:t>
+            </a:r>
+            <a:r>
+              <a:rPr lang="sk-SK" sz="1200" dirty="0">
+                <a:highlight>
+                  <a:srgbClr val="00FF00"/>
+                </a:highlight>
+              </a:rPr>
+              <a:t> - test</a:t>
+            </a:r>
+          </a:p>
+          <a:p>
+            <a:pPr>
+              <a:lnSpc>
+                <a:spcPct val="150000"/>
+              </a:lnSpc>
+            </a:pPr>
+            <a:r>
+              <a:rPr lang="sk-SK" sz="1200" dirty="0" err="1">
+                <a:highlight>
+                  <a:srgbClr val="00FF00"/>
+                </a:highlight>
+              </a:rPr>
+              <a:t>descr.all</a:t>
+            </a:r>
+            <a:r>
+              <a:rPr lang="sk-SK" sz="1200" dirty="0">
+                <a:highlight>
+                  <a:srgbClr val="00FF00"/>
+                </a:highlight>
+              </a:rPr>
+              <a:t> - test</a:t>
+            </a:r>
+            <a:endParaRPr lang="en-GB" sz="1200" dirty="0">
+              <a:highlight>
+                <a:srgbClr val="00FF00"/>
+              </a:highlight>
+            </a:endParaRPr>
+          </a:p>
+        </p:txBody>
+      </p:sp>
+      <p:sp>
+        <p:nvSpPr>
+          <p:cNvPr id="22" name="Obdĺžnik 21">
+            <a:extLst>
+              <a:ext uri="{FF2B5EF4-FFF2-40B4-BE49-F238E27FC236}">
+                <a16:creationId xmlns:a16="http://schemas.microsoft.com/office/drawing/2014/main" id="{6635BF1D-6866-463D-8523-B6F70AC7A08E}"/>
+              </a:ext>
+            </a:extLst>
+          </p:cNvPr>
+          <p:cNvSpPr/>
+          <p:nvPr/>
+        </p:nvSpPr>
+        <p:spPr>
+          <a:xfrm>
+            <a:off x="6797127" y="4825582"/>
+            <a:ext cx="2981873" cy="1323439"/>
+          </a:xfrm>
+          <a:prstGeom prst="rect">
+            <a:avLst/>
+          </a:prstGeom>
+        </p:spPr>
+        <p:txBody>
+          <a:bodyPr wrap="square">
+            <a:spAutoFit/>
+          </a:bodyPr>
+          <a:lstStyle/>
+          <a:p>
+            <a:r>
+              <a:rPr lang="en-GB" sz="1600" dirty="0" err="1">
+                <a:highlight>
+                  <a:srgbClr val="00FF00"/>
+                </a:highlight>
+              </a:rPr>
+              <a:t>morphodata</a:t>
+            </a:r>
+            <a:endParaRPr lang="en-GB" sz="1600" dirty="0">
+              <a:highlight>
+                <a:srgbClr val="00FF00"/>
+              </a:highlight>
+            </a:endParaRPr>
+          </a:p>
+          <a:p>
+            <a:r>
+              <a:rPr lang="en-GB" sz="1600" dirty="0" err="1">
+                <a:highlight>
+                  <a:srgbClr val="00FF00"/>
+                </a:highlight>
+              </a:rPr>
+              <a:t>data.frame</a:t>
+            </a:r>
+            <a:endParaRPr lang="en-GB" sz="1600" dirty="0">
+              <a:highlight>
+                <a:srgbClr val="00FF00"/>
+              </a:highlight>
+            </a:endParaRPr>
+          </a:p>
+          <a:p>
+            <a:r>
+              <a:rPr lang="en-GB" sz="1600" dirty="0">
+                <a:highlight>
+                  <a:srgbClr val="FF0000"/>
+                </a:highlight>
+              </a:rPr>
+              <a:t>matrix</a:t>
+            </a:r>
+            <a:r>
+              <a:rPr lang="sk-SK" sz="1600" dirty="0">
+                <a:highlight>
+                  <a:srgbClr val="FF0000"/>
+                </a:highlight>
+              </a:rPr>
+              <a:t>  - test</a:t>
+            </a:r>
+            <a:endParaRPr lang="en-GB" sz="1600" dirty="0">
+              <a:highlight>
+                <a:srgbClr val="FF0000"/>
+              </a:highlight>
+            </a:endParaRPr>
+          </a:p>
+          <a:p>
+            <a:r>
+              <a:rPr lang="en-GB" sz="1600" dirty="0">
+                <a:highlight>
+                  <a:srgbClr val="FF0000"/>
+                </a:highlight>
+              </a:rPr>
+              <a:t>numeric</a:t>
+            </a:r>
+            <a:r>
+              <a:rPr lang="sk-SK" sz="1600" dirty="0">
+                <a:highlight>
+                  <a:srgbClr val="FF0000"/>
+                </a:highlight>
+              </a:rPr>
+              <a:t>  -test</a:t>
+            </a:r>
+            <a:endParaRPr lang="en-GB" sz="1600" dirty="0">
+              <a:highlight>
+                <a:srgbClr val="FF0000"/>
+              </a:highlight>
+            </a:endParaRPr>
+          </a:p>
+          <a:p>
+            <a:r>
+              <a:rPr lang="en-GB" sz="1600" dirty="0" err="1">
+                <a:highlight>
+                  <a:srgbClr val="FF0000"/>
+                </a:highlight>
+              </a:rPr>
+              <a:t>classifdata</a:t>
+            </a:r>
+            <a:r>
+              <a:rPr lang="sk-SK" sz="1600" dirty="0">
+                <a:highlight>
+                  <a:srgbClr val="FF0000"/>
+                </a:highlight>
+              </a:rPr>
+              <a:t>  - </a:t>
+            </a:r>
+            <a:r>
+              <a:rPr lang="sk-SK" sz="1600" dirty="0" err="1">
+                <a:highlight>
+                  <a:srgbClr val="FF0000"/>
+                </a:highlight>
+              </a:rPr>
+              <a:t>tese</a:t>
+            </a:r>
+            <a:endParaRPr lang="en-GB" sz="1600" dirty="0">
+              <a:highlight>
+                <a:srgbClr val="FF0000"/>
+              </a:highlight>
+            </a:endParaRPr>
+          </a:p>
+        </p:txBody>
+      </p:sp>
+      <p:sp>
+        <p:nvSpPr>
+          <p:cNvPr id="23" name="Obdĺžnik 22">
+            <a:extLst>
+              <a:ext uri="{FF2B5EF4-FFF2-40B4-BE49-F238E27FC236}">
+                <a16:creationId xmlns:a16="http://schemas.microsoft.com/office/drawing/2014/main" id="{56DF6188-0C23-4362-AE6A-A634E39D1188}"/>
+              </a:ext>
+            </a:extLst>
+          </p:cNvPr>
+          <p:cNvSpPr/>
+          <p:nvPr/>
+        </p:nvSpPr>
+        <p:spPr>
+          <a:xfrm>
+            <a:off x="12056936" y="6950913"/>
+            <a:ext cx="2330703" cy="515847"/>
+          </a:xfrm>
+          <a:prstGeom prst="rect">
+            <a:avLst/>
+          </a:prstGeom>
+        </p:spPr>
+        <p:txBody>
+          <a:bodyPr wrap="none">
+            <a:spAutoFit/>
+          </a:bodyPr>
+          <a:lstStyle/>
+          <a:p>
+            <a:r>
+              <a:rPr lang="en-GB" dirty="0" err="1">
+                <a:highlight>
+                  <a:srgbClr val="00FFFF"/>
+                </a:highlight>
+              </a:rPr>
+              <a:t>keepByColumn</a:t>
+            </a:r>
+            <a:endParaRPr lang="en-GB" dirty="0">
+              <a:highlight>
+                <a:srgbClr val="00FFFF"/>
+              </a:highlight>
+            </a:endParaRPr>
+          </a:p>
+        </p:txBody>
+      </p:sp>
+      <p:sp>
+        <p:nvSpPr>
+          <p:cNvPr id="24" name="Obdĺžnik 23">
+            <a:extLst>
+              <a:ext uri="{FF2B5EF4-FFF2-40B4-BE49-F238E27FC236}">
+                <a16:creationId xmlns:a16="http://schemas.microsoft.com/office/drawing/2014/main" id="{F697996F-A4BC-40DB-9E1D-36AF325EC8F4}"/>
+              </a:ext>
+            </a:extLst>
+          </p:cNvPr>
+          <p:cNvSpPr/>
+          <p:nvPr/>
+        </p:nvSpPr>
+        <p:spPr>
+          <a:xfrm>
+            <a:off x="1618791" y="6393501"/>
+            <a:ext cx="1489767" cy="738664"/>
+          </a:xfrm>
+          <a:prstGeom prst="rect">
+            <a:avLst/>
+          </a:prstGeom>
+        </p:spPr>
+        <p:txBody>
+          <a:bodyPr wrap="none">
+            <a:spAutoFit/>
+          </a:bodyPr>
+          <a:lstStyle/>
+          <a:p>
+            <a:r>
+              <a:rPr lang="en-GB" sz="1400" dirty="0" err="1"/>
+              <a:t>delete.taxon</a:t>
+            </a:r>
+            <a:endParaRPr lang="sk-SK" sz="1400" dirty="0"/>
+          </a:p>
+          <a:p>
+            <a:r>
+              <a:rPr lang="en-GB" sz="1400" dirty="0" err="1"/>
+              <a:t>delete.population</a:t>
+            </a:r>
+            <a:endParaRPr lang="sk-SK" sz="1400" dirty="0"/>
+          </a:p>
+          <a:p>
+            <a:r>
+              <a:rPr lang="en-GB" sz="1400" dirty="0" err="1"/>
+              <a:t>delete.charecter</a:t>
+            </a:r>
+            <a:endParaRPr lang="en-GB" sz="1400" dirty="0"/>
+          </a:p>
+        </p:txBody>
+      </p:sp>
+      <p:sp>
+        <p:nvSpPr>
+          <p:cNvPr id="25" name="Obdĺžnik 24">
+            <a:extLst>
+              <a:ext uri="{FF2B5EF4-FFF2-40B4-BE49-F238E27FC236}">
+                <a16:creationId xmlns:a16="http://schemas.microsoft.com/office/drawing/2014/main" id="{05C70FC4-D213-4B61-9BE7-21A83FE50975}"/>
+              </a:ext>
+            </a:extLst>
+          </p:cNvPr>
+          <p:cNvSpPr/>
+          <p:nvPr/>
+        </p:nvSpPr>
+        <p:spPr>
+          <a:xfrm>
+            <a:off x="631983" y="6168591"/>
+            <a:ext cx="1390124" cy="338554"/>
+          </a:xfrm>
+          <a:prstGeom prst="rect">
+            <a:avLst/>
+          </a:prstGeom>
+        </p:spPr>
+        <p:txBody>
+          <a:bodyPr wrap="none">
+            <a:spAutoFit/>
+          </a:bodyPr>
+          <a:lstStyle/>
+          <a:p>
+            <a:r>
+              <a:rPr lang="sk-SK" sz="1600" b="1" dirty="0" err="1"/>
+              <a:t>Remove</a:t>
+            </a:r>
+            <a:r>
+              <a:rPr lang="sk-SK" sz="1600" b="1" dirty="0"/>
+              <a:t> </a:t>
+            </a:r>
+            <a:r>
+              <a:rPr lang="sk-SK" sz="1600" b="1" dirty="0" err="1"/>
+              <a:t>items</a:t>
+            </a:r>
+            <a:endParaRPr lang="sk-SK" sz="1600" b="1" dirty="0"/>
+          </a:p>
+        </p:txBody>
+      </p:sp>
+      <p:sp>
+        <p:nvSpPr>
+          <p:cNvPr id="26" name="Obdĺžnik 25">
+            <a:extLst>
+              <a:ext uri="{FF2B5EF4-FFF2-40B4-BE49-F238E27FC236}">
+                <a16:creationId xmlns:a16="http://schemas.microsoft.com/office/drawing/2014/main" id="{D8FBF72B-F301-4334-B637-5905AE127E3F}"/>
+              </a:ext>
+            </a:extLst>
+          </p:cNvPr>
+          <p:cNvSpPr/>
+          <p:nvPr/>
+        </p:nvSpPr>
+        <p:spPr>
+          <a:xfrm>
+            <a:off x="12236119" y="6168591"/>
+            <a:ext cx="1972335" cy="515847"/>
+          </a:xfrm>
+          <a:prstGeom prst="rect">
+            <a:avLst/>
+          </a:prstGeom>
+        </p:spPr>
+        <p:txBody>
+          <a:bodyPr wrap="none">
+            <a:spAutoFit/>
+          </a:bodyPr>
+          <a:lstStyle/>
+          <a:p>
+            <a:r>
+              <a:rPr lang="en-GB" dirty="0" err="1">
+                <a:highlight>
+                  <a:srgbClr val="00FFFF"/>
+                </a:highlight>
+              </a:rPr>
+              <a:t>newCdadata</a:t>
+            </a:r>
+            <a:endParaRPr lang="en-GB" dirty="0">
+              <a:highlight>
+                <a:srgbClr val="00FFFF"/>
+              </a:highlight>
+            </a:endParaRPr>
+          </a:p>
+        </p:txBody>
+      </p:sp>
+      <p:sp>
+        <p:nvSpPr>
+          <p:cNvPr id="27" name="Obdĺžnik 26">
+            <a:extLst>
+              <a:ext uri="{FF2B5EF4-FFF2-40B4-BE49-F238E27FC236}">
+                <a16:creationId xmlns:a16="http://schemas.microsoft.com/office/drawing/2014/main" id="{ADB673AA-DBA8-495A-AEE7-25D6794C716B}"/>
+              </a:ext>
+            </a:extLst>
+          </p:cNvPr>
+          <p:cNvSpPr/>
+          <p:nvPr/>
+        </p:nvSpPr>
+        <p:spPr>
+          <a:xfrm>
+            <a:off x="12406364" y="5669457"/>
+            <a:ext cx="1920269" cy="515847"/>
+          </a:xfrm>
+          <a:prstGeom prst="rect">
+            <a:avLst/>
+          </a:prstGeom>
+        </p:spPr>
+        <p:txBody>
+          <a:bodyPr wrap="none">
+            <a:spAutoFit/>
+          </a:bodyPr>
+          <a:lstStyle/>
+          <a:p>
+            <a:r>
+              <a:rPr lang="en-GB" dirty="0" err="1">
+                <a:highlight>
+                  <a:srgbClr val="00FFFF"/>
+                </a:highlight>
+              </a:rPr>
+              <a:t>newPcadata</a:t>
+            </a:r>
+            <a:endParaRPr lang="en-GB" dirty="0">
+              <a:highlight>
+                <a:srgbClr val="00FFFF"/>
+              </a:highlight>
+            </a:endParaRPr>
+          </a:p>
+        </p:txBody>
+      </p:sp>
+      <p:sp>
+        <p:nvSpPr>
+          <p:cNvPr id="28" name="Obdĺžnik 27">
+            <a:extLst>
+              <a:ext uri="{FF2B5EF4-FFF2-40B4-BE49-F238E27FC236}">
+                <a16:creationId xmlns:a16="http://schemas.microsoft.com/office/drawing/2014/main" id="{F47D20BF-7FD5-46DA-97E0-49C1E2651859}"/>
+              </a:ext>
+            </a:extLst>
+          </p:cNvPr>
+          <p:cNvSpPr/>
+          <p:nvPr/>
+        </p:nvSpPr>
+        <p:spPr>
+          <a:xfrm>
+            <a:off x="6798296" y="6393501"/>
+            <a:ext cx="1942711" cy="738664"/>
+          </a:xfrm>
+          <a:prstGeom prst="rect">
+            <a:avLst/>
+          </a:prstGeom>
+        </p:spPr>
+        <p:txBody>
+          <a:bodyPr wrap="none">
+            <a:spAutoFit/>
+          </a:bodyPr>
+          <a:lstStyle/>
+          <a:p>
+            <a:r>
+              <a:rPr lang="en-GB" sz="1400" dirty="0" err="1"/>
+              <a:t>delete.taxon</a:t>
+            </a:r>
+            <a:r>
+              <a:rPr lang="en-GB" sz="1400" dirty="0"/>
+              <a:t> </a:t>
+            </a:r>
+            <a:r>
+              <a:rPr lang="sk-SK" sz="1400" dirty="0"/>
+              <a:t> -test</a:t>
+            </a:r>
+          </a:p>
+          <a:p>
+            <a:r>
+              <a:rPr lang="en-GB" sz="1400" dirty="0" err="1"/>
+              <a:t>delete.population</a:t>
+            </a:r>
+            <a:r>
+              <a:rPr lang="sk-SK" sz="1400" dirty="0"/>
+              <a:t>   -test</a:t>
+            </a:r>
+          </a:p>
+          <a:p>
+            <a:r>
+              <a:rPr lang="en-GB" sz="1400" dirty="0" err="1"/>
+              <a:t>delete.charecter</a:t>
+            </a:r>
+            <a:r>
+              <a:rPr lang="sk-SK" sz="1400" dirty="0"/>
+              <a:t>  -   test</a:t>
+            </a:r>
+            <a:endParaRPr lang="en-GB" sz="1400" dirty="0"/>
+          </a:p>
+        </p:txBody>
+      </p:sp>
+      <p:sp>
+        <p:nvSpPr>
+          <p:cNvPr id="29" name="Obdĺžnik 28">
+            <a:extLst>
+              <a:ext uri="{FF2B5EF4-FFF2-40B4-BE49-F238E27FC236}">
+                <a16:creationId xmlns:a16="http://schemas.microsoft.com/office/drawing/2014/main" id="{452C9152-B4EE-41BA-8E4B-B8F080D837CF}"/>
+              </a:ext>
+            </a:extLst>
+          </p:cNvPr>
+          <p:cNvSpPr/>
+          <p:nvPr/>
+        </p:nvSpPr>
+        <p:spPr>
+          <a:xfrm>
+            <a:off x="656926" y="7233217"/>
+            <a:ext cx="1399614" cy="338554"/>
+          </a:xfrm>
+          <a:prstGeom prst="rect">
+            <a:avLst/>
+          </a:prstGeom>
+        </p:spPr>
+        <p:txBody>
+          <a:bodyPr wrap="none">
+            <a:spAutoFit/>
+          </a:bodyPr>
+          <a:lstStyle/>
+          <a:p>
+            <a:r>
+              <a:rPr lang="en-GB" sz="1600" b="1" dirty="0" err="1"/>
+              <a:t>na.meanSubst</a:t>
+            </a:r>
+            <a:endParaRPr lang="en-GB" sz="1600" b="1" dirty="0"/>
+          </a:p>
+        </p:txBody>
+      </p:sp>
+      <p:sp>
+        <p:nvSpPr>
+          <p:cNvPr id="30" name="Obdĺžnik 29">
+            <a:extLst>
+              <a:ext uri="{FF2B5EF4-FFF2-40B4-BE49-F238E27FC236}">
+                <a16:creationId xmlns:a16="http://schemas.microsoft.com/office/drawing/2014/main" id="{902FE7E5-3B75-4948-A74F-D51938F4B2BD}"/>
+              </a:ext>
+            </a:extLst>
+          </p:cNvPr>
+          <p:cNvSpPr/>
+          <p:nvPr/>
+        </p:nvSpPr>
+        <p:spPr>
+          <a:xfrm>
+            <a:off x="656926" y="7713867"/>
+            <a:ext cx="1122423" cy="369332"/>
+          </a:xfrm>
+          <a:prstGeom prst="rect">
+            <a:avLst/>
+          </a:prstGeom>
+        </p:spPr>
+        <p:txBody>
+          <a:bodyPr wrap="none">
+            <a:spAutoFit/>
+          </a:bodyPr>
+          <a:lstStyle/>
+          <a:p>
+            <a:r>
+              <a:rPr lang="en-GB" sz="1800" b="1" dirty="0" err="1"/>
+              <a:t>popul.otu</a:t>
+            </a:r>
+            <a:endParaRPr lang="en-GB" sz="1800" b="1" dirty="0"/>
+          </a:p>
+        </p:txBody>
+      </p:sp>
+      <p:sp>
+        <p:nvSpPr>
+          <p:cNvPr id="31" name="Obdĺžnik 30">
+            <a:extLst>
+              <a:ext uri="{FF2B5EF4-FFF2-40B4-BE49-F238E27FC236}">
+                <a16:creationId xmlns:a16="http://schemas.microsoft.com/office/drawing/2014/main" id="{18127DF2-C17E-4776-81B5-D5FD05B3EDF1}"/>
+              </a:ext>
+            </a:extLst>
+          </p:cNvPr>
+          <p:cNvSpPr/>
+          <p:nvPr/>
+        </p:nvSpPr>
+        <p:spPr>
+          <a:xfrm>
+            <a:off x="6534277" y="7713867"/>
+            <a:ext cx="1660455" cy="369332"/>
+          </a:xfrm>
+          <a:prstGeom prst="rect">
+            <a:avLst/>
+          </a:prstGeom>
+        </p:spPr>
+        <p:txBody>
+          <a:bodyPr wrap="none">
+            <a:spAutoFit/>
+          </a:bodyPr>
+          <a:lstStyle/>
+          <a:p>
+            <a:r>
+              <a:rPr lang="en-GB" sz="1800" dirty="0" err="1"/>
+              <a:t>popul.otu</a:t>
+            </a:r>
+            <a:r>
+              <a:rPr lang="sk-SK" sz="1800" dirty="0"/>
+              <a:t>  -test</a:t>
+            </a:r>
+            <a:endParaRPr lang="en-GB" sz="1800" dirty="0"/>
+          </a:p>
+        </p:txBody>
+      </p:sp>
+      <p:sp>
+        <p:nvSpPr>
+          <p:cNvPr id="32" name="Obdĺžnik 31">
+            <a:extLst>
+              <a:ext uri="{FF2B5EF4-FFF2-40B4-BE49-F238E27FC236}">
+                <a16:creationId xmlns:a16="http://schemas.microsoft.com/office/drawing/2014/main" id="{0E86BB75-D0A4-4BB0-9040-A64A2B66B73F}"/>
+              </a:ext>
+            </a:extLst>
+          </p:cNvPr>
+          <p:cNvSpPr/>
+          <p:nvPr/>
+        </p:nvSpPr>
+        <p:spPr>
+          <a:xfrm>
+            <a:off x="6560459" y="7283904"/>
+            <a:ext cx="1922193" cy="338554"/>
+          </a:xfrm>
+          <a:prstGeom prst="rect">
+            <a:avLst/>
+          </a:prstGeom>
+        </p:spPr>
+        <p:txBody>
+          <a:bodyPr wrap="none">
+            <a:spAutoFit/>
+          </a:bodyPr>
+          <a:lstStyle/>
+          <a:p>
+            <a:r>
+              <a:rPr lang="en-GB" sz="1600" dirty="0" err="1"/>
+              <a:t>na.meanSubst</a:t>
+            </a:r>
+            <a:r>
+              <a:rPr lang="sk-SK" sz="1600" dirty="0"/>
+              <a:t>  - test</a:t>
+            </a:r>
+            <a:endParaRPr lang="en-GB" sz="1600" dirty="0"/>
+          </a:p>
+        </p:txBody>
+      </p:sp>
+    </p:spTree>
+    <p:extLst>
+      <p:ext uri="{BB962C8B-B14F-4D97-AF65-F5344CB8AC3E}">
+        <p14:creationId xmlns:p14="http://schemas.microsoft.com/office/powerpoint/2010/main" val="4192196111"/>
+      </p:ext>
+    </p:extLst>
+  </p:cSld>
+  <p:clrMapOvr>
+    <a:masterClrMapping/>
+  </p:clrMapOvr>
 </p:sld>
 </file>
 

--- a/struktura kniznice.pptx
+++ b/struktura kniznice.pptx
@@ -7,6 +7,7 @@
   <p:sldIdLst>
     <p:sldId id="256" r:id="rId2"/>
     <p:sldId id="257" r:id="rId3"/>
+    <p:sldId id="258" r:id="rId4"/>
   </p:sldIdLst>
   <p:sldSz cx="14711363" cy="14417675"/>
   <p:notesSz cx="6858000" cy="9144000"/>
@@ -244,7 +245,7 @@
           <a:p>
             <a:fld id="{1CE7EBEE-9833-4BC3-9BD1-B29620C10F11}" type="datetimeFigureOut">
               <a:rPr lang="en-US" smtClean="0"/>
-              <a:t>4/15/2020</a:t>
+              <a:t>4/16/2020</a:t>
             </a:fld>
             <a:endParaRPr lang="en-US"/>
           </a:p>
@@ -414,7 +415,7 @@
           <a:p>
             <a:fld id="{1CE7EBEE-9833-4BC3-9BD1-B29620C10F11}" type="datetimeFigureOut">
               <a:rPr lang="en-US" smtClean="0"/>
-              <a:t>4/15/2020</a:t>
+              <a:t>4/16/2020</a:t>
             </a:fld>
             <a:endParaRPr lang="en-US"/>
           </a:p>
@@ -594,7 +595,7 @@
           <a:p>
             <a:fld id="{1CE7EBEE-9833-4BC3-9BD1-B29620C10F11}" type="datetimeFigureOut">
               <a:rPr lang="en-US" smtClean="0"/>
-              <a:t>4/15/2020</a:t>
+              <a:t>4/16/2020</a:t>
             </a:fld>
             <a:endParaRPr lang="en-US"/>
           </a:p>
@@ -764,7 +765,7 @@
           <a:p>
             <a:fld id="{1CE7EBEE-9833-4BC3-9BD1-B29620C10F11}" type="datetimeFigureOut">
               <a:rPr lang="en-US" smtClean="0"/>
-              <a:t>4/15/2020</a:t>
+              <a:t>4/16/2020</a:t>
             </a:fld>
             <a:endParaRPr lang="en-US"/>
           </a:p>
@@ -1008,7 +1009,7 @@
           <a:p>
             <a:fld id="{1CE7EBEE-9833-4BC3-9BD1-B29620C10F11}" type="datetimeFigureOut">
               <a:rPr lang="en-US" smtClean="0"/>
-              <a:t>4/15/2020</a:t>
+              <a:t>4/16/2020</a:t>
             </a:fld>
             <a:endParaRPr lang="en-US"/>
           </a:p>
@@ -1240,7 +1241,7 @@
           <a:p>
             <a:fld id="{1CE7EBEE-9833-4BC3-9BD1-B29620C10F11}" type="datetimeFigureOut">
               <a:rPr lang="en-US" smtClean="0"/>
-              <a:t>4/15/2020</a:t>
+              <a:t>4/16/2020</a:t>
             </a:fld>
             <a:endParaRPr lang="en-US"/>
           </a:p>
@@ -1607,7 +1608,7 @@
           <a:p>
             <a:fld id="{1CE7EBEE-9833-4BC3-9BD1-B29620C10F11}" type="datetimeFigureOut">
               <a:rPr lang="en-US" smtClean="0"/>
-              <a:t>4/15/2020</a:t>
+              <a:t>4/16/2020</a:t>
             </a:fld>
             <a:endParaRPr lang="en-US"/>
           </a:p>
@@ -1725,7 +1726,7 @@
           <a:p>
             <a:fld id="{1CE7EBEE-9833-4BC3-9BD1-B29620C10F11}" type="datetimeFigureOut">
               <a:rPr lang="en-US" smtClean="0"/>
-              <a:t>4/15/2020</a:t>
+              <a:t>4/16/2020</a:t>
             </a:fld>
             <a:endParaRPr lang="en-US"/>
           </a:p>
@@ -1820,7 +1821,7 @@
           <a:p>
             <a:fld id="{1CE7EBEE-9833-4BC3-9BD1-B29620C10F11}" type="datetimeFigureOut">
               <a:rPr lang="en-US" smtClean="0"/>
-              <a:t>4/15/2020</a:t>
+              <a:t>4/16/2020</a:t>
             </a:fld>
             <a:endParaRPr lang="en-US"/>
           </a:p>
@@ -2097,7 +2098,7 @@
           <a:p>
             <a:fld id="{1CE7EBEE-9833-4BC3-9BD1-B29620C10F11}" type="datetimeFigureOut">
               <a:rPr lang="en-US" smtClean="0"/>
-              <a:t>4/15/2020</a:t>
+              <a:t>4/16/2020</a:t>
             </a:fld>
             <a:endParaRPr lang="en-US"/>
           </a:p>
@@ -2354,7 +2355,7 @@
           <a:p>
             <a:fld id="{1CE7EBEE-9833-4BC3-9BD1-B29620C10F11}" type="datetimeFigureOut">
               <a:rPr lang="en-US" smtClean="0"/>
-              <a:t>4/15/2020</a:t>
+              <a:t>4/16/2020</a:t>
             </a:fld>
             <a:endParaRPr lang="en-US"/>
           </a:p>
@@ -2567,7 +2568,7 @@
           <a:p>
             <a:fld id="{1CE7EBEE-9833-4BC3-9BD1-B29620C10F11}" type="datetimeFigureOut">
               <a:rPr lang="en-US" smtClean="0"/>
-              <a:t>4/15/2020</a:t>
+              <a:t>4/16/2020</a:t>
             </a:fld>
             <a:endParaRPr lang="en-US"/>
           </a:p>
@@ -4063,6 +4064,82 @@
           </a:p>
         </p:txBody>
       </p:sp>
+      <p:sp>
+        <p:nvSpPr>
+          <p:cNvPr id="24" name="Rectangle 21">
+            <a:extLst>
+              <a:ext uri="{FF2B5EF4-FFF2-40B4-BE49-F238E27FC236}">
+                <a16:creationId xmlns:a16="http://schemas.microsoft.com/office/drawing/2014/main" id="{C4230830-9464-48AC-899D-1FD4CEEB43D8}"/>
+              </a:ext>
+            </a:extLst>
+          </p:cNvPr>
+          <p:cNvSpPr/>
+          <p:nvPr/>
+        </p:nvSpPr>
+        <p:spPr>
+          <a:xfrm>
+            <a:off x="5379617" y="3431941"/>
+            <a:ext cx="1370696" cy="369332"/>
+          </a:xfrm>
+          <a:prstGeom prst="rect">
+            <a:avLst/>
+          </a:prstGeom>
+          <a:solidFill>
+            <a:srgbClr val="FF0000"/>
+          </a:solidFill>
+        </p:spPr>
+        <p:txBody>
+          <a:bodyPr wrap="none">
+            <a:spAutoFit/>
+          </a:bodyPr>
+          <a:lstStyle/>
+          <a:p>
+            <a:r>
+              <a:rPr lang="sk-SK" sz="1800" dirty="0"/>
+              <a:t>PLOT default</a:t>
+            </a:r>
+            <a:endParaRPr lang="en-US" sz="1800" dirty="0"/>
+          </a:p>
+        </p:txBody>
+      </p:sp>
+      <p:sp>
+        <p:nvSpPr>
+          <p:cNvPr id="26" name="Rectangle 21">
+            <a:extLst>
+              <a:ext uri="{FF2B5EF4-FFF2-40B4-BE49-F238E27FC236}">
+                <a16:creationId xmlns:a16="http://schemas.microsoft.com/office/drawing/2014/main" id="{AFE7E287-4A97-4F3A-8DD8-CFD83B7F1DAE}"/>
+              </a:ext>
+            </a:extLst>
+          </p:cNvPr>
+          <p:cNvSpPr/>
+          <p:nvPr/>
+        </p:nvSpPr>
+        <p:spPr>
+          <a:xfrm>
+            <a:off x="5379617" y="6266518"/>
+            <a:ext cx="1370696" cy="369332"/>
+          </a:xfrm>
+          <a:prstGeom prst="rect">
+            <a:avLst/>
+          </a:prstGeom>
+          <a:solidFill>
+            <a:srgbClr val="FF0000"/>
+          </a:solidFill>
+        </p:spPr>
+        <p:txBody>
+          <a:bodyPr wrap="none">
+            <a:spAutoFit/>
+          </a:bodyPr>
+          <a:lstStyle/>
+          <a:p>
+            <a:r>
+              <a:rPr lang="sk-SK" sz="1800" dirty="0"/>
+              <a:t>PLOT default</a:t>
+            </a:r>
+            <a:endParaRPr lang="en-US" sz="1800" dirty="0"/>
+          </a:p>
+        </p:txBody>
+      </p:sp>
     </p:spTree>
     <p:extLst>
       <p:ext uri="{BB962C8B-B14F-4D97-AF65-F5344CB8AC3E}">
@@ -4309,10 +4386,10 @@
               <a:buChar char="•"/>
             </a:pPr>
             <a:r>
-              <a:rPr lang="sk-SK" sz="1200" dirty="0" err="1"/>
+              <a:rPr lang="sk-SK" sz="1200" b="1" dirty="0" err="1"/>
               <a:t>summary</a:t>
             </a:r>
-            <a:endParaRPr lang="sk-SK" sz="1200" dirty="0"/>
+            <a:endParaRPr lang="sk-SK" sz="1200" b="1" dirty="0"/>
           </a:p>
           <a:p>
             <a:pPr marL="444500" indent="-171450">
@@ -5394,49 +5471,6 @@
       </p:sp>
       <p:sp>
         <p:nvSpPr>
-          <p:cNvPr id="26" name="Obdĺžnik 25">
-            <a:extLst>
-              <a:ext uri="{FF2B5EF4-FFF2-40B4-BE49-F238E27FC236}">
-                <a16:creationId xmlns:a16="http://schemas.microsoft.com/office/drawing/2014/main" id="{D8FBF72B-F301-4334-B637-5905AE127E3F}"/>
-              </a:ext>
-            </a:extLst>
-          </p:cNvPr>
-          <p:cNvSpPr/>
-          <p:nvPr/>
-        </p:nvSpPr>
-        <p:spPr>
-          <a:xfrm>
-            <a:off x="12236119" y="6168591"/>
-            <a:ext cx="1972335" cy="515847"/>
-          </a:xfrm>
-          <a:prstGeom prst="rect">
-            <a:avLst/>
-          </a:prstGeom>
-        </p:spPr>
-        <p:txBody>
-          <a:bodyPr wrap="none">
-            <a:spAutoFit/>
-          </a:bodyPr>
-          <a:lstStyle/>
-          <a:p>
-            <a:r>
-              <a:rPr lang="en-GB" dirty="0" err="1">
-                <a:highlight>
-                  <a:srgbClr val="00FFFF"/>
-                </a:highlight>
-              </a:rPr>
-              <a:t>newCdadata</a:t>
-            </a:r>
-            <a:endParaRPr lang="en-GB" dirty="0">
-              <a:highlight>
-                <a:srgbClr val="00FFFF"/>
-              </a:highlight>
-            </a:endParaRPr>
-          </a:p>
-        </p:txBody>
-      </p:sp>
-      <p:sp>
-        <p:nvSpPr>
           <p:cNvPr id="27" name="Obdĺžnik 26">
             <a:extLst>
               <a:ext uri="{FF2B5EF4-FFF2-40B4-BE49-F238E27FC236}">
@@ -5689,10 +5723,423 @@
           </a:p>
         </p:txBody>
       </p:sp>
+      <p:sp>
+        <p:nvSpPr>
+          <p:cNvPr id="33" name="Obdĺžnik 32">
+            <a:extLst>
+              <a:ext uri="{FF2B5EF4-FFF2-40B4-BE49-F238E27FC236}">
+                <a16:creationId xmlns:a16="http://schemas.microsoft.com/office/drawing/2014/main" id="{908AD60D-3E0E-40F5-A7D9-D43D468DA906}"/>
+              </a:ext>
+            </a:extLst>
+          </p:cNvPr>
+          <p:cNvSpPr/>
+          <p:nvPr/>
+        </p:nvSpPr>
+        <p:spPr>
+          <a:xfrm>
+            <a:off x="675517" y="8166538"/>
+            <a:ext cx="1321772" cy="369332"/>
+          </a:xfrm>
+          <a:prstGeom prst="rect">
+            <a:avLst/>
+          </a:prstGeom>
+        </p:spPr>
+        <p:txBody>
+          <a:bodyPr wrap="none">
+            <a:spAutoFit/>
+          </a:bodyPr>
+          <a:lstStyle/>
+          <a:p>
+            <a:r>
+              <a:rPr lang="sk-SK" sz="1800" b="1" dirty="0" err="1"/>
+              <a:t>correlations</a:t>
+            </a:r>
+            <a:endParaRPr lang="en-GB" sz="1800" b="1" dirty="0"/>
+          </a:p>
+        </p:txBody>
+      </p:sp>
+      <p:sp>
+        <p:nvSpPr>
+          <p:cNvPr id="2" name="Obdĺžnik 1">
+            <a:extLst>
+              <a:ext uri="{FF2B5EF4-FFF2-40B4-BE49-F238E27FC236}">
+                <a16:creationId xmlns:a16="http://schemas.microsoft.com/office/drawing/2014/main" id="{98DBCF7A-5C75-4A11-83C0-3A9AD4F3F1A3}"/>
+              </a:ext>
+            </a:extLst>
+          </p:cNvPr>
+          <p:cNvSpPr/>
+          <p:nvPr/>
+        </p:nvSpPr>
+        <p:spPr>
+          <a:xfrm>
+            <a:off x="1618791" y="8535870"/>
+            <a:ext cx="1601148" cy="584775"/>
+          </a:xfrm>
+          <a:prstGeom prst="rect">
+            <a:avLst/>
+          </a:prstGeom>
+        </p:spPr>
+        <p:txBody>
+          <a:bodyPr wrap="square">
+            <a:spAutoFit/>
+          </a:bodyPr>
+          <a:lstStyle/>
+          <a:p>
+            <a:r>
+              <a:rPr lang="en-GB" sz="1600" dirty="0" err="1"/>
+              <a:t>cormat</a:t>
+            </a:r>
+            <a:endParaRPr lang="en-GB" sz="1600" dirty="0"/>
+          </a:p>
+          <a:p>
+            <a:r>
+              <a:rPr lang="en-GB" sz="1600" dirty="0" err="1"/>
+              <a:t>cormat.signifTest</a:t>
+            </a:r>
+            <a:endParaRPr lang="en-GB" sz="1600" dirty="0"/>
+          </a:p>
+        </p:txBody>
+      </p:sp>
+      <p:sp>
+        <p:nvSpPr>
+          <p:cNvPr id="34" name="Obdĺžnik 33">
+            <a:extLst>
+              <a:ext uri="{FF2B5EF4-FFF2-40B4-BE49-F238E27FC236}">
+                <a16:creationId xmlns:a16="http://schemas.microsoft.com/office/drawing/2014/main" id="{2BEF87DC-3361-46CB-BA50-2829CBDA8FF4}"/>
+              </a:ext>
+            </a:extLst>
+          </p:cNvPr>
+          <p:cNvSpPr/>
+          <p:nvPr/>
+        </p:nvSpPr>
+        <p:spPr>
+          <a:xfrm>
+            <a:off x="6563930" y="8530909"/>
+            <a:ext cx="2478470" cy="584775"/>
+          </a:xfrm>
+          <a:prstGeom prst="rect">
+            <a:avLst/>
+          </a:prstGeom>
+        </p:spPr>
+        <p:txBody>
+          <a:bodyPr wrap="square">
+            <a:spAutoFit/>
+          </a:bodyPr>
+          <a:lstStyle/>
+          <a:p>
+            <a:r>
+              <a:rPr lang="en-GB" sz="1600" dirty="0" err="1"/>
+              <a:t>cormat</a:t>
+            </a:r>
+            <a:r>
+              <a:rPr lang="sk-SK" sz="1600" dirty="0"/>
+              <a:t>   -test</a:t>
+            </a:r>
+            <a:endParaRPr lang="en-GB" sz="1600" dirty="0"/>
+          </a:p>
+          <a:p>
+            <a:r>
+              <a:rPr lang="en-GB" sz="1600" dirty="0" err="1"/>
+              <a:t>cormat.signifTest</a:t>
+            </a:r>
+            <a:r>
+              <a:rPr lang="sk-SK" sz="1600" dirty="0"/>
+              <a:t>   - test</a:t>
+            </a:r>
+            <a:endParaRPr lang="en-GB" sz="1600" dirty="0"/>
+          </a:p>
+        </p:txBody>
+      </p:sp>
+      <p:sp>
+        <p:nvSpPr>
+          <p:cNvPr id="35" name="Obdĺžnik 34">
+            <a:extLst>
+              <a:ext uri="{FF2B5EF4-FFF2-40B4-BE49-F238E27FC236}">
+                <a16:creationId xmlns:a16="http://schemas.microsoft.com/office/drawing/2014/main" id="{5B2B72AE-DC07-4899-BA4E-93B6F626943A}"/>
+              </a:ext>
+            </a:extLst>
+          </p:cNvPr>
+          <p:cNvSpPr/>
+          <p:nvPr/>
+        </p:nvSpPr>
+        <p:spPr>
+          <a:xfrm>
+            <a:off x="636154" y="9140941"/>
+            <a:ext cx="629339" cy="369332"/>
+          </a:xfrm>
+          <a:prstGeom prst="rect">
+            <a:avLst/>
+          </a:prstGeom>
+        </p:spPr>
+        <p:txBody>
+          <a:bodyPr wrap="none">
+            <a:spAutoFit/>
+          </a:bodyPr>
+          <a:lstStyle/>
+          <a:p>
+            <a:r>
+              <a:rPr lang="sk-SK" sz="1800" b="1" dirty="0" err="1"/>
+              <a:t>clust</a:t>
+            </a:r>
+            <a:endParaRPr lang="en-GB" sz="1800" b="1" dirty="0"/>
+          </a:p>
+        </p:txBody>
+      </p:sp>
+      <p:sp>
+        <p:nvSpPr>
+          <p:cNvPr id="36" name="Obdĺžnik 35">
+            <a:extLst>
+              <a:ext uri="{FF2B5EF4-FFF2-40B4-BE49-F238E27FC236}">
+                <a16:creationId xmlns:a16="http://schemas.microsoft.com/office/drawing/2014/main" id="{B521E9ED-6ECF-459C-AB53-36E788FBAD27}"/>
+              </a:ext>
+            </a:extLst>
+          </p:cNvPr>
+          <p:cNvSpPr/>
+          <p:nvPr/>
+        </p:nvSpPr>
+        <p:spPr>
+          <a:xfrm>
+            <a:off x="6354184" y="9136127"/>
+            <a:ext cx="1167371" cy="369332"/>
+          </a:xfrm>
+          <a:prstGeom prst="rect">
+            <a:avLst/>
+          </a:prstGeom>
+        </p:spPr>
+        <p:txBody>
+          <a:bodyPr wrap="none">
+            <a:spAutoFit/>
+          </a:bodyPr>
+          <a:lstStyle/>
+          <a:p>
+            <a:r>
+              <a:rPr lang="sk-SK" sz="1800" dirty="0" err="1"/>
+              <a:t>clust</a:t>
+            </a:r>
+            <a:r>
+              <a:rPr lang="sk-SK" sz="1800" dirty="0"/>
+              <a:t> - test</a:t>
+            </a:r>
+            <a:endParaRPr lang="en-GB" sz="1800" dirty="0"/>
+          </a:p>
+        </p:txBody>
+      </p:sp>
     </p:spTree>
     <p:extLst>
       <p:ext uri="{BB962C8B-B14F-4D97-AF65-F5344CB8AC3E}">
         <p14:creationId xmlns:p14="http://schemas.microsoft.com/office/powerpoint/2010/main" val="4192196111"/>
+      </p:ext>
+    </p:extLst>
+  </p:cSld>
+  <p:clrMapOvr>
+    <a:masterClrMapping/>
+  </p:clrMapOvr>
+</p:sld>
+</file>
+
+<file path=ppt/slides/slide3.xml><?xml version="1.0" encoding="utf-8"?>
+<p:sld xmlns:a="http://schemas.openxmlformats.org/drawingml/2006/main" xmlns:r="http://schemas.openxmlformats.org/officeDocument/2006/relationships" xmlns:p="http://schemas.openxmlformats.org/presentationml/2006/main">
+  <p:cSld>
+    <p:spTree>
+      <p:nvGrpSpPr>
+        <p:cNvPr id="1" name=""/>
+        <p:cNvGrpSpPr/>
+        <p:nvPr/>
+      </p:nvGrpSpPr>
+      <p:grpSpPr>
+        <a:xfrm>
+          <a:off x="0" y="0"/>
+          <a:ext cx="0" cy="0"/>
+          <a:chOff x="0" y="0"/>
+          <a:chExt cx="0" cy="0"/>
+        </a:xfrm>
+      </p:grpSpPr>
+      <p:sp>
+        <p:nvSpPr>
+          <p:cNvPr id="4" name="Rectangle 10">
+            <a:extLst>
+              <a:ext uri="{FF2B5EF4-FFF2-40B4-BE49-F238E27FC236}">
+                <a16:creationId xmlns:a16="http://schemas.microsoft.com/office/drawing/2014/main" id="{DEE3C2FF-A1FE-493C-846A-ED83723C6BA1}"/>
+              </a:ext>
+            </a:extLst>
+          </p:cNvPr>
+          <p:cNvSpPr/>
+          <p:nvPr/>
+        </p:nvSpPr>
+        <p:spPr>
+          <a:xfrm>
+            <a:off x="766230" y="682118"/>
+            <a:ext cx="1367169" cy="523220"/>
+          </a:xfrm>
+          <a:prstGeom prst="rect">
+            <a:avLst/>
+          </a:prstGeom>
+          <a:solidFill>
+            <a:schemeClr val="accent4">
+              <a:lumMod val="20000"/>
+              <a:lumOff val="80000"/>
+            </a:schemeClr>
+          </a:solidFill>
+        </p:spPr>
+        <p:txBody>
+          <a:bodyPr wrap="none">
+            <a:spAutoFit/>
+          </a:bodyPr>
+          <a:lstStyle/>
+          <a:p>
+            <a:r>
+              <a:rPr lang="en-US" sz="2800" b="1" dirty="0" err="1"/>
+              <a:t>cda.calc</a:t>
+            </a:r>
+            <a:endParaRPr lang="en-US" sz="2800" b="1" dirty="0"/>
+          </a:p>
+        </p:txBody>
+      </p:sp>
+      <p:sp>
+        <p:nvSpPr>
+          <p:cNvPr id="5" name="Rectangle 10">
+            <a:extLst>
+              <a:ext uri="{FF2B5EF4-FFF2-40B4-BE49-F238E27FC236}">
+                <a16:creationId xmlns:a16="http://schemas.microsoft.com/office/drawing/2014/main" id="{318B30CB-E2BB-4F79-97DD-029E9BD85344}"/>
+              </a:ext>
+            </a:extLst>
+          </p:cNvPr>
+          <p:cNvSpPr/>
+          <p:nvPr/>
+        </p:nvSpPr>
+        <p:spPr>
+          <a:xfrm>
+            <a:off x="4358516" y="682118"/>
+            <a:ext cx="1314975" cy="338554"/>
+          </a:xfrm>
+          <a:prstGeom prst="rect">
+            <a:avLst/>
+          </a:prstGeom>
+          <a:solidFill>
+            <a:schemeClr val="accent4">
+              <a:lumMod val="20000"/>
+              <a:lumOff val="80000"/>
+            </a:schemeClr>
+          </a:solidFill>
+        </p:spPr>
+        <p:txBody>
+          <a:bodyPr wrap="none">
+            <a:spAutoFit/>
+          </a:bodyPr>
+          <a:lstStyle/>
+          <a:p>
+            <a:r>
+              <a:rPr lang="en-US" sz="1600" dirty="0" err="1"/>
+              <a:t>cda.calc</a:t>
+            </a:r>
+            <a:r>
+              <a:rPr lang="sk-SK" sz="1600" dirty="0"/>
+              <a:t> - test</a:t>
+            </a:r>
+            <a:endParaRPr lang="en-US" sz="1600" dirty="0"/>
+          </a:p>
+        </p:txBody>
+      </p:sp>
+      <p:sp>
+        <p:nvSpPr>
+          <p:cNvPr id="6" name="Rectangle 10">
+            <a:extLst>
+              <a:ext uri="{FF2B5EF4-FFF2-40B4-BE49-F238E27FC236}">
+                <a16:creationId xmlns:a16="http://schemas.microsoft.com/office/drawing/2014/main" id="{623E9E0C-E242-44B7-A912-7105BFE50278}"/>
+              </a:ext>
+            </a:extLst>
+          </p:cNvPr>
+          <p:cNvSpPr/>
+          <p:nvPr/>
+        </p:nvSpPr>
+        <p:spPr>
+          <a:xfrm>
+            <a:off x="4358516" y="1054435"/>
+            <a:ext cx="1752596" cy="338554"/>
+          </a:xfrm>
+          <a:prstGeom prst="rect">
+            <a:avLst/>
+          </a:prstGeom>
+          <a:solidFill>
+            <a:schemeClr val="accent4">
+              <a:lumMod val="20000"/>
+              <a:lumOff val="80000"/>
+            </a:schemeClr>
+          </a:solidFill>
+        </p:spPr>
+        <p:txBody>
+          <a:bodyPr wrap="none">
+            <a:spAutoFit/>
+          </a:bodyPr>
+          <a:lstStyle/>
+          <a:p>
+            <a:r>
+              <a:rPr lang="en-US" sz="1600" dirty="0" err="1"/>
+              <a:t>cda.calc</a:t>
+            </a:r>
+            <a:r>
+              <a:rPr lang="sk-SK" sz="1600" dirty="0"/>
+              <a:t> </a:t>
+            </a:r>
+            <a:r>
+              <a:rPr lang="sk-SK" sz="1600" dirty="0" err="1"/>
+              <a:t>class</a:t>
+            </a:r>
+            <a:r>
+              <a:rPr lang="sk-SK" sz="1600" dirty="0"/>
+              <a:t> - test</a:t>
+            </a:r>
+            <a:endParaRPr lang="en-US" sz="1600" dirty="0"/>
+          </a:p>
+        </p:txBody>
+      </p:sp>
+      <p:sp>
+        <p:nvSpPr>
+          <p:cNvPr id="7" name="Obdĺžnik 6">
+            <a:extLst>
+              <a:ext uri="{FF2B5EF4-FFF2-40B4-BE49-F238E27FC236}">
+                <a16:creationId xmlns:a16="http://schemas.microsoft.com/office/drawing/2014/main" id="{AEDC0DA5-1061-4DE5-9122-75F6580881DE}"/>
+              </a:ext>
+            </a:extLst>
+          </p:cNvPr>
+          <p:cNvSpPr/>
+          <p:nvPr/>
+        </p:nvSpPr>
+        <p:spPr>
+          <a:xfrm>
+            <a:off x="2133399" y="1914458"/>
+            <a:ext cx="1014317" cy="400110"/>
+          </a:xfrm>
+          <a:prstGeom prst="rect">
+            <a:avLst/>
+          </a:prstGeom>
+        </p:spPr>
+        <p:txBody>
+          <a:bodyPr wrap="none">
+            <a:spAutoFit/>
+          </a:bodyPr>
+          <a:lstStyle/>
+          <a:p>
+            <a:r>
+              <a:rPr lang="en-GB" sz="2000" dirty="0" err="1">
+                <a:highlight>
+                  <a:srgbClr val="00FF00"/>
+                </a:highlight>
+              </a:rPr>
+              <a:t>cdadata</a:t>
+            </a:r>
+            <a:endParaRPr lang="en-GB" sz="2000" dirty="0">
+              <a:highlight>
+                <a:srgbClr val="00FF00"/>
+              </a:highlight>
+            </a:endParaRPr>
+          </a:p>
+        </p:txBody>
+      </p:sp>
+    </p:spTree>
+    <p:extLst>
+      <p:ext uri="{BB962C8B-B14F-4D97-AF65-F5344CB8AC3E}">
+        <p14:creationId xmlns:p14="http://schemas.microsoft.com/office/powerpoint/2010/main" val="2363900557"/>
       </p:ext>
     </p:extLst>
   </p:cSld>

--- a/struktura kniznice.pptx
+++ b/struktura kniznice.pptx
@@ -6107,7 +6107,7 @@
         </p:nvSpPr>
         <p:spPr>
           <a:xfrm>
-            <a:off x="2133399" y="1914458"/>
+            <a:off x="0" y="282008"/>
             <a:ext cx="1014317" cy="400110"/>
           </a:xfrm>
           <a:prstGeom prst="rect">
@@ -6133,6 +6133,47 @@
                 <a:srgbClr val="00FF00"/>
               </a:highlight>
             </a:endParaRPr>
+          </a:p>
+        </p:txBody>
+      </p:sp>
+      <p:sp>
+        <p:nvSpPr>
+          <p:cNvPr id="8" name="Rectangle 3">
+            <a:extLst>
+              <a:ext uri="{FF2B5EF4-FFF2-40B4-BE49-F238E27FC236}">
+                <a16:creationId xmlns:a16="http://schemas.microsoft.com/office/drawing/2014/main" id="{05EDA26A-935F-4761-92D4-210B44EE7A09}"/>
+              </a:ext>
+            </a:extLst>
+          </p:cNvPr>
+          <p:cNvSpPr/>
+          <p:nvPr/>
+        </p:nvSpPr>
+        <p:spPr>
+          <a:xfrm>
+            <a:off x="766230" y="6471506"/>
+            <a:ext cx="1365054" cy="523220"/>
+          </a:xfrm>
+          <a:prstGeom prst="rect">
+            <a:avLst/>
+          </a:prstGeom>
+          <a:solidFill>
+            <a:schemeClr val="accent5">
+              <a:lumMod val="20000"/>
+              <a:lumOff val="80000"/>
+            </a:schemeClr>
+          </a:solidFill>
+        </p:spPr>
+        <p:txBody>
+          <a:bodyPr wrap="none">
+            <a:spAutoFit/>
+          </a:bodyPr>
+          <a:lstStyle/>
+          <a:p>
+            <a:r>
+              <a:rPr lang="en-US" sz="2800" b="1" dirty="0" err="1"/>
+              <a:t>pca.calc</a:t>
+            </a:r>
+            <a:endParaRPr lang="en-US" sz="2800" b="1" dirty="0"/>
           </a:p>
         </p:txBody>
       </p:sp>

--- a/struktura kniznice.pptx
+++ b/struktura kniznice.pptx
@@ -6009,7 +6009,7 @@
         </p:nvSpPr>
         <p:spPr>
           <a:xfrm>
-            <a:off x="4358516" y="682118"/>
+            <a:off x="2674958" y="682118"/>
             <a:ext cx="1314975" cy="338554"/>
           </a:xfrm>
           <a:prstGeom prst="rect">
@@ -6054,7 +6054,7 @@
         </p:nvSpPr>
         <p:spPr>
           <a:xfrm>
-            <a:off x="4358516" y="1054435"/>
+            <a:off x="2674958" y="1054435"/>
             <a:ext cx="1752596" cy="338554"/>
           </a:xfrm>
           <a:prstGeom prst="rect">
@@ -6174,6 +6174,372 @@
               <a:t>pca.calc</a:t>
             </a:r>
             <a:endParaRPr lang="en-US" sz="2800" b="1" dirty="0"/>
+          </a:p>
+        </p:txBody>
+      </p:sp>
+      <p:sp>
+        <p:nvSpPr>
+          <p:cNvPr id="9" name="Rectangle 10">
+            <a:extLst>
+              <a:ext uri="{FF2B5EF4-FFF2-40B4-BE49-F238E27FC236}">
+                <a16:creationId xmlns:a16="http://schemas.microsoft.com/office/drawing/2014/main" id="{69D399D3-2C68-4C0A-9CBB-CCFCE33F0168}"/>
+              </a:ext>
+            </a:extLst>
+          </p:cNvPr>
+          <p:cNvSpPr/>
+          <p:nvPr/>
+        </p:nvSpPr>
+        <p:spPr>
+          <a:xfrm>
+            <a:off x="2674958" y="6497966"/>
+            <a:ext cx="1313245" cy="338554"/>
+          </a:xfrm>
+          <a:prstGeom prst="rect">
+            <a:avLst/>
+          </a:prstGeom>
+          <a:solidFill>
+            <a:schemeClr val="accent4">
+              <a:lumMod val="20000"/>
+              <a:lumOff val="80000"/>
+            </a:schemeClr>
+          </a:solidFill>
+        </p:spPr>
+        <p:txBody>
+          <a:bodyPr wrap="none">
+            <a:spAutoFit/>
+          </a:bodyPr>
+          <a:lstStyle/>
+          <a:p>
+            <a:r>
+              <a:rPr lang="sk-SK" sz="1600" dirty="0" err="1"/>
+              <a:t>pca</a:t>
+            </a:r>
+            <a:r>
+              <a:rPr lang="en-US" sz="1600" dirty="0"/>
+              <a:t>.calc</a:t>
+            </a:r>
+            <a:r>
+              <a:rPr lang="sk-SK" sz="1600" dirty="0"/>
+              <a:t> - test</a:t>
+            </a:r>
+            <a:endParaRPr lang="en-US" sz="1600" dirty="0"/>
+          </a:p>
+        </p:txBody>
+      </p:sp>
+      <p:sp>
+        <p:nvSpPr>
+          <p:cNvPr id="10" name="Rectangle 10">
+            <a:extLst>
+              <a:ext uri="{FF2B5EF4-FFF2-40B4-BE49-F238E27FC236}">
+                <a16:creationId xmlns:a16="http://schemas.microsoft.com/office/drawing/2014/main" id="{38A53335-814D-459B-A9F8-B8819BCB62B9}"/>
+              </a:ext>
+            </a:extLst>
+          </p:cNvPr>
+          <p:cNvSpPr/>
+          <p:nvPr/>
+        </p:nvSpPr>
+        <p:spPr>
+          <a:xfrm>
+            <a:off x="2674958" y="6870283"/>
+            <a:ext cx="1750864" cy="338554"/>
+          </a:xfrm>
+          <a:prstGeom prst="rect">
+            <a:avLst/>
+          </a:prstGeom>
+          <a:solidFill>
+            <a:schemeClr val="accent4">
+              <a:lumMod val="20000"/>
+              <a:lumOff val="80000"/>
+            </a:schemeClr>
+          </a:solidFill>
+        </p:spPr>
+        <p:txBody>
+          <a:bodyPr wrap="none">
+            <a:spAutoFit/>
+          </a:bodyPr>
+          <a:lstStyle/>
+          <a:p>
+            <a:r>
+              <a:rPr lang="sk-SK" sz="1600" dirty="0" err="1"/>
+              <a:t>pca</a:t>
+            </a:r>
+            <a:r>
+              <a:rPr lang="en-US" sz="1600" dirty="0"/>
+              <a:t>.calc</a:t>
+            </a:r>
+            <a:r>
+              <a:rPr lang="sk-SK" sz="1600" dirty="0"/>
+              <a:t> </a:t>
+            </a:r>
+            <a:r>
+              <a:rPr lang="sk-SK" sz="1600" dirty="0" err="1"/>
+              <a:t>class</a:t>
+            </a:r>
+            <a:r>
+              <a:rPr lang="sk-SK" sz="1600" dirty="0"/>
+              <a:t> - test</a:t>
+            </a:r>
+            <a:endParaRPr lang="en-US" sz="1600" dirty="0"/>
+          </a:p>
+        </p:txBody>
+      </p:sp>
+      <p:sp>
+        <p:nvSpPr>
+          <p:cNvPr id="11" name="Rectangle 10">
+            <a:extLst>
+              <a:ext uri="{FF2B5EF4-FFF2-40B4-BE49-F238E27FC236}">
+                <a16:creationId xmlns:a16="http://schemas.microsoft.com/office/drawing/2014/main" id="{9D393406-569E-4EF0-95C1-CC469DE5A490}"/>
+              </a:ext>
+            </a:extLst>
+          </p:cNvPr>
+          <p:cNvSpPr/>
+          <p:nvPr/>
+        </p:nvSpPr>
+        <p:spPr>
+          <a:xfrm>
+            <a:off x="1912859" y="2338950"/>
+            <a:ext cx="1087349" cy="338554"/>
+          </a:xfrm>
+          <a:prstGeom prst="rect">
+            <a:avLst/>
+          </a:prstGeom>
+          <a:solidFill>
+            <a:srgbClr val="FF0000"/>
+          </a:solidFill>
+        </p:spPr>
+        <p:txBody>
+          <a:bodyPr wrap="none">
+            <a:spAutoFit/>
+          </a:bodyPr>
+          <a:lstStyle/>
+          <a:p>
+            <a:r>
+              <a:rPr lang="sk-SK" sz="1600" dirty="0"/>
+              <a:t>SUMMARY</a:t>
+            </a:r>
+            <a:endParaRPr lang="en-US" sz="1600" dirty="0"/>
+          </a:p>
+        </p:txBody>
+      </p:sp>
+      <p:sp>
+        <p:nvSpPr>
+          <p:cNvPr id="12" name="Rectangle 10">
+            <a:extLst>
+              <a:ext uri="{FF2B5EF4-FFF2-40B4-BE49-F238E27FC236}">
+                <a16:creationId xmlns:a16="http://schemas.microsoft.com/office/drawing/2014/main" id="{DF1BA3CA-288F-49CE-9255-5C353126413F}"/>
+              </a:ext>
+            </a:extLst>
+          </p:cNvPr>
+          <p:cNvSpPr/>
+          <p:nvPr/>
+        </p:nvSpPr>
+        <p:spPr>
+          <a:xfrm>
+            <a:off x="1587609" y="7297099"/>
+            <a:ext cx="1087349" cy="338554"/>
+          </a:xfrm>
+          <a:prstGeom prst="rect">
+            <a:avLst/>
+          </a:prstGeom>
+          <a:solidFill>
+            <a:srgbClr val="FF0000"/>
+          </a:solidFill>
+        </p:spPr>
+        <p:txBody>
+          <a:bodyPr wrap="none">
+            <a:spAutoFit/>
+          </a:bodyPr>
+          <a:lstStyle/>
+          <a:p>
+            <a:r>
+              <a:rPr lang="sk-SK" sz="1600" dirty="0"/>
+              <a:t>SUMMARY</a:t>
+            </a:r>
+            <a:endParaRPr lang="en-US" sz="1600" dirty="0"/>
+          </a:p>
+        </p:txBody>
+      </p:sp>
+      <p:sp>
+        <p:nvSpPr>
+          <p:cNvPr id="13" name="Obdĺžnik 12">
+            <a:extLst>
+              <a:ext uri="{FF2B5EF4-FFF2-40B4-BE49-F238E27FC236}">
+                <a16:creationId xmlns:a16="http://schemas.microsoft.com/office/drawing/2014/main" id="{7C99D1D1-5283-4553-96FF-1CF875661D71}"/>
+              </a:ext>
+            </a:extLst>
+          </p:cNvPr>
+          <p:cNvSpPr/>
+          <p:nvPr/>
+        </p:nvSpPr>
+        <p:spPr>
+          <a:xfrm>
+            <a:off x="4830502" y="6497966"/>
+            <a:ext cx="1952779" cy="400110"/>
+          </a:xfrm>
+          <a:prstGeom prst="rect">
+            <a:avLst/>
+          </a:prstGeom>
+        </p:spPr>
+        <p:txBody>
+          <a:bodyPr wrap="none">
+            <a:spAutoFit/>
+          </a:bodyPr>
+          <a:lstStyle/>
+          <a:p>
+            <a:r>
+              <a:rPr lang="en-GB" sz="2000" dirty="0" err="1">
+                <a:highlight>
+                  <a:srgbClr val="00FF00"/>
+                </a:highlight>
+              </a:rPr>
+              <a:t>plot.points</a:t>
+            </a:r>
+            <a:r>
+              <a:rPr lang="sk-SK" sz="2000" dirty="0">
+                <a:highlight>
+                  <a:srgbClr val="00FF00"/>
+                </a:highlight>
+              </a:rPr>
+              <a:t> + test</a:t>
+            </a:r>
+            <a:endParaRPr lang="en-GB" sz="2000" dirty="0">
+              <a:highlight>
+                <a:srgbClr val="00FF00"/>
+              </a:highlight>
+            </a:endParaRPr>
+          </a:p>
+        </p:txBody>
+      </p:sp>
+      <p:sp>
+        <p:nvSpPr>
+          <p:cNvPr id="14" name="Obdĺžnik 13">
+            <a:extLst>
+              <a:ext uri="{FF2B5EF4-FFF2-40B4-BE49-F238E27FC236}">
+                <a16:creationId xmlns:a16="http://schemas.microsoft.com/office/drawing/2014/main" id="{1C40A44D-5B6E-40A3-A0DF-0AD7B918AB76}"/>
+              </a:ext>
+            </a:extLst>
+          </p:cNvPr>
+          <p:cNvSpPr/>
+          <p:nvPr/>
+        </p:nvSpPr>
+        <p:spPr>
+          <a:xfrm>
+            <a:off x="12177207" y="9293697"/>
+            <a:ext cx="2400914" cy="369332"/>
+          </a:xfrm>
+          <a:prstGeom prst="rect">
+            <a:avLst/>
+          </a:prstGeom>
+        </p:spPr>
+        <p:txBody>
+          <a:bodyPr wrap="none">
+            <a:spAutoFit/>
+          </a:bodyPr>
+          <a:lstStyle/>
+          <a:p>
+            <a:r>
+              <a:rPr lang="en-GB" sz="1800" dirty="0" err="1">
+                <a:highlight>
+                  <a:srgbClr val="00FF00"/>
+                </a:highlight>
+              </a:rPr>
+              <a:t>test.setValuesForVector</a:t>
+            </a:r>
+            <a:endParaRPr lang="en-GB" sz="1800" dirty="0">
+              <a:highlight>
+                <a:srgbClr val="00FF00"/>
+              </a:highlight>
+            </a:endParaRPr>
+          </a:p>
+        </p:txBody>
+      </p:sp>
+      <p:sp>
+        <p:nvSpPr>
+          <p:cNvPr id="15" name="Obdĺžnik 14">
+            <a:extLst>
+              <a:ext uri="{FF2B5EF4-FFF2-40B4-BE49-F238E27FC236}">
+                <a16:creationId xmlns:a16="http://schemas.microsoft.com/office/drawing/2014/main" id="{840E6823-5517-4E28-907D-7C3BBCE209D9}"/>
+              </a:ext>
+            </a:extLst>
+          </p:cNvPr>
+          <p:cNvSpPr/>
+          <p:nvPr/>
+        </p:nvSpPr>
+        <p:spPr>
+          <a:xfrm>
+            <a:off x="4830501" y="272680"/>
+            <a:ext cx="2731389" cy="707886"/>
+          </a:xfrm>
+          <a:prstGeom prst="rect">
+            <a:avLst/>
+          </a:prstGeom>
+        </p:spPr>
+        <p:txBody>
+          <a:bodyPr wrap="none">
+            <a:spAutoFit/>
+          </a:bodyPr>
+          <a:lstStyle/>
+          <a:p>
+            <a:r>
+              <a:rPr lang="en-GB" sz="2000" dirty="0" err="1">
+                <a:highlight>
+                  <a:srgbClr val="00FF00"/>
+                </a:highlight>
+              </a:rPr>
+              <a:t>plot.points</a:t>
+            </a:r>
+            <a:r>
+              <a:rPr lang="sk-SK" sz="2000" dirty="0">
+                <a:highlight>
+                  <a:srgbClr val="00FF00"/>
+                </a:highlight>
+              </a:rPr>
+              <a:t>.</a:t>
+            </a:r>
+            <a:r>
+              <a:rPr lang="sk-SK" sz="2000" dirty="0" err="1">
+                <a:highlight>
+                  <a:srgbClr val="00FF00"/>
+                </a:highlight>
+              </a:rPr>
+              <a:t>hist</a:t>
+            </a:r>
+            <a:r>
+              <a:rPr lang="sk-SK" sz="2000" dirty="0">
+                <a:highlight>
+                  <a:srgbClr val="00FF00"/>
+                </a:highlight>
+              </a:rPr>
+              <a:t> + test</a:t>
+            </a:r>
+            <a:br>
+              <a:rPr lang="sk-SK" sz="2000" dirty="0">
+                <a:highlight>
+                  <a:srgbClr val="00FF00"/>
+                </a:highlight>
+              </a:rPr>
+            </a:br>
+            <a:r>
+              <a:rPr lang="sk-SK" sz="2000" dirty="0" err="1">
+                <a:highlight>
+                  <a:srgbClr val="00FF00"/>
+                </a:highlight>
+              </a:rPr>
+              <a:t>plot.points.svatter</a:t>
+            </a:r>
+            <a:r>
+              <a:rPr lang="sk-SK" sz="2000" dirty="0">
+                <a:highlight>
+                  <a:srgbClr val="00FF00"/>
+                </a:highlight>
+              </a:rPr>
+              <a:t> + test</a:t>
+            </a:r>
+            <a:endParaRPr lang="en-GB" sz="2000" dirty="0">
+              <a:highlight>
+                <a:srgbClr val="00FF00"/>
+              </a:highlight>
+            </a:endParaRPr>
           </a:p>
         </p:txBody>
       </p:sp>

--- a/struktura kniznice.pptx
+++ b/struktura kniznice.pptx
@@ -6297,15 +6297,18 @@
         </p:nvSpPr>
         <p:spPr>
           <a:xfrm>
-            <a:off x="1912859" y="2338950"/>
+            <a:off x="4830501" y="1392989"/>
             <a:ext cx="1087349" cy="338554"/>
           </a:xfrm>
           <a:prstGeom prst="rect">
             <a:avLst/>
           </a:prstGeom>
           <a:solidFill>
-            <a:srgbClr val="FF0000"/>
+            <a:srgbClr val="92D050"/>
           </a:solidFill>
+          <a:ln>
+            <a:noFill/>
+          </a:ln>
         </p:spPr>
         <p:txBody>
           <a:bodyPr wrap="none">
@@ -6314,10 +6317,18 @@
           <a:lstStyle/>
           <a:p>
             <a:r>
-              <a:rPr lang="sk-SK" sz="1600" dirty="0"/>
+              <a:rPr lang="sk-SK" sz="1600" dirty="0">
+                <a:highlight>
+                  <a:srgbClr val="00FF00"/>
+                </a:highlight>
+              </a:rPr>
               <a:t>SUMMARY</a:t>
             </a:r>
-            <a:endParaRPr lang="en-US" sz="1600" dirty="0"/>
+            <a:endParaRPr lang="en-US" sz="1600" dirty="0">
+              <a:highlight>
+                <a:srgbClr val="00FF00"/>
+              </a:highlight>
+            </a:endParaRPr>
           </a:p>
         </p:txBody>
       </p:sp>
@@ -6335,14 +6346,14 @@
         </p:nvSpPr>
         <p:spPr>
           <a:xfrm>
-            <a:off x="1587609" y="7297099"/>
+            <a:off x="4830501" y="7079666"/>
             <a:ext cx="1087349" cy="338554"/>
           </a:xfrm>
           <a:prstGeom prst="rect">
             <a:avLst/>
           </a:prstGeom>
           <a:solidFill>
-            <a:srgbClr val="FF0000"/>
+            <a:srgbClr val="92D050"/>
           </a:solidFill>
         </p:spPr>
         <p:txBody>
@@ -6538,6 +6549,100 @@
             <a:endParaRPr lang="en-GB" sz="2000" dirty="0">
               <a:highlight>
                 <a:srgbClr val="00FF00"/>
+              </a:highlight>
+            </a:endParaRPr>
+          </a:p>
+        </p:txBody>
+      </p:sp>
+      <p:sp>
+        <p:nvSpPr>
+          <p:cNvPr id="2" name="Obdĺžnik 1">
+            <a:extLst>
+              <a:ext uri="{FF2B5EF4-FFF2-40B4-BE49-F238E27FC236}">
+                <a16:creationId xmlns:a16="http://schemas.microsoft.com/office/drawing/2014/main" id="{CEC7F224-1BFB-4568-A82F-3DEA05D2EA71}"/>
+              </a:ext>
+            </a:extLst>
+          </p:cNvPr>
+          <p:cNvSpPr/>
+          <p:nvPr/>
+        </p:nvSpPr>
+        <p:spPr>
+          <a:xfrm>
+            <a:off x="11151124" y="11392286"/>
+            <a:ext cx="2052165" cy="515847"/>
+          </a:xfrm>
+          <a:prstGeom prst="rect">
+            <a:avLst/>
+          </a:prstGeom>
+        </p:spPr>
+        <p:txBody>
+          <a:bodyPr wrap="none">
+            <a:spAutoFit/>
+          </a:bodyPr>
+          <a:lstStyle/>
+          <a:p>
+            <a:r>
+              <a:rPr lang="sk-SK" dirty="0">
+                <a:solidFill>
+                  <a:srgbClr val="24292E"/>
+                </a:solidFill>
+                <a:highlight>
+                  <a:srgbClr val="FF0000"/>
+                </a:highlight>
+                <a:latin typeface="SFMono-Regular"/>
+              </a:rPr>
+              <a:t>plot2DLabels</a:t>
+            </a:r>
+            <a:endParaRPr lang="en-GB" dirty="0">
+              <a:highlight>
+                <a:srgbClr val="FF0000"/>
+              </a:highlight>
+            </a:endParaRPr>
+          </a:p>
+        </p:txBody>
+      </p:sp>
+      <p:sp>
+        <p:nvSpPr>
+          <p:cNvPr id="3" name="Obdĺžnik 2">
+            <a:extLst>
+              <a:ext uri="{FF2B5EF4-FFF2-40B4-BE49-F238E27FC236}">
+                <a16:creationId xmlns:a16="http://schemas.microsoft.com/office/drawing/2014/main" id="{CE626936-2939-47D9-B9C1-5B0FF99FBAB7}"/>
+              </a:ext>
+            </a:extLst>
+          </p:cNvPr>
+          <p:cNvSpPr/>
+          <p:nvPr/>
+        </p:nvSpPr>
+        <p:spPr>
+          <a:xfrm>
+            <a:off x="11280037" y="12328457"/>
+            <a:ext cx="1794337" cy="515847"/>
+          </a:xfrm>
+          <a:prstGeom prst="rect">
+            <a:avLst/>
+          </a:prstGeom>
+        </p:spPr>
+        <p:txBody>
+          <a:bodyPr wrap="none">
+            <a:spAutoFit/>
+          </a:bodyPr>
+          <a:lstStyle/>
+          <a:p>
+            <a:r>
+              <a:rPr lang="sk-SK" dirty="0" err="1">
+                <a:solidFill>
+                  <a:srgbClr val="24292E"/>
+                </a:solidFill>
+                <a:highlight>
+                  <a:srgbClr val="FF0000"/>
+                </a:highlight>
+                <a:latin typeface="SFMono-Regular"/>
+              </a:rPr>
+              <a:t>plotLegend</a:t>
+            </a:r>
+            <a:endParaRPr lang="en-GB" dirty="0">
+              <a:highlight>
+                <a:srgbClr val="FF0000"/>
               </a:highlight>
             </a:endParaRPr>
           </a:p>

--- a/struktura kniznice.pptx
+++ b/struktura kniznice.pptx
@@ -245,7 +245,7 @@
           <a:p>
             <a:fld id="{1CE7EBEE-9833-4BC3-9BD1-B29620C10F11}" type="datetimeFigureOut">
               <a:rPr lang="en-US" smtClean="0"/>
-              <a:t>4/16/2020</a:t>
+              <a:t>4/17/2020</a:t>
             </a:fld>
             <a:endParaRPr lang="en-US"/>
           </a:p>
@@ -415,7 +415,7 @@
           <a:p>
             <a:fld id="{1CE7EBEE-9833-4BC3-9BD1-B29620C10F11}" type="datetimeFigureOut">
               <a:rPr lang="en-US" smtClean="0"/>
-              <a:t>4/16/2020</a:t>
+              <a:t>4/17/2020</a:t>
             </a:fld>
             <a:endParaRPr lang="en-US"/>
           </a:p>
@@ -595,7 +595,7 @@
           <a:p>
             <a:fld id="{1CE7EBEE-9833-4BC3-9BD1-B29620C10F11}" type="datetimeFigureOut">
               <a:rPr lang="en-US" smtClean="0"/>
-              <a:t>4/16/2020</a:t>
+              <a:t>4/17/2020</a:t>
             </a:fld>
             <a:endParaRPr lang="en-US"/>
           </a:p>
@@ -765,7 +765,7 @@
           <a:p>
             <a:fld id="{1CE7EBEE-9833-4BC3-9BD1-B29620C10F11}" type="datetimeFigureOut">
               <a:rPr lang="en-US" smtClean="0"/>
-              <a:t>4/16/2020</a:t>
+              <a:t>4/17/2020</a:t>
             </a:fld>
             <a:endParaRPr lang="en-US"/>
           </a:p>
@@ -1009,7 +1009,7 @@
           <a:p>
             <a:fld id="{1CE7EBEE-9833-4BC3-9BD1-B29620C10F11}" type="datetimeFigureOut">
               <a:rPr lang="en-US" smtClean="0"/>
-              <a:t>4/16/2020</a:t>
+              <a:t>4/17/2020</a:t>
             </a:fld>
             <a:endParaRPr lang="en-US"/>
           </a:p>
@@ -1241,7 +1241,7 @@
           <a:p>
             <a:fld id="{1CE7EBEE-9833-4BC3-9BD1-B29620C10F11}" type="datetimeFigureOut">
               <a:rPr lang="en-US" smtClean="0"/>
-              <a:t>4/16/2020</a:t>
+              <a:t>4/17/2020</a:t>
             </a:fld>
             <a:endParaRPr lang="en-US"/>
           </a:p>
@@ -1608,7 +1608,7 @@
           <a:p>
             <a:fld id="{1CE7EBEE-9833-4BC3-9BD1-B29620C10F11}" type="datetimeFigureOut">
               <a:rPr lang="en-US" smtClean="0"/>
-              <a:t>4/16/2020</a:t>
+              <a:t>4/17/2020</a:t>
             </a:fld>
             <a:endParaRPr lang="en-US"/>
           </a:p>
@@ -1726,7 +1726,7 @@
           <a:p>
             <a:fld id="{1CE7EBEE-9833-4BC3-9BD1-B29620C10F11}" type="datetimeFigureOut">
               <a:rPr lang="en-US" smtClean="0"/>
-              <a:t>4/16/2020</a:t>
+              <a:t>4/17/2020</a:t>
             </a:fld>
             <a:endParaRPr lang="en-US"/>
           </a:p>
@@ -1821,7 +1821,7 @@
           <a:p>
             <a:fld id="{1CE7EBEE-9833-4BC3-9BD1-B29620C10F11}" type="datetimeFigureOut">
               <a:rPr lang="en-US" smtClean="0"/>
-              <a:t>4/16/2020</a:t>
+              <a:t>4/17/2020</a:t>
             </a:fld>
             <a:endParaRPr lang="en-US"/>
           </a:p>
@@ -2098,7 +2098,7 @@
           <a:p>
             <a:fld id="{1CE7EBEE-9833-4BC3-9BD1-B29620C10F11}" type="datetimeFigureOut">
               <a:rPr lang="en-US" smtClean="0"/>
-              <a:t>4/16/2020</a:t>
+              <a:t>4/17/2020</a:t>
             </a:fld>
             <a:endParaRPr lang="en-US"/>
           </a:p>
@@ -2355,7 +2355,7 @@
           <a:p>
             <a:fld id="{1CE7EBEE-9833-4BC3-9BD1-B29620C10F11}" type="datetimeFigureOut">
               <a:rPr lang="en-US" smtClean="0"/>
-              <a:t>4/16/2020</a:t>
+              <a:t>4/17/2020</a:t>
             </a:fld>
             <a:endParaRPr lang="en-US"/>
           </a:p>
@@ -2568,7 +2568,7 @@
           <a:p>
             <a:fld id="{1CE7EBEE-9833-4BC3-9BD1-B29620C10F11}" type="datetimeFigureOut">
               <a:rPr lang="en-US" smtClean="0"/>
-              <a:t>4/16/2020</a:t>
+              <a:t>4/17/2020</a:t>
             </a:fld>
             <a:endParaRPr lang="en-US"/>
           </a:p>
@@ -6648,6 +6648,124 @@
           </a:p>
         </p:txBody>
       </p:sp>
+      <p:sp>
+        <p:nvSpPr>
+          <p:cNvPr id="16" name="Obdĺžnik 15">
+            <a:extLst>
+              <a:ext uri="{FF2B5EF4-FFF2-40B4-BE49-F238E27FC236}">
+                <a16:creationId xmlns:a16="http://schemas.microsoft.com/office/drawing/2014/main" id="{38E6C0D0-3387-4383-94B1-787BA2BA7F50}"/>
+              </a:ext>
+            </a:extLst>
+          </p:cNvPr>
+          <p:cNvSpPr/>
+          <p:nvPr/>
+        </p:nvSpPr>
+        <p:spPr>
+          <a:xfrm>
+            <a:off x="4830501" y="2150063"/>
+            <a:ext cx="3164649" cy="400110"/>
+          </a:xfrm>
+          <a:prstGeom prst="rect">
+            <a:avLst/>
+          </a:prstGeom>
+        </p:spPr>
+        <p:txBody>
+          <a:bodyPr wrap="none">
+            <a:spAutoFit/>
+          </a:bodyPr>
+          <a:lstStyle/>
+          <a:p>
+            <a:r>
+              <a:rPr lang="en-GB" sz="2000" dirty="0" err="1">
+                <a:highlight>
+                  <a:srgbClr val="00FF00"/>
+                </a:highlight>
+              </a:rPr>
+              <a:t>plot.addLabels.points</a:t>
+            </a:r>
+            <a:r>
+              <a:rPr lang="sk-SK" sz="2000" dirty="0">
+                <a:highlight>
+                  <a:srgbClr val="00FF00"/>
+                </a:highlight>
+              </a:rPr>
+              <a:t> + </a:t>
+            </a:r>
+            <a:r>
+              <a:rPr lang="sk-SK" sz="2000" dirty="0" err="1">
+                <a:highlight>
+                  <a:srgbClr val="00FF00"/>
+                </a:highlight>
+              </a:rPr>
+              <a:t>tests</a:t>
+            </a:r>
+            <a:endParaRPr lang="en-GB" sz="2000" dirty="0">
+              <a:highlight>
+                <a:srgbClr val="00FF00"/>
+              </a:highlight>
+            </a:endParaRPr>
+          </a:p>
+        </p:txBody>
+      </p:sp>
+      <p:sp>
+        <p:nvSpPr>
+          <p:cNvPr id="17" name="Obdĺžnik 16">
+            <a:extLst>
+              <a:ext uri="{FF2B5EF4-FFF2-40B4-BE49-F238E27FC236}">
+                <a16:creationId xmlns:a16="http://schemas.microsoft.com/office/drawing/2014/main" id="{8AE3B592-C10E-4E00-8914-E3D71EC63AC8}"/>
+              </a:ext>
+            </a:extLst>
+          </p:cNvPr>
+          <p:cNvSpPr/>
+          <p:nvPr/>
+        </p:nvSpPr>
+        <p:spPr>
+          <a:xfrm>
+            <a:off x="4830500" y="7675459"/>
+            <a:ext cx="3164649" cy="400110"/>
+          </a:xfrm>
+          <a:prstGeom prst="rect">
+            <a:avLst/>
+          </a:prstGeom>
+        </p:spPr>
+        <p:txBody>
+          <a:bodyPr wrap="none">
+            <a:spAutoFit/>
+          </a:bodyPr>
+          <a:lstStyle/>
+          <a:p>
+            <a:r>
+              <a:rPr lang="en-GB" sz="2000" dirty="0" err="1">
+                <a:highlight>
+                  <a:srgbClr val="00FF00"/>
+                </a:highlight>
+              </a:rPr>
+              <a:t>plot.addLabels.points</a:t>
+            </a:r>
+            <a:r>
+              <a:rPr lang="sk-SK" sz="2000" dirty="0">
+                <a:highlight>
+                  <a:srgbClr val="00FF00"/>
+                </a:highlight>
+              </a:rPr>
+              <a:t> + </a:t>
+            </a:r>
+            <a:r>
+              <a:rPr lang="sk-SK" sz="2000" dirty="0" err="1">
+                <a:highlight>
+                  <a:srgbClr val="00FF00"/>
+                </a:highlight>
+              </a:rPr>
+              <a:t>tests</a:t>
+            </a:r>
+            <a:endParaRPr lang="en-GB" sz="2000" dirty="0">
+              <a:highlight>
+                <a:srgbClr val="00FF00"/>
+              </a:highlight>
+            </a:endParaRPr>
+          </a:p>
+        </p:txBody>
+      </p:sp>
     </p:spTree>
     <p:extLst>
       <p:ext uri="{BB962C8B-B14F-4D97-AF65-F5344CB8AC3E}">

--- a/struktura kniznice.pptx
+++ b/struktura kniznice.pptx
@@ -245,7 +245,7 @@
           <a:p>
             <a:fld id="{1CE7EBEE-9833-4BC3-9BD1-B29620C10F11}" type="datetimeFigureOut">
               <a:rPr lang="en-US" smtClean="0"/>
-              <a:t>4/17/2020</a:t>
+              <a:t>4/19/2020</a:t>
             </a:fld>
             <a:endParaRPr lang="en-US"/>
           </a:p>
@@ -415,7 +415,7 @@
           <a:p>
             <a:fld id="{1CE7EBEE-9833-4BC3-9BD1-B29620C10F11}" type="datetimeFigureOut">
               <a:rPr lang="en-US" smtClean="0"/>
-              <a:t>4/17/2020</a:t>
+              <a:t>4/19/2020</a:t>
             </a:fld>
             <a:endParaRPr lang="en-US"/>
           </a:p>
@@ -595,7 +595,7 @@
           <a:p>
             <a:fld id="{1CE7EBEE-9833-4BC3-9BD1-B29620C10F11}" type="datetimeFigureOut">
               <a:rPr lang="en-US" smtClean="0"/>
-              <a:t>4/17/2020</a:t>
+              <a:t>4/19/2020</a:t>
             </a:fld>
             <a:endParaRPr lang="en-US"/>
           </a:p>
@@ -765,7 +765,7 @@
           <a:p>
             <a:fld id="{1CE7EBEE-9833-4BC3-9BD1-B29620C10F11}" type="datetimeFigureOut">
               <a:rPr lang="en-US" smtClean="0"/>
-              <a:t>4/17/2020</a:t>
+              <a:t>4/19/2020</a:t>
             </a:fld>
             <a:endParaRPr lang="en-US"/>
           </a:p>
@@ -1009,7 +1009,7 @@
           <a:p>
             <a:fld id="{1CE7EBEE-9833-4BC3-9BD1-B29620C10F11}" type="datetimeFigureOut">
               <a:rPr lang="en-US" smtClean="0"/>
-              <a:t>4/17/2020</a:t>
+              <a:t>4/19/2020</a:t>
             </a:fld>
             <a:endParaRPr lang="en-US"/>
           </a:p>
@@ -1241,7 +1241,7 @@
           <a:p>
             <a:fld id="{1CE7EBEE-9833-4BC3-9BD1-B29620C10F11}" type="datetimeFigureOut">
               <a:rPr lang="en-US" smtClean="0"/>
-              <a:t>4/17/2020</a:t>
+              <a:t>4/19/2020</a:t>
             </a:fld>
             <a:endParaRPr lang="en-US"/>
           </a:p>
@@ -1608,7 +1608,7 @@
           <a:p>
             <a:fld id="{1CE7EBEE-9833-4BC3-9BD1-B29620C10F11}" type="datetimeFigureOut">
               <a:rPr lang="en-US" smtClean="0"/>
-              <a:t>4/17/2020</a:t>
+              <a:t>4/19/2020</a:t>
             </a:fld>
             <a:endParaRPr lang="en-US"/>
           </a:p>
@@ -1726,7 +1726,7 @@
           <a:p>
             <a:fld id="{1CE7EBEE-9833-4BC3-9BD1-B29620C10F11}" type="datetimeFigureOut">
               <a:rPr lang="en-US" smtClean="0"/>
-              <a:t>4/17/2020</a:t>
+              <a:t>4/19/2020</a:t>
             </a:fld>
             <a:endParaRPr lang="en-US"/>
           </a:p>
@@ -1821,7 +1821,7 @@
           <a:p>
             <a:fld id="{1CE7EBEE-9833-4BC3-9BD1-B29620C10F11}" type="datetimeFigureOut">
               <a:rPr lang="en-US" smtClean="0"/>
-              <a:t>4/17/2020</a:t>
+              <a:t>4/19/2020</a:t>
             </a:fld>
             <a:endParaRPr lang="en-US"/>
           </a:p>
@@ -2098,7 +2098,7 @@
           <a:p>
             <a:fld id="{1CE7EBEE-9833-4BC3-9BD1-B29620C10F11}" type="datetimeFigureOut">
               <a:rPr lang="en-US" smtClean="0"/>
-              <a:t>4/17/2020</a:t>
+              <a:t>4/19/2020</a:t>
             </a:fld>
             <a:endParaRPr lang="en-US"/>
           </a:p>
@@ -2355,7 +2355,7 @@
           <a:p>
             <a:fld id="{1CE7EBEE-9833-4BC3-9BD1-B29620C10F11}" type="datetimeFigureOut">
               <a:rPr lang="en-US" smtClean="0"/>
-              <a:t>4/17/2020</a:t>
+              <a:t>4/19/2020</a:t>
             </a:fld>
             <a:endParaRPr lang="en-US"/>
           </a:p>
@@ -2568,7 +2568,7 @@
           <a:p>
             <a:fld id="{1CE7EBEE-9833-4BC3-9BD1-B29620C10F11}" type="datetimeFigureOut">
               <a:rPr lang="en-US" smtClean="0"/>
-              <a:t>4/17/2020</a:t>
+              <a:t>4/19/2020</a:t>
             </a:fld>
             <a:endParaRPr lang="en-US"/>
           </a:p>
@@ -6766,6 +6766,242 @@
           </a:p>
         </p:txBody>
       </p:sp>
+      <p:sp>
+        <p:nvSpPr>
+          <p:cNvPr id="18" name="Obdĺžnik 17">
+            <a:extLst>
+              <a:ext uri="{FF2B5EF4-FFF2-40B4-BE49-F238E27FC236}">
+                <a16:creationId xmlns:a16="http://schemas.microsoft.com/office/drawing/2014/main" id="{F043B69C-2334-44A9-84B9-6187214FBDAF}"/>
+              </a:ext>
+            </a:extLst>
+          </p:cNvPr>
+          <p:cNvSpPr/>
+          <p:nvPr/>
+        </p:nvSpPr>
+        <p:spPr>
+          <a:xfrm>
+            <a:off x="4830499" y="8332808"/>
+            <a:ext cx="2549352" cy="400110"/>
+          </a:xfrm>
+          <a:prstGeom prst="rect">
+            <a:avLst/>
+          </a:prstGeom>
+        </p:spPr>
+        <p:txBody>
+          <a:bodyPr wrap="none">
+            <a:spAutoFit/>
+          </a:bodyPr>
+          <a:lstStyle/>
+          <a:p>
+            <a:r>
+              <a:rPr lang="en-GB" sz="2000" dirty="0" err="1">
+                <a:highlight>
+                  <a:srgbClr val="00FF00"/>
+                </a:highlight>
+              </a:rPr>
+              <a:t>plot.addL</a:t>
+            </a:r>
+            <a:r>
+              <a:rPr lang="sk-SK" sz="2000" dirty="0" err="1">
+                <a:highlight>
+                  <a:srgbClr val="00FF00"/>
+                </a:highlight>
+              </a:rPr>
+              <a:t>egend</a:t>
+            </a:r>
+            <a:r>
+              <a:rPr lang="sk-SK" sz="2000" dirty="0">
+                <a:highlight>
+                  <a:srgbClr val="00FF00"/>
+                </a:highlight>
+              </a:rPr>
+              <a:t> +</a:t>
+            </a:r>
+            <a:r>
+              <a:rPr lang="sk-SK" sz="2000" dirty="0">
+                <a:highlight>
+                  <a:srgbClr val="FF0000"/>
+                </a:highlight>
+              </a:rPr>
+              <a:t> </a:t>
+            </a:r>
+            <a:r>
+              <a:rPr lang="sk-SK" sz="2000" dirty="0" err="1">
+                <a:highlight>
+                  <a:srgbClr val="00FF00"/>
+                </a:highlight>
+              </a:rPr>
+              <a:t>tests</a:t>
+            </a:r>
+            <a:endParaRPr lang="en-GB" sz="2000" dirty="0">
+              <a:highlight>
+                <a:srgbClr val="00FF00"/>
+              </a:highlight>
+            </a:endParaRPr>
+          </a:p>
+        </p:txBody>
+      </p:sp>
+      <p:sp>
+        <p:nvSpPr>
+          <p:cNvPr id="19" name="Obdĺžnik 18">
+            <a:extLst>
+              <a:ext uri="{FF2B5EF4-FFF2-40B4-BE49-F238E27FC236}">
+                <a16:creationId xmlns:a16="http://schemas.microsoft.com/office/drawing/2014/main" id="{3A0D9179-C210-4A82-B253-BFD31A4D723C}"/>
+              </a:ext>
+            </a:extLst>
+          </p:cNvPr>
+          <p:cNvSpPr/>
+          <p:nvPr/>
+        </p:nvSpPr>
+        <p:spPr>
+          <a:xfrm>
+            <a:off x="4806329" y="2754407"/>
+            <a:ext cx="2549352" cy="400110"/>
+          </a:xfrm>
+          <a:prstGeom prst="rect">
+            <a:avLst/>
+          </a:prstGeom>
+        </p:spPr>
+        <p:txBody>
+          <a:bodyPr wrap="none">
+            <a:spAutoFit/>
+          </a:bodyPr>
+          <a:lstStyle/>
+          <a:p>
+            <a:r>
+              <a:rPr lang="en-GB" sz="2000" dirty="0" err="1">
+                <a:highlight>
+                  <a:srgbClr val="00FF00"/>
+                </a:highlight>
+              </a:rPr>
+              <a:t>plot.addL</a:t>
+            </a:r>
+            <a:r>
+              <a:rPr lang="sk-SK" sz="2000" dirty="0" err="1">
+                <a:highlight>
+                  <a:srgbClr val="00FF00"/>
+                </a:highlight>
+              </a:rPr>
+              <a:t>egend</a:t>
+            </a:r>
+            <a:r>
+              <a:rPr lang="sk-SK" sz="2000" dirty="0">
+                <a:highlight>
+                  <a:srgbClr val="00FF00"/>
+                </a:highlight>
+              </a:rPr>
+              <a:t> +</a:t>
+            </a:r>
+            <a:r>
+              <a:rPr lang="sk-SK" sz="2000" dirty="0">
+                <a:highlight>
+                  <a:srgbClr val="FF0000"/>
+                </a:highlight>
+              </a:rPr>
+              <a:t> </a:t>
+            </a:r>
+            <a:r>
+              <a:rPr lang="sk-SK" sz="2000" dirty="0" err="1">
+                <a:highlight>
+                  <a:srgbClr val="00FF00"/>
+                </a:highlight>
+              </a:rPr>
+              <a:t>tests</a:t>
+            </a:r>
+            <a:endParaRPr lang="en-GB" sz="2000" dirty="0">
+              <a:highlight>
+                <a:srgbClr val="00FF00"/>
+              </a:highlight>
+            </a:endParaRPr>
+          </a:p>
+        </p:txBody>
+      </p:sp>
+      <p:cxnSp>
+        <p:nvCxnSpPr>
+          <p:cNvPr id="22" name="Rovná spojnica 21">
+            <a:extLst>
+              <a:ext uri="{FF2B5EF4-FFF2-40B4-BE49-F238E27FC236}">
+                <a16:creationId xmlns:a16="http://schemas.microsoft.com/office/drawing/2014/main" id="{06F4D959-19BB-4BE3-B745-6CCE633126AA}"/>
+              </a:ext>
+            </a:extLst>
+          </p:cNvPr>
+          <p:cNvCxnSpPr>
+            <a:cxnSpLocks/>
+          </p:cNvCxnSpPr>
+          <p:nvPr/>
+        </p:nvCxnSpPr>
+        <p:spPr>
+          <a:xfrm flipV="1">
+            <a:off x="10929257" y="11479372"/>
+            <a:ext cx="2703810" cy="1785256"/>
+          </a:xfrm>
+          <a:prstGeom prst="line">
+            <a:avLst/>
+          </a:prstGeom>
+          <a:ln w="76200">
+            <a:solidFill>
+              <a:schemeClr val="tx1"/>
+            </a:solidFill>
+          </a:ln>
+        </p:spPr>
+        <p:style>
+          <a:lnRef idx="1">
+            <a:schemeClr val="accent1"/>
+          </a:lnRef>
+          <a:fillRef idx="0">
+            <a:schemeClr val="accent1"/>
+          </a:fillRef>
+          <a:effectRef idx="0">
+            <a:schemeClr val="accent1"/>
+          </a:effectRef>
+          <a:fontRef idx="minor">
+            <a:schemeClr val="tx1"/>
+          </a:fontRef>
+        </p:style>
+      </p:cxnSp>
+      <p:cxnSp>
+        <p:nvCxnSpPr>
+          <p:cNvPr id="24" name="Rovná spojnica 23">
+            <a:extLst>
+              <a:ext uri="{FF2B5EF4-FFF2-40B4-BE49-F238E27FC236}">
+                <a16:creationId xmlns:a16="http://schemas.microsoft.com/office/drawing/2014/main" id="{6ACCC2D8-42BF-42D3-B995-193BC0D5C277}"/>
+              </a:ext>
+            </a:extLst>
+          </p:cNvPr>
+          <p:cNvCxnSpPr>
+            <a:cxnSpLocks/>
+          </p:cNvCxnSpPr>
+          <p:nvPr/>
+        </p:nvCxnSpPr>
+        <p:spPr>
+          <a:xfrm flipH="1" flipV="1">
+            <a:off x="11040191" y="11015505"/>
+            <a:ext cx="2828209" cy="2336209"/>
+          </a:xfrm>
+          <a:prstGeom prst="line">
+            <a:avLst/>
+          </a:prstGeom>
+          <a:ln w="76200">
+            <a:solidFill>
+              <a:schemeClr val="tx1"/>
+            </a:solidFill>
+          </a:ln>
+        </p:spPr>
+        <p:style>
+          <a:lnRef idx="1">
+            <a:schemeClr val="accent1"/>
+          </a:lnRef>
+          <a:fillRef idx="0">
+            <a:schemeClr val="accent1"/>
+          </a:fillRef>
+          <a:effectRef idx="0">
+            <a:schemeClr val="accent1"/>
+          </a:effectRef>
+          <a:fontRef idx="minor">
+            <a:schemeClr val="tx1"/>
+          </a:fontRef>
+        </p:style>
+      </p:cxnSp>
     </p:spTree>
     <p:extLst>
       <p:ext uri="{BB962C8B-B14F-4D97-AF65-F5344CB8AC3E}">

--- a/struktura kniznice.pptx
+++ b/struktura kniznice.pptx
@@ -245,7 +245,7 @@
           <a:p>
             <a:fld id="{1CE7EBEE-9833-4BC3-9BD1-B29620C10F11}" type="datetimeFigureOut">
               <a:rPr lang="en-US" smtClean="0"/>
-              <a:t>4/19/2020</a:t>
+              <a:t>4/21/2020</a:t>
             </a:fld>
             <a:endParaRPr lang="en-US"/>
           </a:p>
@@ -415,7 +415,7 @@
           <a:p>
             <a:fld id="{1CE7EBEE-9833-4BC3-9BD1-B29620C10F11}" type="datetimeFigureOut">
               <a:rPr lang="en-US" smtClean="0"/>
-              <a:t>4/19/2020</a:t>
+              <a:t>4/21/2020</a:t>
             </a:fld>
             <a:endParaRPr lang="en-US"/>
           </a:p>
@@ -595,7 +595,7 @@
           <a:p>
             <a:fld id="{1CE7EBEE-9833-4BC3-9BD1-B29620C10F11}" type="datetimeFigureOut">
               <a:rPr lang="en-US" smtClean="0"/>
-              <a:t>4/19/2020</a:t>
+              <a:t>4/21/2020</a:t>
             </a:fld>
             <a:endParaRPr lang="en-US"/>
           </a:p>
@@ -765,7 +765,7 @@
           <a:p>
             <a:fld id="{1CE7EBEE-9833-4BC3-9BD1-B29620C10F11}" type="datetimeFigureOut">
               <a:rPr lang="en-US" smtClean="0"/>
-              <a:t>4/19/2020</a:t>
+              <a:t>4/21/2020</a:t>
             </a:fld>
             <a:endParaRPr lang="en-US"/>
           </a:p>
@@ -1009,7 +1009,7 @@
           <a:p>
             <a:fld id="{1CE7EBEE-9833-4BC3-9BD1-B29620C10F11}" type="datetimeFigureOut">
               <a:rPr lang="en-US" smtClean="0"/>
-              <a:t>4/19/2020</a:t>
+              <a:t>4/21/2020</a:t>
             </a:fld>
             <a:endParaRPr lang="en-US"/>
           </a:p>
@@ -1241,7 +1241,7 @@
           <a:p>
             <a:fld id="{1CE7EBEE-9833-4BC3-9BD1-B29620C10F11}" type="datetimeFigureOut">
               <a:rPr lang="en-US" smtClean="0"/>
-              <a:t>4/19/2020</a:t>
+              <a:t>4/21/2020</a:t>
             </a:fld>
             <a:endParaRPr lang="en-US"/>
           </a:p>
@@ -1608,7 +1608,7 @@
           <a:p>
             <a:fld id="{1CE7EBEE-9833-4BC3-9BD1-B29620C10F11}" type="datetimeFigureOut">
               <a:rPr lang="en-US" smtClean="0"/>
-              <a:t>4/19/2020</a:t>
+              <a:t>4/21/2020</a:t>
             </a:fld>
             <a:endParaRPr lang="en-US"/>
           </a:p>
@@ -1726,7 +1726,7 @@
           <a:p>
             <a:fld id="{1CE7EBEE-9833-4BC3-9BD1-B29620C10F11}" type="datetimeFigureOut">
               <a:rPr lang="en-US" smtClean="0"/>
-              <a:t>4/19/2020</a:t>
+              <a:t>4/21/2020</a:t>
             </a:fld>
             <a:endParaRPr lang="en-US"/>
           </a:p>
@@ -1821,7 +1821,7 @@
           <a:p>
             <a:fld id="{1CE7EBEE-9833-4BC3-9BD1-B29620C10F11}" type="datetimeFigureOut">
               <a:rPr lang="en-US" smtClean="0"/>
-              <a:t>4/19/2020</a:t>
+              <a:t>4/21/2020</a:t>
             </a:fld>
             <a:endParaRPr lang="en-US"/>
           </a:p>
@@ -2098,7 +2098,7 @@
           <a:p>
             <a:fld id="{1CE7EBEE-9833-4BC3-9BD1-B29620C10F11}" type="datetimeFigureOut">
               <a:rPr lang="en-US" smtClean="0"/>
-              <a:t>4/19/2020</a:t>
+              <a:t>4/21/2020</a:t>
             </a:fld>
             <a:endParaRPr lang="en-US"/>
           </a:p>
@@ -2355,7 +2355,7 @@
           <a:p>
             <a:fld id="{1CE7EBEE-9833-4BC3-9BD1-B29620C10F11}" type="datetimeFigureOut">
               <a:rPr lang="en-US" smtClean="0"/>
-              <a:t>4/19/2020</a:t>
+              <a:t>4/21/2020</a:t>
             </a:fld>
             <a:endParaRPr lang="en-US"/>
           </a:p>
@@ -2568,7 +2568,7 @@
           <a:p>
             <a:fld id="{1CE7EBEE-9833-4BC3-9BD1-B29620C10F11}" type="datetimeFigureOut">
               <a:rPr lang="en-US" smtClean="0"/>
-              <a:t>4/19/2020</a:t>
+              <a:t>4/21/2020</a:t>
             </a:fld>
             <a:endParaRPr lang="en-US"/>
           </a:p>
@@ -7002,6 +7002,136 @@
           </a:fontRef>
         </p:style>
       </p:cxnSp>
+      <p:sp>
+        <p:nvSpPr>
+          <p:cNvPr id="23" name="Rectangle 5">
+            <a:extLst>
+              <a:ext uri="{FF2B5EF4-FFF2-40B4-BE49-F238E27FC236}">
+                <a16:creationId xmlns:a16="http://schemas.microsoft.com/office/drawing/2014/main" id="{F086C626-BEC0-48BD-8BA0-F4B431321EF5}"/>
+              </a:ext>
+            </a:extLst>
+          </p:cNvPr>
+          <p:cNvSpPr/>
+          <p:nvPr/>
+        </p:nvSpPr>
+        <p:spPr>
+          <a:xfrm>
+            <a:off x="8673302" y="372010"/>
+            <a:ext cx="2250681" cy="369332"/>
+          </a:xfrm>
+          <a:prstGeom prst="rect">
+            <a:avLst/>
+          </a:prstGeom>
+          <a:solidFill>
+            <a:schemeClr val="accent5">
+              <a:lumMod val="20000"/>
+              <a:lumOff val="80000"/>
+            </a:schemeClr>
+          </a:solidFill>
+        </p:spPr>
+        <p:txBody>
+          <a:bodyPr wrap="none">
+            <a:spAutoFit/>
+          </a:bodyPr>
+          <a:lstStyle/>
+          <a:p>
+            <a:r>
+              <a:rPr lang="en-US" sz="1800" dirty="0" err="1">
+                <a:highlight>
+                  <a:srgbClr val="00FF00"/>
+                </a:highlight>
+              </a:rPr>
+              <a:t>plot.characters</a:t>
+            </a:r>
+            <a:r>
+              <a:rPr lang="sk-SK" sz="1800" dirty="0">
+                <a:highlight>
+                  <a:srgbClr val="00FF00"/>
+                </a:highlight>
+              </a:rPr>
+              <a:t> + </a:t>
+            </a:r>
+            <a:r>
+              <a:rPr lang="sk-SK" sz="1800" dirty="0" err="1">
+                <a:highlight>
+                  <a:srgbClr val="00FF00"/>
+                </a:highlight>
+              </a:rPr>
+              <a:t>tests</a:t>
+            </a:r>
+            <a:endParaRPr lang="en-US" sz="1800" dirty="0">
+              <a:highlight>
+                <a:srgbClr val="00FF00"/>
+              </a:highlight>
+            </a:endParaRPr>
+          </a:p>
+        </p:txBody>
+      </p:sp>
+      <p:sp>
+        <p:nvSpPr>
+          <p:cNvPr id="25" name="Rectangle 5">
+            <a:extLst>
+              <a:ext uri="{FF2B5EF4-FFF2-40B4-BE49-F238E27FC236}">
+                <a16:creationId xmlns:a16="http://schemas.microsoft.com/office/drawing/2014/main" id="{67236BD9-559D-4261-B595-8D0553FF684E}"/>
+              </a:ext>
+            </a:extLst>
+          </p:cNvPr>
+          <p:cNvSpPr/>
+          <p:nvPr/>
+        </p:nvSpPr>
+        <p:spPr>
+          <a:xfrm>
+            <a:off x="8673302" y="6482577"/>
+            <a:ext cx="2250681" cy="369332"/>
+          </a:xfrm>
+          <a:prstGeom prst="rect">
+            <a:avLst/>
+          </a:prstGeom>
+          <a:solidFill>
+            <a:schemeClr val="accent5">
+              <a:lumMod val="20000"/>
+              <a:lumOff val="80000"/>
+            </a:schemeClr>
+          </a:solidFill>
+        </p:spPr>
+        <p:txBody>
+          <a:bodyPr wrap="none">
+            <a:spAutoFit/>
+          </a:bodyPr>
+          <a:lstStyle/>
+          <a:p>
+            <a:r>
+              <a:rPr lang="en-US" sz="1800" dirty="0" err="1">
+                <a:highlight>
+                  <a:srgbClr val="00FF00"/>
+                </a:highlight>
+              </a:rPr>
+              <a:t>plot.characters</a:t>
+            </a:r>
+            <a:r>
+              <a:rPr lang="sk-SK" sz="1800" dirty="0">
+                <a:highlight>
+                  <a:srgbClr val="00FF00"/>
+                </a:highlight>
+              </a:rPr>
+              <a:t> + </a:t>
+            </a:r>
+            <a:r>
+              <a:rPr lang="sk-SK" sz="1800" dirty="0" err="1">
+                <a:highlight>
+                  <a:srgbClr val="00FF00"/>
+                </a:highlight>
+              </a:rPr>
+              <a:t>tests</a:t>
+            </a:r>
+            <a:endParaRPr lang="en-US" sz="1800" dirty="0">
+              <a:highlight>
+                <a:srgbClr val="00FF00"/>
+              </a:highlight>
+            </a:endParaRPr>
+          </a:p>
+        </p:txBody>
+      </p:sp>
     </p:spTree>
     <p:extLst>
       <p:ext uri="{BB962C8B-B14F-4D97-AF65-F5344CB8AC3E}">

--- a/struktura kniznice.pptx
+++ b/struktura kniznice.pptx
@@ -245,7 +245,7 @@
           <a:p>
             <a:fld id="{1CE7EBEE-9833-4BC3-9BD1-B29620C10F11}" type="datetimeFigureOut">
               <a:rPr lang="en-US" smtClean="0"/>
-              <a:t>4/21/2020</a:t>
+              <a:t>4/22/2020</a:t>
             </a:fld>
             <a:endParaRPr lang="en-US"/>
           </a:p>
@@ -415,7 +415,7 @@
           <a:p>
             <a:fld id="{1CE7EBEE-9833-4BC3-9BD1-B29620C10F11}" type="datetimeFigureOut">
               <a:rPr lang="en-US" smtClean="0"/>
-              <a:t>4/21/2020</a:t>
+              <a:t>4/22/2020</a:t>
             </a:fld>
             <a:endParaRPr lang="en-US"/>
           </a:p>
@@ -595,7 +595,7 @@
           <a:p>
             <a:fld id="{1CE7EBEE-9833-4BC3-9BD1-B29620C10F11}" type="datetimeFigureOut">
               <a:rPr lang="en-US" smtClean="0"/>
-              <a:t>4/21/2020</a:t>
+              <a:t>4/22/2020</a:t>
             </a:fld>
             <a:endParaRPr lang="en-US"/>
           </a:p>
@@ -765,7 +765,7 @@
           <a:p>
             <a:fld id="{1CE7EBEE-9833-4BC3-9BD1-B29620C10F11}" type="datetimeFigureOut">
               <a:rPr lang="en-US" smtClean="0"/>
-              <a:t>4/21/2020</a:t>
+              <a:t>4/22/2020</a:t>
             </a:fld>
             <a:endParaRPr lang="en-US"/>
           </a:p>
@@ -1009,7 +1009,7 @@
           <a:p>
             <a:fld id="{1CE7EBEE-9833-4BC3-9BD1-B29620C10F11}" type="datetimeFigureOut">
               <a:rPr lang="en-US" smtClean="0"/>
-              <a:t>4/21/2020</a:t>
+              <a:t>4/22/2020</a:t>
             </a:fld>
             <a:endParaRPr lang="en-US"/>
           </a:p>
@@ -1241,7 +1241,7 @@
           <a:p>
             <a:fld id="{1CE7EBEE-9833-4BC3-9BD1-B29620C10F11}" type="datetimeFigureOut">
               <a:rPr lang="en-US" smtClean="0"/>
-              <a:t>4/21/2020</a:t>
+              <a:t>4/22/2020</a:t>
             </a:fld>
             <a:endParaRPr lang="en-US"/>
           </a:p>
@@ -1608,7 +1608,7 @@
           <a:p>
             <a:fld id="{1CE7EBEE-9833-4BC3-9BD1-B29620C10F11}" type="datetimeFigureOut">
               <a:rPr lang="en-US" smtClean="0"/>
-              <a:t>4/21/2020</a:t>
+              <a:t>4/22/2020</a:t>
             </a:fld>
             <a:endParaRPr lang="en-US"/>
           </a:p>
@@ -1726,7 +1726,7 @@
           <a:p>
             <a:fld id="{1CE7EBEE-9833-4BC3-9BD1-B29620C10F11}" type="datetimeFigureOut">
               <a:rPr lang="en-US" smtClean="0"/>
-              <a:t>4/21/2020</a:t>
+              <a:t>4/22/2020</a:t>
             </a:fld>
             <a:endParaRPr lang="en-US"/>
           </a:p>
@@ -1821,7 +1821,7 @@
           <a:p>
             <a:fld id="{1CE7EBEE-9833-4BC3-9BD1-B29620C10F11}" type="datetimeFigureOut">
               <a:rPr lang="en-US" smtClean="0"/>
-              <a:t>4/21/2020</a:t>
+              <a:t>4/22/2020</a:t>
             </a:fld>
             <a:endParaRPr lang="en-US"/>
           </a:p>
@@ -2098,7 +2098,7 @@
           <a:p>
             <a:fld id="{1CE7EBEE-9833-4BC3-9BD1-B29620C10F11}" type="datetimeFigureOut">
               <a:rPr lang="en-US" smtClean="0"/>
-              <a:t>4/21/2020</a:t>
+              <a:t>4/22/2020</a:t>
             </a:fld>
             <a:endParaRPr lang="en-US"/>
           </a:p>
@@ -2355,7 +2355,7 @@
           <a:p>
             <a:fld id="{1CE7EBEE-9833-4BC3-9BD1-B29620C10F11}" type="datetimeFigureOut">
               <a:rPr lang="en-US" smtClean="0"/>
-              <a:t>4/21/2020</a:t>
+              <a:t>4/22/2020</a:t>
             </a:fld>
             <a:endParaRPr lang="en-US"/>
           </a:p>
@@ -2568,7 +2568,7 @@
           <a:p>
             <a:fld id="{1CE7EBEE-9833-4BC3-9BD1-B29620C10F11}" type="datetimeFigureOut">
               <a:rPr lang="en-US" smtClean="0"/>
-              <a:t>4/21/2020</a:t>
+              <a:t>4/22/2020</a:t>
             </a:fld>
             <a:endParaRPr lang="en-US"/>
           </a:p>
@@ -6959,12 +6959,527 @@
           </a:fontRef>
         </p:style>
       </p:cxnSp>
+      <p:sp>
+        <p:nvSpPr>
+          <p:cNvPr id="23" name="Rectangle 5">
+            <a:extLst>
+              <a:ext uri="{FF2B5EF4-FFF2-40B4-BE49-F238E27FC236}">
+                <a16:creationId xmlns:a16="http://schemas.microsoft.com/office/drawing/2014/main" id="{F086C626-BEC0-48BD-8BA0-F4B431321EF5}"/>
+              </a:ext>
+            </a:extLst>
+          </p:cNvPr>
+          <p:cNvSpPr/>
+          <p:nvPr/>
+        </p:nvSpPr>
+        <p:spPr>
+          <a:xfrm>
+            <a:off x="8673302" y="372010"/>
+            <a:ext cx="2250681" cy="369332"/>
+          </a:xfrm>
+          <a:prstGeom prst="rect">
+            <a:avLst/>
+          </a:prstGeom>
+          <a:solidFill>
+            <a:schemeClr val="accent5">
+              <a:lumMod val="20000"/>
+              <a:lumOff val="80000"/>
+            </a:schemeClr>
+          </a:solidFill>
+        </p:spPr>
+        <p:txBody>
+          <a:bodyPr wrap="none">
+            <a:spAutoFit/>
+          </a:bodyPr>
+          <a:lstStyle/>
+          <a:p>
+            <a:r>
+              <a:rPr lang="en-US" sz="1800" dirty="0" err="1">
+                <a:highlight>
+                  <a:srgbClr val="00FF00"/>
+                </a:highlight>
+              </a:rPr>
+              <a:t>plot.characters</a:t>
+            </a:r>
+            <a:r>
+              <a:rPr lang="sk-SK" sz="1800" dirty="0">
+                <a:highlight>
+                  <a:srgbClr val="00FF00"/>
+                </a:highlight>
+              </a:rPr>
+              <a:t> + </a:t>
+            </a:r>
+            <a:r>
+              <a:rPr lang="sk-SK" sz="1800" dirty="0" err="1">
+                <a:highlight>
+                  <a:srgbClr val="00FF00"/>
+                </a:highlight>
+              </a:rPr>
+              <a:t>tests</a:t>
+            </a:r>
+            <a:endParaRPr lang="en-US" sz="1800" dirty="0">
+              <a:highlight>
+                <a:srgbClr val="00FF00"/>
+              </a:highlight>
+            </a:endParaRPr>
+          </a:p>
+        </p:txBody>
+      </p:sp>
+      <p:sp>
+        <p:nvSpPr>
+          <p:cNvPr id="25" name="Rectangle 5">
+            <a:extLst>
+              <a:ext uri="{FF2B5EF4-FFF2-40B4-BE49-F238E27FC236}">
+                <a16:creationId xmlns:a16="http://schemas.microsoft.com/office/drawing/2014/main" id="{67236BD9-559D-4261-B595-8D0553FF684E}"/>
+              </a:ext>
+            </a:extLst>
+          </p:cNvPr>
+          <p:cNvSpPr/>
+          <p:nvPr/>
+        </p:nvSpPr>
+        <p:spPr>
+          <a:xfrm>
+            <a:off x="8673302" y="6482577"/>
+            <a:ext cx="2250681" cy="369332"/>
+          </a:xfrm>
+          <a:prstGeom prst="rect">
+            <a:avLst/>
+          </a:prstGeom>
+          <a:solidFill>
+            <a:schemeClr val="accent5">
+              <a:lumMod val="20000"/>
+              <a:lumOff val="80000"/>
+            </a:schemeClr>
+          </a:solidFill>
+        </p:spPr>
+        <p:txBody>
+          <a:bodyPr wrap="none">
+            <a:spAutoFit/>
+          </a:bodyPr>
+          <a:lstStyle/>
+          <a:p>
+            <a:r>
+              <a:rPr lang="en-US" sz="1800" dirty="0" err="1">
+                <a:highlight>
+                  <a:srgbClr val="00FF00"/>
+                </a:highlight>
+              </a:rPr>
+              <a:t>plot.characters</a:t>
+            </a:r>
+            <a:r>
+              <a:rPr lang="sk-SK" sz="1800" dirty="0">
+                <a:highlight>
+                  <a:srgbClr val="00FF00"/>
+                </a:highlight>
+              </a:rPr>
+              <a:t> + </a:t>
+            </a:r>
+            <a:r>
+              <a:rPr lang="sk-SK" sz="1800" dirty="0" err="1">
+                <a:highlight>
+                  <a:srgbClr val="00FF00"/>
+                </a:highlight>
+              </a:rPr>
+              <a:t>tests</a:t>
+            </a:r>
+            <a:endParaRPr lang="en-US" sz="1800" dirty="0">
+              <a:highlight>
+                <a:srgbClr val="00FF00"/>
+              </a:highlight>
+            </a:endParaRPr>
+          </a:p>
+        </p:txBody>
+      </p:sp>
+      <p:sp>
+        <p:nvSpPr>
+          <p:cNvPr id="26" name="Obdĺžnik 25">
+            <a:extLst>
+              <a:ext uri="{FF2B5EF4-FFF2-40B4-BE49-F238E27FC236}">
+                <a16:creationId xmlns:a16="http://schemas.microsoft.com/office/drawing/2014/main" id="{1DF4781B-A66F-4B6A-9EBA-822881DD904A}"/>
+              </a:ext>
+            </a:extLst>
+          </p:cNvPr>
+          <p:cNvSpPr/>
+          <p:nvPr/>
+        </p:nvSpPr>
+        <p:spPr>
+          <a:xfrm>
+            <a:off x="4830500" y="9462974"/>
+            <a:ext cx="3598677" cy="400110"/>
+          </a:xfrm>
+          <a:prstGeom prst="rect">
+            <a:avLst/>
+          </a:prstGeom>
+        </p:spPr>
+        <p:txBody>
+          <a:bodyPr wrap="none">
+            <a:spAutoFit/>
+          </a:bodyPr>
+          <a:lstStyle/>
+          <a:p>
+            <a:r>
+              <a:rPr lang="en-GB" sz="2000" dirty="0" err="1">
+                <a:highlight>
+                  <a:srgbClr val="00FF00"/>
+                </a:highlight>
+              </a:rPr>
+              <a:t>plot.addLabels</a:t>
+            </a:r>
+            <a:r>
+              <a:rPr lang="en-GB" sz="2000" dirty="0">
+                <a:highlight>
+                  <a:srgbClr val="00FF00"/>
+                </a:highlight>
+              </a:rPr>
+              <a:t>.</a:t>
+            </a:r>
+            <a:r>
+              <a:rPr lang="sk-SK" sz="2000" dirty="0" err="1">
+                <a:highlight>
+                  <a:srgbClr val="00FF00"/>
+                </a:highlight>
+              </a:rPr>
+              <a:t>characters</a:t>
+            </a:r>
+            <a:r>
+              <a:rPr lang="sk-SK" sz="2000" dirty="0">
+                <a:highlight>
+                  <a:srgbClr val="00FF00"/>
+                </a:highlight>
+              </a:rPr>
+              <a:t> </a:t>
+            </a:r>
+            <a:r>
+              <a:rPr lang="sk-SK" sz="2000" dirty="0">
+                <a:highlight>
+                  <a:srgbClr val="FF0000"/>
+                </a:highlight>
+              </a:rPr>
+              <a:t>+ </a:t>
+            </a:r>
+            <a:r>
+              <a:rPr lang="sk-SK" sz="2000" dirty="0" err="1">
+                <a:highlight>
+                  <a:srgbClr val="FF0000"/>
+                </a:highlight>
+              </a:rPr>
+              <a:t>tests</a:t>
+            </a:r>
+            <a:endParaRPr lang="en-GB" sz="2000" dirty="0">
+              <a:highlight>
+                <a:srgbClr val="FF0000"/>
+              </a:highlight>
+            </a:endParaRPr>
+          </a:p>
+        </p:txBody>
+      </p:sp>
+      <p:sp>
+        <p:nvSpPr>
+          <p:cNvPr id="27" name="Obdĺžnik 26">
+            <a:extLst>
+              <a:ext uri="{FF2B5EF4-FFF2-40B4-BE49-F238E27FC236}">
+                <a16:creationId xmlns:a16="http://schemas.microsoft.com/office/drawing/2014/main" id="{390FDF3E-5F64-4629-B75D-70ADBC383733}"/>
+              </a:ext>
+            </a:extLst>
+          </p:cNvPr>
+          <p:cNvSpPr/>
+          <p:nvPr/>
+        </p:nvSpPr>
+        <p:spPr>
+          <a:xfrm>
+            <a:off x="4806329" y="3609330"/>
+            <a:ext cx="3598677" cy="400110"/>
+          </a:xfrm>
+          <a:prstGeom prst="rect">
+            <a:avLst/>
+          </a:prstGeom>
+        </p:spPr>
+        <p:txBody>
+          <a:bodyPr wrap="none">
+            <a:spAutoFit/>
+          </a:bodyPr>
+          <a:lstStyle/>
+          <a:p>
+            <a:r>
+              <a:rPr lang="en-GB" sz="2000" dirty="0" err="1">
+                <a:highlight>
+                  <a:srgbClr val="00FF00"/>
+                </a:highlight>
+              </a:rPr>
+              <a:t>plot.addLabels</a:t>
+            </a:r>
+            <a:r>
+              <a:rPr lang="en-GB" sz="2000" dirty="0">
+                <a:highlight>
+                  <a:srgbClr val="00FF00"/>
+                </a:highlight>
+              </a:rPr>
+              <a:t>.</a:t>
+            </a:r>
+            <a:r>
+              <a:rPr lang="sk-SK" sz="2000" dirty="0" err="1">
+                <a:highlight>
+                  <a:srgbClr val="00FF00"/>
+                </a:highlight>
+              </a:rPr>
+              <a:t>characters</a:t>
+            </a:r>
+            <a:r>
+              <a:rPr lang="sk-SK" sz="2000" dirty="0">
+                <a:highlight>
+                  <a:srgbClr val="00FF00"/>
+                </a:highlight>
+              </a:rPr>
+              <a:t> </a:t>
+            </a:r>
+            <a:r>
+              <a:rPr lang="sk-SK" sz="2000" dirty="0">
+                <a:highlight>
+                  <a:srgbClr val="FF0000"/>
+                </a:highlight>
+              </a:rPr>
+              <a:t>+ </a:t>
+            </a:r>
+            <a:r>
+              <a:rPr lang="sk-SK" sz="2000" dirty="0" err="1">
+                <a:highlight>
+                  <a:srgbClr val="FF0000"/>
+                </a:highlight>
+              </a:rPr>
+              <a:t>tests</a:t>
+            </a:r>
+            <a:endParaRPr lang="en-GB" sz="2000" dirty="0">
+              <a:highlight>
+                <a:srgbClr val="FF0000"/>
+              </a:highlight>
+            </a:endParaRPr>
+          </a:p>
+        </p:txBody>
+      </p:sp>
+      <p:sp>
+        <p:nvSpPr>
+          <p:cNvPr id="30" name="Obdĺžnik 29">
+            <a:extLst>
+              <a:ext uri="{FF2B5EF4-FFF2-40B4-BE49-F238E27FC236}">
+                <a16:creationId xmlns:a16="http://schemas.microsoft.com/office/drawing/2014/main" id="{F6ACFC48-86DF-4D3A-A5E7-7C8BFE41FFF0}"/>
+              </a:ext>
+            </a:extLst>
+          </p:cNvPr>
+          <p:cNvSpPr/>
+          <p:nvPr/>
+        </p:nvSpPr>
+        <p:spPr>
+          <a:xfrm>
+            <a:off x="6711649" y="6201786"/>
+            <a:ext cx="898323" cy="400110"/>
+          </a:xfrm>
+          <a:prstGeom prst="rect">
+            <a:avLst/>
+          </a:prstGeom>
+        </p:spPr>
+        <p:txBody>
+          <a:bodyPr wrap="none">
+            <a:spAutoFit/>
+          </a:bodyPr>
+          <a:lstStyle/>
+          <a:p>
+            <a:r>
+              <a:rPr lang="sk-SK" sz="2000" dirty="0" err="1">
+                <a:highlight>
+                  <a:srgbClr val="00FFFF"/>
+                </a:highlight>
+              </a:rPr>
+              <a:t>scatter</a:t>
+            </a:r>
+            <a:endParaRPr lang="en-GB" sz="2000" dirty="0">
+              <a:highlight>
+                <a:srgbClr val="00FFFF"/>
+              </a:highlight>
+            </a:endParaRPr>
+          </a:p>
+        </p:txBody>
+      </p:sp>
+      <p:sp>
+        <p:nvSpPr>
+          <p:cNvPr id="31" name="Obdĺžnik 30">
+            <a:extLst>
+              <a:ext uri="{FF2B5EF4-FFF2-40B4-BE49-F238E27FC236}">
+                <a16:creationId xmlns:a16="http://schemas.microsoft.com/office/drawing/2014/main" id="{F4D9CCAC-1A43-46BE-B6BD-72B917456873}"/>
+              </a:ext>
+            </a:extLst>
+          </p:cNvPr>
+          <p:cNvSpPr/>
+          <p:nvPr/>
+        </p:nvSpPr>
+        <p:spPr>
+          <a:xfrm>
+            <a:off x="6825415" y="6597432"/>
+            <a:ext cx="563296" cy="400110"/>
+          </a:xfrm>
+          <a:prstGeom prst="rect">
+            <a:avLst/>
+          </a:prstGeom>
+        </p:spPr>
+        <p:txBody>
+          <a:bodyPr wrap="none">
+            <a:spAutoFit/>
+          </a:bodyPr>
+          <a:lstStyle/>
+          <a:p>
+            <a:r>
+              <a:rPr lang="sk-SK" sz="2000" dirty="0" err="1">
+                <a:highlight>
+                  <a:srgbClr val="00FFFF"/>
+                </a:highlight>
+              </a:rPr>
+              <a:t>hist</a:t>
+            </a:r>
+            <a:endParaRPr lang="en-GB" sz="2000" dirty="0">
+              <a:highlight>
+                <a:srgbClr val="00FFFF"/>
+              </a:highlight>
+            </a:endParaRPr>
+          </a:p>
+        </p:txBody>
+      </p:sp>
+      <p:sp>
+        <p:nvSpPr>
+          <p:cNvPr id="32" name="Obdĺžnik 31">
+            <a:extLst>
+              <a:ext uri="{FF2B5EF4-FFF2-40B4-BE49-F238E27FC236}">
+                <a16:creationId xmlns:a16="http://schemas.microsoft.com/office/drawing/2014/main" id="{47F0F4EB-E47E-4C87-9D48-DA1A0986A17E}"/>
+              </a:ext>
+            </a:extLst>
+          </p:cNvPr>
+          <p:cNvSpPr/>
+          <p:nvPr/>
+        </p:nvSpPr>
+        <p:spPr>
+          <a:xfrm>
+            <a:off x="11036170" y="6282522"/>
+            <a:ext cx="898323" cy="400110"/>
+          </a:xfrm>
+          <a:prstGeom prst="rect">
+            <a:avLst/>
+          </a:prstGeom>
+        </p:spPr>
+        <p:txBody>
+          <a:bodyPr wrap="none">
+            <a:spAutoFit/>
+          </a:bodyPr>
+          <a:lstStyle/>
+          <a:p>
+            <a:r>
+              <a:rPr lang="sk-SK" sz="2000" dirty="0" err="1">
+                <a:highlight>
+                  <a:srgbClr val="00FFFF"/>
+                </a:highlight>
+              </a:rPr>
+              <a:t>scatter</a:t>
+            </a:r>
+            <a:endParaRPr lang="en-GB" sz="2000" dirty="0">
+              <a:highlight>
+                <a:srgbClr val="00FFFF"/>
+              </a:highlight>
+            </a:endParaRPr>
+          </a:p>
+        </p:txBody>
+      </p:sp>
+      <p:sp>
+        <p:nvSpPr>
+          <p:cNvPr id="33" name="Obdĺžnik 32">
+            <a:extLst>
+              <a:ext uri="{FF2B5EF4-FFF2-40B4-BE49-F238E27FC236}">
+                <a16:creationId xmlns:a16="http://schemas.microsoft.com/office/drawing/2014/main" id="{EC69652C-48F1-4EE1-AA07-2814CA4CC8D5}"/>
+              </a:ext>
+            </a:extLst>
+          </p:cNvPr>
+          <p:cNvSpPr/>
+          <p:nvPr/>
+        </p:nvSpPr>
+        <p:spPr>
+          <a:xfrm>
+            <a:off x="11203683" y="6651854"/>
+            <a:ext cx="563296" cy="400110"/>
+          </a:xfrm>
+          <a:prstGeom prst="rect">
+            <a:avLst/>
+          </a:prstGeom>
+        </p:spPr>
+        <p:txBody>
+          <a:bodyPr wrap="none">
+            <a:spAutoFit/>
+          </a:bodyPr>
+          <a:lstStyle/>
+          <a:p>
+            <a:r>
+              <a:rPr lang="sk-SK" sz="2000" dirty="0" err="1">
+                <a:highlight>
+                  <a:srgbClr val="00FFFF"/>
+                </a:highlight>
+              </a:rPr>
+              <a:t>hist</a:t>
+            </a:r>
+            <a:endParaRPr lang="en-GB" sz="2000" dirty="0">
+              <a:highlight>
+                <a:srgbClr val="00FFFF"/>
+              </a:highlight>
+            </a:endParaRPr>
+          </a:p>
+        </p:txBody>
+      </p:sp>
+      <p:sp>
+        <p:nvSpPr>
+          <p:cNvPr id="34" name="Obdĺžnik 33">
+            <a:extLst>
+              <a:ext uri="{FF2B5EF4-FFF2-40B4-BE49-F238E27FC236}">
+                <a16:creationId xmlns:a16="http://schemas.microsoft.com/office/drawing/2014/main" id="{BCF63837-C4C9-492D-B834-E9D73B2CF78C}"/>
+              </a:ext>
+            </a:extLst>
+          </p:cNvPr>
+          <p:cNvSpPr/>
+          <p:nvPr/>
+        </p:nvSpPr>
+        <p:spPr>
+          <a:xfrm>
+            <a:off x="882267" y="12114076"/>
+            <a:ext cx="1463862" cy="515847"/>
+          </a:xfrm>
+          <a:prstGeom prst="rect">
+            <a:avLst/>
+          </a:prstGeom>
+        </p:spPr>
+        <p:txBody>
+          <a:bodyPr wrap="none">
+            <a:spAutoFit/>
+          </a:bodyPr>
+          <a:lstStyle/>
+          <a:p>
+            <a:r>
+              <a:rPr lang="sk-SK" dirty="0">
+                <a:solidFill>
+                  <a:srgbClr val="24292E"/>
+                </a:solidFill>
+                <a:highlight>
+                  <a:srgbClr val="FF0000"/>
+                </a:highlight>
+                <a:latin typeface="SFMono-Regular"/>
+              </a:rPr>
+              <a:t>RANGE 1</a:t>
+            </a:r>
+            <a:endParaRPr lang="en-GB" dirty="0">
+              <a:highlight>
+                <a:srgbClr val="FF0000"/>
+              </a:highlight>
+            </a:endParaRPr>
+          </a:p>
+        </p:txBody>
+      </p:sp>
       <p:cxnSp>
         <p:nvCxnSpPr>
-          <p:cNvPr id="24" name="Rovná spojnica 23">
+          <p:cNvPr id="35" name="Rovná spojnica 34">
             <a:extLst>
               <a:ext uri="{FF2B5EF4-FFF2-40B4-BE49-F238E27FC236}">
-                <a16:creationId xmlns:a16="http://schemas.microsoft.com/office/drawing/2014/main" id="{6ACCC2D8-42BF-42D3-B995-193BC0D5C277}"/>
+                <a16:creationId xmlns:a16="http://schemas.microsoft.com/office/drawing/2014/main" id="{B29B9112-0901-4D08-98A3-816EBDAC0A1D}"/>
               </a:ext>
             </a:extLst>
           </p:cNvPr>
@@ -6975,8 +7490,8 @@
         </p:nvCxnSpPr>
         <p:spPr>
           <a:xfrm flipH="1" flipV="1">
-            <a:off x="11040191" y="11015505"/>
-            <a:ext cx="2828209" cy="2336209"/>
+            <a:off x="11104647" y="11221448"/>
+            <a:ext cx="2528420" cy="2130266"/>
           </a:xfrm>
           <a:prstGeom prst="line">
             <a:avLst/>
@@ -7002,136 +7517,49 @@
           </a:fontRef>
         </p:style>
       </p:cxnSp>
-      <p:sp>
-        <p:nvSpPr>
-          <p:cNvPr id="23" name="Rectangle 5">
+      <p:cxnSp>
+        <p:nvCxnSpPr>
+          <p:cNvPr id="43" name="Rovná spojnica 42">
             <a:extLst>
               <a:ext uri="{FF2B5EF4-FFF2-40B4-BE49-F238E27FC236}">
-                <a16:creationId xmlns:a16="http://schemas.microsoft.com/office/drawing/2014/main" id="{F086C626-BEC0-48BD-8BA0-F4B431321EF5}"/>
+                <a16:creationId xmlns:a16="http://schemas.microsoft.com/office/drawing/2014/main" id="{FA387F07-895B-4751-8BE5-660A4C6EB91E}"/>
               </a:ext>
             </a:extLst>
           </p:cNvPr>
-          <p:cNvSpPr/>
-          <p:nvPr/>
-        </p:nvSpPr>
-        <p:spPr>
-          <a:xfrm>
-            <a:off x="8673302" y="372010"/>
-            <a:ext cx="2250681" cy="369332"/>
-          </a:xfrm>
-          <a:prstGeom prst="rect">
-            <a:avLst/>
-          </a:prstGeom>
-          <a:solidFill>
-            <a:schemeClr val="accent5">
-              <a:lumMod val="20000"/>
-              <a:lumOff val="80000"/>
-            </a:schemeClr>
-          </a:solidFill>
-        </p:spPr>
-        <p:txBody>
-          <a:bodyPr wrap="none">
-            <a:spAutoFit/>
-          </a:bodyPr>
-          <a:lstStyle/>
-          <a:p>
-            <a:r>
-              <a:rPr lang="en-US" sz="1800" dirty="0" err="1">
-                <a:highlight>
-                  <a:srgbClr val="00FF00"/>
-                </a:highlight>
-              </a:rPr>
-              <a:t>plot.characters</a:t>
-            </a:r>
-            <a:r>
-              <a:rPr lang="sk-SK" sz="1800" dirty="0">
-                <a:highlight>
-                  <a:srgbClr val="00FF00"/>
-                </a:highlight>
-              </a:rPr>
-              <a:t> + </a:t>
-            </a:r>
-            <a:r>
-              <a:rPr lang="sk-SK" sz="1800" dirty="0" err="1">
-                <a:highlight>
-                  <a:srgbClr val="00FF00"/>
-                </a:highlight>
-              </a:rPr>
-              <a:t>tests</a:t>
-            </a:r>
-            <a:endParaRPr lang="en-US" sz="1800" dirty="0">
-              <a:highlight>
-                <a:srgbClr val="00FF00"/>
-              </a:highlight>
-            </a:endParaRPr>
-          </a:p>
-        </p:txBody>
-      </p:sp>
-      <p:sp>
-        <p:nvSpPr>
-          <p:cNvPr id="25" name="Rectangle 5">
-            <a:extLst>
-              <a:ext uri="{FF2B5EF4-FFF2-40B4-BE49-F238E27FC236}">
-                <a16:creationId xmlns:a16="http://schemas.microsoft.com/office/drawing/2014/main" id="{67236BD9-559D-4261-B595-8D0553FF684E}"/>
-              </a:ext>
-            </a:extLst>
-          </p:cNvPr>
-          <p:cNvSpPr/>
-          <p:nvPr/>
-        </p:nvSpPr>
-        <p:spPr>
-          <a:xfrm>
-            <a:off x="8673302" y="6482577"/>
-            <a:ext cx="2250681" cy="369332"/>
-          </a:xfrm>
-          <a:prstGeom prst="rect">
-            <a:avLst/>
-          </a:prstGeom>
-          <a:solidFill>
-            <a:schemeClr val="accent5">
-              <a:lumMod val="20000"/>
-              <a:lumOff val="80000"/>
-            </a:schemeClr>
-          </a:solidFill>
-        </p:spPr>
-        <p:txBody>
-          <a:bodyPr wrap="none">
-            <a:spAutoFit/>
-          </a:bodyPr>
-          <a:lstStyle/>
-          <a:p>
-            <a:r>
-              <a:rPr lang="en-US" sz="1800" dirty="0" err="1">
-                <a:highlight>
-                  <a:srgbClr val="00FF00"/>
-                </a:highlight>
-              </a:rPr>
-              <a:t>plot.characters</a:t>
-            </a:r>
-            <a:r>
-              <a:rPr lang="sk-SK" sz="1800" dirty="0">
-                <a:highlight>
-                  <a:srgbClr val="00FF00"/>
-                </a:highlight>
-              </a:rPr>
-              <a:t> + </a:t>
-            </a:r>
-            <a:r>
-              <a:rPr lang="sk-SK" sz="1800" dirty="0" err="1">
-                <a:highlight>
-                  <a:srgbClr val="00FF00"/>
-                </a:highlight>
-              </a:rPr>
-              <a:t>tests</a:t>
-            </a:r>
-            <a:endParaRPr lang="en-US" sz="1800" dirty="0">
-              <a:highlight>
-                <a:srgbClr val="00FF00"/>
-              </a:highlight>
-            </a:endParaRPr>
-          </a:p>
-        </p:txBody>
-      </p:sp>
+          <p:cNvCxnSpPr>
+            <a:cxnSpLocks/>
+          </p:cNvCxnSpPr>
+          <p:nvPr/>
+        </p:nvCxnSpPr>
+        <p:spPr>
+          <a:xfrm flipV="1">
+            <a:off x="903947" y="9807150"/>
+            <a:ext cx="4284741" cy="1936107"/>
+          </a:xfrm>
+          <a:prstGeom prst="line">
+            <a:avLst/>
+          </a:prstGeom>
+          <a:ln w="76200">
+            <a:solidFill>
+              <a:schemeClr val="tx1"/>
+            </a:solidFill>
+          </a:ln>
+        </p:spPr>
+        <p:style>
+          <a:lnRef idx="1">
+            <a:schemeClr val="accent1"/>
+          </a:lnRef>
+          <a:fillRef idx="0">
+            <a:schemeClr val="accent1"/>
+          </a:fillRef>
+          <a:effectRef idx="0">
+            <a:schemeClr val="accent1"/>
+          </a:effectRef>
+          <a:fontRef idx="minor">
+            <a:schemeClr val="tx1"/>
+          </a:fontRef>
+        </p:style>
+      </p:cxnSp>
     </p:spTree>
     <p:extLst>
       <p:ext uri="{BB962C8B-B14F-4D97-AF65-F5344CB8AC3E}">

--- a/struktura kniznice.pptx
+++ b/struktura kniznice.pptx
@@ -7146,27 +7146,19 @@
                   <a:srgbClr val="00FF00"/>
                 </a:highlight>
               </a:rPr>
-              <a:t> </a:t>
-            </a:r>
-            <a:r>
-              <a:rPr lang="sk-SK" sz="2000" dirty="0">
-                <a:highlight>
-                  <a:srgbClr val="FF0000"/>
-                </a:highlight>
-              </a:rPr>
-              <a:t>+ </a:t>
+              <a:t> + </a:t>
             </a:r>
             <a:r>
               <a:rPr lang="sk-SK" sz="2000" dirty="0" err="1">
                 <a:highlight>
-                  <a:srgbClr val="FF0000"/>
+                  <a:srgbClr val="00FF00"/>
                 </a:highlight>
               </a:rPr>
               <a:t>tests</a:t>
             </a:r>
             <a:endParaRPr lang="en-GB" sz="2000" dirty="0">
               <a:highlight>
-                <a:srgbClr val="FF0000"/>
+                <a:srgbClr val="00FF00"/>
               </a:highlight>
             </a:endParaRPr>
           </a:p>
@@ -7229,27 +7221,19 @@
                   <a:srgbClr val="00FF00"/>
                 </a:highlight>
               </a:rPr>
-              <a:t> </a:t>
-            </a:r>
-            <a:r>
-              <a:rPr lang="sk-SK" sz="2000" dirty="0">
-                <a:highlight>
-                  <a:srgbClr val="FF0000"/>
-                </a:highlight>
-              </a:rPr>
-              <a:t>+ </a:t>
+              <a:t> + </a:t>
             </a:r>
             <a:r>
               <a:rPr lang="sk-SK" sz="2000" dirty="0" err="1">
                 <a:highlight>
-                  <a:srgbClr val="FF0000"/>
+                  <a:srgbClr val="00FF00"/>
                 </a:highlight>
               </a:rPr>
               <a:t>tests</a:t>
             </a:r>
             <a:endParaRPr lang="en-GB" sz="2000" dirty="0">
               <a:highlight>
-                <a:srgbClr val="FF0000"/>
+                <a:srgbClr val="00FF00"/>
               </a:highlight>
             </a:endParaRPr>
           </a:p>
@@ -7269,7 +7253,7 @@
         </p:nvSpPr>
         <p:spPr>
           <a:xfrm>
-            <a:off x="6711649" y="6201786"/>
+            <a:off x="7852686" y="170494"/>
             <a:ext cx="898323" cy="400110"/>
           </a:xfrm>
           <a:prstGeom prst="rect">
@@ -7312,7 +7296,7 @@
         </p:nvSpPr>
         <p:spPr>
           <a:xfrm>
-            <a:off x="6825415" y="6597432"/>
+            <a:off x="7966452" y="566140"/>
             <a:ext cx="563296" cy="400110"/>
           </a:xfrm>
           <a:prstGeom prst="rect">
@@ -7355,7 +7339,7 @@
         </p:nvSpPr>
         <p:spPr>
           <a:xfrm>
-            <a:off x="11036170" y="6282522"/>
+            <a:off x="12177207" y="251230"/>
             <a:ext cx="898323" cy="400110"/>
           </a:xfrm>
           <a:prstGeom prst="rect">
@@ -7398,7 +7382,7 @@
         </p:nvSpPr>
         <p:spPr>
           <a:xfrm>
-            <a:off x="11203683" y="6651854"/>
+            <a:off x="12344720" y="620562"/>
             <a:ext cx="563296" cy="400110"/>
           </a:xfrm>
           <a:prstGeom prst="rect">
@@ -7422,53 +7406,6 @@
             <a:endParaRPr lang="en-GB" sz="2000" dirty="0">
               <a:highlight>
                 <a:srgbClr val="00FFFF"/>
-              </a:highlight>
-            </a:endParaRPr>
-          </a:p>
-        </p:txBody>
-      </p:sp>
-      <p:sp>
-        <p:nvSpPr>
-          <p:cNvPr id="34" name="Obdĺžnik 33">
-            <a:extLst>
-              <a:ext uri="{FF2B5EF4-FFF2-40B4-BE49-F238E27FC236}">
-                <a16:creationId xmlns:a16="http://schemas.microsoft.com/office/drawing/2014/main" id="{BCF63837-C4C9-492D-B834-E9D73B2CF78C}"/>
-              </a:ext>
-            </a:extLst>
-          </p:cNvPr>
-          <p:cNvSpPr/>
-          <p:nvPr/>
-        </p:nvSpPr>
-        <p:spPr>
-          <a:xfrm>
-            <a:off x="882267" y="12114076"/>
-            <a:ext cx="1463862" cy="515847"/>
-          </a:xfrm>
-          <a:prstGeom prst="rect">
-            <a:avLst/>
-          </a:prstGeom>
-        </p:spPr>
-        <p:txBody>
-          <a:bodyPr wrap="none">
-            <a:spAutoFit/>
-          </a:bodyPr>
-          <a:lstStyle/>
-          <a:p>
-            <a:r>
-              <a:rPr lang="sk-SK" dirty="0">
-                <a:solidFill>
-                  <a:srgbClr val="24292E"/>
-                </a:solidFill>
-                <a:highlight>
-                  <a:srgbClr val="FF0000"/>
-                </a:highlight>
-                <a:latin typeface="SFMono-Regular"/>
-              </a:rPr>
-              <a:t>RANGE 1</a:t>
-            </a:r>
-            <a:endParaRPr lang="en-GB" dirty="0">
-              <a:highlight>
-                <a:srgbClr val="FF0000"/>
               </a:highlight>
             </a:endParaRPr>
           </a:p>
@@ -7492,49 +7429,6 @@
           <a:xfrm flipH="1" flipV="1">
             <a:off x="11104647" y="11221448"/>
             <a:ext cx="2528420" cy="2130266"/>
-          </a:xfrm>
-          <a:prstGeom prst="line">
-            <a:avLst/>
-          </a:prstGeom>
-          <a:ln w="76200">
-            <a:solidFill>
-              <a:schemeClr val="tx1"/>
-            </a:solidFill>
-          </a:ln>
-        </p:spPr>
-        <p:style>
-          <a:lnRef idx="1">
-            <a:schemeClr val="accent1"/>
-          </a:lnRef>
-          <a:fillRef idx="0">
-            <a:schemeClr val="accent1"/>
-          </a:fillRef>
-          <a:effectRef idx="0">
-            <a:schemeClr val="accent1"/>
-          </a:effectRef>
-          <a:fontRef idx="minor">
-            <a:schemeClr val="tx1"/>
-          </a:fontRef>
-        </p:style>
-      </p:cxnSp>
-      <p:cxnSp>
-        <p:nvCxnSpPr>
-          <p:cNvPr id="43" name="Rovná spojnica 42">
-            <a:extLst>
-              <a:ext uri="{FF2B5EF4-FFF2-40B4-BE49-F238E27FC236}">
-                <a16:creationId xmlns:a16="http://schemas.microsoft.com/office/drawing/2014/main" id="{FA387F07-895B-4751-8BE5-660A4C6EB91E}"/>
-              </a:ext>
-            </a:extLst>
-          </p:cNvPr>
-          <p:cNvCxnSpPr>
-            <a:cxnSpLocks/>
-          </p:cNvCxnSpPr>
-          <p:nvPr/>
-        </p:nvCxnSpPr>
-        <p:spPr>
-          <a:xfrm flipV="1">
-            <a:off x="903947" y="9807150"/>
-            <a:ext cx="4284741" cy="1936107"/>
           </a:xfrm>
           <a:prstGeom prst="line">
             <a:avLst/>

--- a/struktura kniznice.pptx
+++ b/struktura kniznice.pptx
@@ -245,7 +245,7 @@
           <a:p>
             <a:fld id="{1CE7EBEE-9833-4BC3-9BD1-B29620C10F11}" type="datetimeFigureOut">
               <a:rPr lang="en-US" smtClean="0"/>
-              <a:t>4/22/2020</a:t>
+              <a:t>4/23/2020</a:t>
             </a:fld>
             <a:endParaRPr lang="en-US"/>
           </a:p>
@@ -415,7 +415,7 @@
           <a:p>
             <a:fld id="{1CE7EBEE-9833-4BC3-9BD1-B29620C10F11}" type="datetimeFigureOut">
               <a:rPr lang="en-US" smtClean="0"/>
-              <a:t>4/22/2020</a:t>
+              <a:t>4/23/2020</a:t>
             </a:fld>
             <a:endParaRPr lang="en-US"/>
           </a:p>
@@ -595,7 +595,7 @@
           <a:p>
             <a:fld id="{1CE7EBEE-9833-4BC3-9BD1-B29620C10F11}" type="datetimeFigureOut">
               <a:rPr lang="en-US" smtClean="0"/>
-              <a:t>4/22/2020</a:t>
+              <a:t>4/23/2020</a:t>
             </a:fld>
             <a:endParaRPr lang="en-US"/>
           </a:p>
@@ -765,7 +765,7 @@
           <a:p>
             <a:fld id="{1CE7EBEE-9833-4BC3-9BD1-B29620C10F11}" type="datetimeFigureOut">
               <a:rPr lang="en-US" smtClean="0"/>
-              <a:t>4/22/2020</a:t>
+              <a:t>4/23/2020</a:t>
             </a:fld>
             <a:endParaRPr lang="en-US"/>
           </a:p>
@@ -1009,7 +1009,7 @@
           <a:p>
             <a:fld id="{1CE7EBEE-9833-4BC3-9BD1-B29620C10F11}" type="datetimeFigureOut">
               <a:rPr lang="en-US" smtClean="0"/>
-              <a:t>4/22/2020</a:t>
+              <a:t>4/23/2020</a:t>
             </a:fld>
             <a:endParaRPr lang="en-US"/>
           </a:p>
@@ -1241,7 +1241,7 @@
           <a:p>
             <a:fld id="{1CE7EBEE-9833-4BC3-9BD1-B29620C10F11}" type="datetimeFigureOut">
               <a:rPr lang="en-US" smtClean="0"/>
-              <a:t>4/22/2020</a:t>
+              <a:t>4/23/2020</a:t>
             </a:fld>
             <a:endParaRPr lang="en-US"/>
           </a:p>
@@ -1608,7 +1608,7 @@
           <a:p>
             <a:fld id="{1CE7EBEE-9833-4BC3-9BD1-B29620C10F11}" type="datetimeFigureOut">
               <a:rPr lang="en-US" smtClean="0"/>
-              <a:t>4/22/2020</a:t>
+              <a:t>4/23/2020</a:t>
             </a:fld>
             <a:endParaRPr lang="en-US"/>
           </a:p>
@@ -1726,7 +1726,7 @@
           <a:p>
             <a:fld id="{1CE7EBEE-9833-4BC3-9BD1-B29620C10F11}" type="datetimeFigureOut">
               <a:rPr lang="en-US" smtClean="0"/>
-              <a:t>4/22/2020</a:t>
+              <a:t>4/23/2020</a:t>
             </a:fld>
             <a:endParaRPr lang="en-US"/>
           </a:p>
@@ -1821,7 +1821,7 @@
           <a:p>
             <a:fld id="{1CE7EBEE-9833-4BC3-9BD1-B29620C10F11}" type="datetimeFigureOut">
               <a:rPr lang="en-US" smtClean="0"/>
-              <a:t>4/22/2020</a:t>
+              <a:t>4/23/2020</a:t>
             </a:fld>
             <a:endParaRPr lang="en-US"/>
           </a:p>
@@ -2098,7 +2098,7 @@
           <a:p>
             <a:fld id="{1CE7EBEE-9833-4BC3-9BD1-B29620C10F11}" type="datetimeFigureOut">
               <a:rPr lang="en-US" smtClean="0"/>
-              <a:t>4/22/2020</a:t>
+              <a:t>4/23/2020</a:t>
             </a:fld>
             <a:endParaRPr lang="en-US"/>
           </a:p>
@@ -2355,7 +2355,7 @@
           <a:p>
             <a:fld id="{1CE7EBEE-9833-4BC3-9BD1-B29620C10F11}" type="datetimeFigureOut">
               <a:rPr lang="en-US" smtClean="0"/>
-              <a:t>4/22/2020</a:t>
+              <a:t>4/23/2020</a:t>
             </a:fld>
             <a:endParaRPr lang="en-US"/>
           </a:p>
@@ -2568,7 +2568,7 @@
           <a:p>
             <a:fld id="{1CE7EBEE-9833-4BC3-9BD1-B29620C10F11}" type="datetimeFigureOut">
               <a:rPr lang="en-US" smtClean="0"/>
-              <a:t>4/22/2020</a:t>
+              <a:t>4/23/2020</a:t>
             </a:fld>
             <a:endParaRPr lang="en-US"/>
           </a:p>
@@ -7454,6 +7454,140 @@
           </a:fontRef>
         </p:style>
       </p:cxnSp>
+      <p:sp>
+        <p:nvSpPr>
+          <p:cNvPr id="34" name="Obdĺžnik 33">
+            <a:extLst>
+              <a:ext uri="{FF2B5EF4-FFF2-40B4-BE49-F238E27FC236}">
+                <a16:creationId xmlns:a16="http://schemas.microsoft.com/office/drawing/2014/main" id="{98A440AD-8769-4616-B4C4-19F4CAD4834B}"/>
+              </a:ext>
+            </a:extLst>
+          </p:cNvPr>
+          <p:cNvSpPr/>
+          <p:nvPr/>
+        </p:nvSpPr>
+        <p:spPr>
+          <a:xfrm>
+            <a:off x="4806329" y="4111692"/>
+            <a:ext cx="2564613" cy="400110"/>
+          </a:xfrm>
+          <a:prstGeom prst="rect">
+            <a:avLst/>
+          </a:prstGeom>
+        </p:spPr>
+        <p:txBody>
+          <a:bodyPr wrap="none">
+            <a:spAutoFit/>
+          </a:bodyPr>
+          <a:lstStyle/>
+          <a:p>
+            <a:r>
+              <a:rPr lang="en-GB" sz="2000" dirty="0" err="1">
+                <a:highlight>
+                  <a:srgbClr val="00FF00"/>
+                </a:highlight>
+              </a:rPr>
+              <a:t>plot.add</a:t>
+            </a:r>
+            <a:r>
+              <a:rPr lang="sk-SK" sz="2000" dirty="0" err="1">
+                <a:highlight>
+                  <a:srgbClr val="00FF00"/>
+                </a:highlight>
+              </a:rPr>
+              <a:t>Ellipses</a:t>
+            </a:r>
+            <a:r>
+              <a:rPr lang="sk-SK" sz="2000" dirty="0">
+                <a:highlight>
+                  <a:srgbClr val="00FF00"/>
+                </a:highlight>
+              </a:rPr>
+              <a:t> + </a:t>
+            </a:r>
+            <a:r>
+              <a:rPr lang="sk-SK" sz="2000" dirty="0" err="1">
+                <a:highlight>
+                  <a:srgbClr val="00FF00"/>
+                </a:highlight>
+              </a:rPr>
+              <a:t>tests</a:t>
+            </a:r>
+            <a:endParaRPr lang="en-GB" sz="2000" dirty="0">
+              <a:highlight>
+                <a:srgbClr val="00FF00"/>
+              </a:highlight>
+            </a:endParaRPr>
+          </a:p>
+        </p:txBody>
+      </p:sp>
+      <p:sp>
+        <p:nvSpPr>
+          <p:cNvPr id="36" name="Obdĺžnik 35">
+            <a:extLst>
+              <a:ext uri="{FF2B5EF4-FFF2-40B4-BE49-F238E27FC236}">
+                <a16:creationId xmlns:a16="http://schemas.microsoft.com/office/drawing/2014/main" id="{B98A05B0-46F5-4C11-A2B2-5545D87DE7EC}"/>
+              </a:ext>
+            </a:extLst>
+          </p:cNvPr>
+          <p:cNvSpPr/>
+          <p:nvPr/>
+        </p:nvSpPr>
+        <p:spPr>
+          <a:xfrm>
+            <a:off x="4830499" y="9967595"/>
+            <a:ext cx="2564613" cy="400110"/>
+          </a:xfrm>
+          <a:prstGeom prst="rect">
+            <a:avLst/>
+          </a:prstGeom>
+        </p:spPr>
+        <p:txBody>
+          <a:bodyPr wrap="none">
+            <a:spAutoFit/>
+          </a:bodyPr>
+          <a:lstStyle/>
+          <a:p>
+            <a:r>
+              <a:rPr lang="en-GB" sz="2000" dirty="0" err="1">
+                <a:highlight>
+                  <a:srgbClr val="00FF00"/>
+                </a:highlight>
+              </a:rPr>
+              <a:t>plot.add</a:t>
+            </a:r>
+            <a:r>
+              <a:rPr lang="sk-SK" sz="2000" dirty="0" err="1">
+                <a:highlight>
+                  <a:srgbClr val="00FF00"/>
+                </a:highlight>
+              </a:rPr>
+              <a:t>Ellipses</a:t>
+            </a:r>
+            <a:r>
+              <a:rPr lang="sk-SK" sz="2000" dirty="0">
+                <a:highlight>
+                  <a:srgbClr val="00FF00"/>
+                </a:highlight>
+              </a:rPr>
+              <a:t> + </a:t>
+            </a:r>
+            <a:r>
+              <a:rPr lang="sk-SK" sz="2000" dirty="0" err="1">
+                <a:highlight>
+                  <a:srgbClr val="00FF00"/>
+                </a:highlight>
+              </a:rPr>
+              <a:t>tests</a:t>
+            </a:r>
+            <a:endParaRPr lang="en-GB" sz="2000" dirty="0">
+              <a:highlight>
+                <a:srgbClr val="00FF00"/>
+              </a:highlight>
+            </a:endParaRPr>
+          </a:p>
+        </p:txBody>
+      </p:sp>
     </p:spTree>
     <p:extLst>
       <p:ext uri="{BB962C8B-B14F-4D97-AF65-F5344CB8AC3E}">

--- a/struktura kniznice.pptx
+++ b/struktura kniznice.pptx
@@ -245,7 +245,7 @@
           <a:p>
             <a:fld id="{1CE7EBEE-9833-4BC3-9BD1-B29620C10F11}" type="datetimeFigureOut">
               <a:rPr lang="en-US" smtClean="0"/>
-              <a:t>4/23/2020</a:t>
+              <a:t>5/24/2020</a:t>
             </a:fld>
             <a:endParaRPr lang="en-US"/>
           </a:p>
@@ -415,7 +415,7 @@
           <a:p>
             <a:fld id="{1CE7EBEE-9833-4BC3-9BD1-B29620C10F11}" type="datetimeFigureOut">
               <a:rPr lang="en-US" smtClean="0"/>
-              <a:t>4/23/2020</a:t>
+              <a:t>5/24/2020</a:t>
             </a:fld>
             <a:endParaRPr lang="en-US"/>
           </a:p>
@@ -595,7 +595,7 @@
           <a:p>
             <a:fld id="{1CE7EBEE-9833-4BC3-9BD1-B29620C10F11}" type="datetimeFigureOut">
               <a:rPr lang="en-US" smtClean="0"/>
-              <a:t>4/23/2020</a:t>
+              <a:t>5/24/2020</a:t>
             </a:fld>
             <a:endParaRPr lang="en-US"/>
           </a:p>
@@ -765,7 +765,7 @@
           <a:p>
             <a:fld id="{1CE7EBEE-9833-4BC3-9BD1-B29620C10F11}" type="datetimeFigureOut">
               <a:rPr lang="en-US" smtClean="0"/>
-              <a:t>4/23/2020</a:t>
+              <a:t>5/24/2020</a:t>
             </a:fld>
             <a:endParaRPr lang="en-US"/>
           </a:p>
@@ -1009,7 +1009,7 @@
           <a:p>
             <a:fld id="{1CE7EBEE-9833-4BC3-9BD1-B29620C10F11}" type="datetimeFigureOut">
               <a:rPr lang="en-US" smtClean="0"/>
-              <a:t>4/23/2020</a:t>
+              <a:t>5/24/2020</a:t>
             </a:fld>
             <a:endParaRPr lang="en-US"/>
           </a:p>
@@ -1241,7 +1241,7 @@
           <a:p>
             <a:fld id="{1CE7EBEE-9833-4BC3-9BD1-B29620C10F11}" type="datetimeFigureOut">
               <a:rPr lang="en-US" smtClean="0"/>
-              <a:t>4/23/2020</a:t>
+              <a:t>5/24/2020</a:t>
             </a:fld>
             <a:endParaRPr lang="en-US"/>
           </a:p>
@@ -1608,7 +1608,7 @@
           <a:p>
             <a:fld id="{1CE7EBEE-9833-4BC3-9BD1-B29620C10F11}" type="datetimeFigureOut">
               <a:rPr lang="en-US" smtClean="0"/>
-              <a:t>4/23/2020</a:t>
+              <a:t>5/24/2020</a:t>
             </a:fld>
             <a:endParaRPr lang="en-US"/>
           </a:p>
@@ -1726,7 +1726,7 @@
           <a:p>
             <a:fld id="{1CE7EBEE-9833-4BC3-9BD1-B29620C10F11}" type="datetimeFigureOut">
               <a:rPr lang="en-US" smtClean="0"/>
-              <a:t>4/23/2020</a:t>
+              <a:t>5/24/2020</a:t>
             </a:fld>
             <a:endParaRPr lang="en-US"/>
           </a:p>
@@ -1821,7 +1821,7 @@
           <a:p>
             <a:fld id="{1CE7EBEE-9833-4BC3-9BD1-B29620C10F11}" type="datetimeFigureOut">
               <a:rPr lang="en-US" smtClean="0"/>
-              <a:t>4/23/2020</a:t>
+              <a:t>5/24/2020</a:t>
             </a:fld>
             <a:endParaRPr lang="en-US"/>
           </a:p>
@@ -2098,7 +2098,7 @@
           <a:p>
             <a:fld id="{1CE7EBEE-9833-4BC3-9BD1-B29620C10F11}" type="datetimeFigureOut">
               <a:rPr lang="en-US" smtClean="0"/>
-              <a:t>4/23/2020</a:t>
+              <a:t>5/24/2020</a:t>
             </a:fld>
             <a:endParaRPr lang="en-US"/>
           </a:p>
@@ -2355,7 +2355,7 @@
           <a:p>
             <a:fld id="{1CE7EBEE-9833-4BC3-9BD1-B29620C10F11}" type="datetimeFigureOut">
               <a:rPr lang="en-US" smtClean="0"/>
-              <a:t>4/23/2020</a:t>
+              <a:t>5/24/2020</a:t>
             </a:fld>
             <a:endParaRPr lang="en-US"/>
           </a:p>
@@ -2568,7 +2568,7 @@
           <a:p>
             <a:fld id="{1CE7EBEE-9833-4BC3-9BD1-B29620C10F11}" type="datetimeFigureOut">
               <a:rPr lang="en-US" smtClean="0"/>
-              <a:t>4/23/2020</a:t>
+              <a:t>5/24/2020</a:t>
             </a:fld>
             <a:endParaRPr lang="en-US"/>
           </a:p>
@@ -5924,6 +5924,41 @@
           </a:p>
         </p:txBody>
       </p:sp>
+      <p:sp>
+        <p:nvSpPr>
+          <p:cNvPr id="3" name="Obdĺžnik 2">
+            <a:extLst>
+              <a:ext uri="{FF2B5EF4-FFF2-40B4-BE49-F238E27FC236}">
+                <a16:creationId xmlns:a16="http://schemas.microsoft.com/office/drawing/2014/main" id="{B62D1EFB-F42C-486C-BF05-8B4A6B492C94}"/>
+              </a:ext>
+            </a:extLst>
+          </p:cNvPr>
+          <p:cNvSpPr/>
+          <p:nvPr/>
+        </p:nvSpPr>
+        <p:spPr>
+          <a:xfrm>
+            <a:off x="950823" y="11108206"/>
+            <a:ext cx="2653612" cy="515847"/>
+          </a:xfrm>
+          <a:prstGeom prst="rect">
+            <a:avLst/>
+          </a:prstGeom>
+        </p:spPr>
+        <p:txBody>
+          <a:bodyPr wrap="none">
+            <a:spAutoFit/>
+          </a:bodyPr>
+          <a:lstStyle/>
+          <a:p>
+            <a:r>
+              <a:rPr lang="en-GB" dirty="0" err="1"/>
+              <a:t>viewMorphodata</a:t>
+            </a:r>
+            <a:endParaRPr lang="en-GB" dirty="0"/>
+          </a:p>
+        </p:txBody>
+      </p:sp>
     </p:spTree>
     <p:extLst>
       <p:ext uri="{BB962C8B-B14F-4D97-AF65-F5344CB8AC3E}">

--- a/struktura kniznice.pptx
+++ b/struktura kniznice.pptx
@@ -245,7 +245,7 @@
           <a:p>
             <a:fld id="{1CE7EBEE-9833-4BC3-9BD1-B29620C10F11}" type="datetimeFigureOut">
               <a:rPr lang="en-US" smtClean="0"/>
-              <a:t>5/24/2020</a:t>
+              <a:t>7/9/2020</a:t>
             </a:fld>
             <a:endParaRPr lang="en-US"/>
           </a:p>
@@ -415,7 +415,7 @@
           <a:p>
             <a:fld id="{1CE7EBEE-9833-4BC3-9BD1-B29620C10F11}" type="datetimeFigureOut">
               <a:rPr lang="en-US" smtClean="0"/>
-              <a:t>5/24/2020</a:t>
+              <a:t>7/9/2020</a:t>
             </a:fld>
             <a:endParaRPr lang="en-US"/>
           </a:p>
@@ -595,7 +595,7 @@
           <a:p>
             <a:fld id="{1CE7EBEE-9833-4BC3-9BD1-B29620C10F11}" type="datetimeFigureOut">
               <a:rPr lang="en-US" smtClean="0"/>
-              <a:t>5/24/2020</a:t>
+              <a:t>7/9/2020</a:t>
             </a:fld>
             <a:endParaRPr lang="en-US"/>
           </a:p>
@@ -765,7 +765,7 @@
           <a:p>
             <a:fld id="{1CE7EBEE-9833-4BC3-9BD1-B29620C10F11}" type="datetimeFigureOut">
               <a:rPr lang="en-US" smtClean="0"/>
-              <a:t>5/24/2020</a:t>
+              <a:t>7/9/2020</a:t>
             </a:fld>
             <a:endParaRPr lang="en-US"/>
           </a:p>
@@ -1009,7 +1009,7 @@
           <a:p>
             <a:fld id="{1CE7EBEE-9833-4BC3-9BD1-B29620C10F11}" type="datetimeFigureOut">
               <a:rPr lang="en-US" smtClean="0"/>
-              <a:t>5/24/2020</a:t>
+              <a:t>7/9/2020</a:t>
             </a:fld>
             <a:endParaRPr lang="en-US"/>
           </a:p>
@@ -1241,7 +1241,7 @@
           <a:p>
             <a:fld id="{1CE7EBEE-9833-4BC3-9BD1-B29620C10F11}" type="datetimeFigureOut">
               <a:rPr lang="en-US" smtClean="0"/>
-              <a:t>5/24/2020</a:t>
+              <a:t>7/9/2020</a:t>
             </a:fld>
             <a:endParaRPr lang="en-US"/>
           </a:p>
@@ -1608,7 +1608,7 @@
           <a:p>
             <a:fld id="{1CE7EBEE-9833-4BC3-9BD1-B29620C10F11}" type="datetimeFigureOut">
               <a:rPr lang="en-US" smtClean="0"/>
-              <a:t>5/24/2020</a:t>
+              <a:t>7/9/2020</a:t>
             </a:fld>
             <a:endParaRPr lang="en-US"/>
           </a:p>
@@ -1726,7 +1726,7 @@
           <a:p>
             <a:fld id="{1CE7EBEE-9833-4BC3-9BD1-B29620C10F11}" type="datetimeFigureOut">
               <a:rPr lang="en-US" smtClean="0"/>
-              <a:t>5/24/2020</a:t>
+              <a:t>7/9/2020</a:t>
             </a:fld>
             <a:endParaRPr lang="en-US"/>
           </a:p>
@@ -1821,7 +1821,7 @@
           <a:p>
             <a:fld id="{1CE7EBEE-9833-4BC3-9BD1-B29620C10F11}" type="datetimeFigureOut">
               <a:rPr lang="en-US" smtClean="0"/>
-              <a:t>5/24/2020</a:t>
+              <a:t>7/9/2020</a:t>
             </a:fld>
             <a:endParaRPr lang="en-US"/>
           </a:p>
@@ -2098,7 +2098,7 @@
           <a:p>
             <a:fld id="{1CE7EBEE-9833-4BC3-9BD1-B29620C10F11}" type="datetimeFigureOut">
               <a:rPr lang="en-US" smtClean="0"/>
-              <a:t>5/24/2020</a:t>
+              <a:t>7/9/2020</a:t>
             </a:fld>
             <a:endParaRPr lang="en-US"/>
           </a:p>
@@ -2355,7 +2355,7 @@
           <a:p>
             <a:fld id="{1CE7EBEE-9833-4BC3-9BD1-B29620C10F11}" type="datetimeFigureOut">
               <a:rPr lang="en-US" smtClean="0"/>
-              <a:t>5/24/2020</a:t>
+              <a:t>7/9/2020</a:t>
             </a:fld>
             <a:endParaRPr lang="en-US"/>
           </a:p>
@@ -2568,7 +2568,7 @@
           <a:p>
             <a:fld id="{1CE7EBEE-9833-4BC3-9BD1-B29620C10F11}" type="datetimeFigureOut">
               <a:rPr lang="en-US" smtClean="0"/>
-              <a:t>5/24/2020</a:t>
+              <a:t>7/9/2020</a:t>
             </a:fld>
             <a:endParaRPr lang="en-US"/>
           </a:p>
@@ -7623,6 +7623,124 @@
           </a:p>
         </p:txBody>
       </p:sp>
+      <p:sp>
+        <p:nvSpPr>
+          <p:cNvPr id="20" name="Obdĺžnik 19">
+            <a:extLst>
+              <a:ext uri="{FF2B5EF4-FFF2-40B4-BE49-F238E27FC236}">
+                <a16:creationId xmlns:a16="http://schemas.microsoft.com/office/drawing/2014/main" id="{E75F4753-7C49-4390-B372-9229A3C55189}"/>
+              </a:ext>
+            </a:extLst>
+          </p:cNvPr>
+          <p:cNvSpPr/>
+          <p:nvPr/>
+        </p:nvSpPr>
+        <p:spPr>
+          <a:xfrm>
+            <a:off x="4830499" y="10597449"/>
+            <a:ext cx="2340705" cy="400110"/>
+          </a:xfrm>
+          <a:prstGeom prst="rect">
+            <a:avLst/>
+          </a:prstGeom>
+        </p:spPr>
+        <p:txBody>
+          <a:bodyPr wrap="none">
+            <a:spAutoFit/>
+          </a:bodyPr>
+          <a:lstStyle/>
+          <a:p>
+            <a:r>
+              <a:rPr lang="en-GB" sz="2000" dirty="0">
+                <a:highlight>
+                  <a:srgbClr val="00FF00"/>
+                </a:highlight>
+              </a:rPr>
+              <a:t>plot.3Dpoints</a:t>
+            </a:r>
+            <a:r>
+              <a:rPr lang="sk-SK" sz="2000" dirty="0">
+                <a:highlight>
+                  <a:srgbClr val="00FF00"/>
+                </a:highlight>
+              </a:rPr>
+              <a:t> + </a:t>
+            </a:r>
+            <a:r>
+              <a:rPr lang="sk-SK" sz="2000" dirty="0" err="1">
+                <a:highlight>
+                  <a:srgbClr val="00FF00"/>
+                </a:highlight>
+              </a:rPr>
+              <a:t>tests</a:t>
+            </a:r>
+            <a:endParaRPr lang="en-GB" sz="2000" dirty="0">
+              <a:highlight>
+                <a:srgbClr val="00FF00"/>
+              </a:highlight>
+            </a:endParaRPr>
+          </a:p>
+        </p:txBody>
+      </p:sp>
+      <p:sp>
+        <p:nvSpPr>
+          <p:cNvPr id="21" name="Obdĺžnik 20">
+            <a:extLst>
+              <a:ext uri="{FF2B5EF4-FFF2-40B4-BE49-F238E27FC236}">
+                <a16:creationId xmlns:a16="http://schemas.microsoft.com/office/drawing/2014/main" id="{0802329B-E027-4AFB-89B5-036EDF277A24}"/>
+              </a:ext>
+            </a:extLst>
+          </p:cNvPr>
+          <p:cNvSpPr/>
+          <p:nvPr/>
+        </p:nvSpPr>
+        <p:spPr>
+          <a:xfrm>
+            <a:off x="4830499" y="4767835"/>
+            <a:ext cx="2340705" cy="400110"/>
+          </a:xfrm>
+          <a:prstGeom prst="rect">
+            <a:avLst/>
+          </a:prstGeom>
+        </p:spPr>
+        <p:txBody>
+          <a:bodyPr wrap="none">
+            <a:spAutoFit/>
+          </a:bodyPr>
+          <a:lstStyle/>
+          <a:p>
+            <a:r>
+              <a:rPr lang="en-GB" sz="2000" dirty="0">
+                <a:highlight>
+                  <a:srgbClr val="00FF00"/>
+                </a:highlight>
+              </a:rPr>
+              <a:t>plot.3Dpoints</a:t>
+            </a:r>
+            <a:r>
+              <a:rPr lang="sk-SK" sz="2000" dirty="0">
+                <a:highlight>
+                  <a:srgbClr val="00FF00"/>
+                </a:highlight>
+              </a:rPr>
+              <a:t> + </a:t>
+            </a:r>
+            <a:r>
+              <a:rPr lang="sk-SK" sz="2000" dirty="0" err="1">
+                <a:highlight>
+                  <a:srgbClr val="00FF00"/>
+                </a:highlight>
+              </a:rPr>
+              <a:t>tests</a:t>
+            </a:r>
+            <a:endParaRPr lang="en-GB" sz="2000" dirty="0">
+              <a:highlight>
+                <a:srgbClr val="00FF00"/>
+              </a:highlight>
+            </a:endParaRPr>
+          </a:p>
+        </p:txBody>
+      </p:sp>
     </p:spTree>
     <p:extLst>
       <p:ext uri="{BB962C8B-B14F-4D97-AF65-F5344CB8AC3E}">
